--- a/Marketing Experiment Analysis for a Fast-Food Chain ..pptx
+++ b/Marketing Experiment Analysis for a Fast-Food Chain ..pptx
@@ -5,7 +5,7 @@
     <p:sldMasterId id="2147483648" r:id="rId1"/>
   </p:sldMasterIdLst>
   <p:notesMasterIdLst>
-    <p:notesMasterId r:id="rId20"/>
+    <p:notesMasterId r:id="rId22"/>
   </p:notesMasterIdLst>
   <p:sldIdLst>
     <p:sldId id="274" r:id="rId2"/>
@@ -24,8 +24,10 @@
     <p:sldId id="269" r:id="rId15"/>
     <p:sldId id="270" r:id="rId16"/>
     <p:sldId id="271" r:id="rId17"/>
-    <p:sldId id="272" r:id="rId18"/>
-    <p:sldId id="273" r:id="rId19"/>
+    <p:sldId id="275" r:id="rId18"/>
+    <p:sldId id="276" r:id="rId19"/>
+    <p:sldId id="272" r:id="rId20"/>
+    <p:sldId id="273" r:id="rId21"/>
   </p:sldIdLst>
   <p:sldSz cx="12192000" cy="6858000"/>
   <p:notesSz cx="6858000" cy="9144000"/>
@@ -214,7 +216,7 @@
           <a:p>
             <a:fld id="{4A12BFD6-EA58-4673-A048-7C406AB4C38D}" type="datetimeFigureOut">
               <a:rPr lang="en-IN" smtClean="0"/>
-              <a:t>07-04-2025</a:t>
+              <a:t>08-04-2025</a:t>
             </a:fld>
             <a:endParaRPr lang="en-IN"/>
           </a:p>
@@ -631,7 +633,7 @@
           <a:p>
             <a:fld id="{AACF61AB-F092-45CD-AD04-919EBCE10F2E}" type="datetime1">
               <a:rPr lang="en-IN" smtClean="0"/>
-              <a:t>07-04-2025</a:t>
+              <a:t>08-04-2025</a:t>
             </a:fld>
             <a:endParaRPr lang="en-IN"/>
           </a:p>
@@ -831,7 +833,7 @@
           <a:p>
             <a:fld id="{9FC0B50B-DDEA-4839-94EF-D92BA506EF19}" type="datetime1">
               <a:rPr lang="en-IN" smtClean="0"/>
-              <a:t>07-04-2025</a:t>
+              <a:t>08-04-2025</a:t>
             </a:fld>
             <a:endParaRPr lang="en-IN"/>
           </a:p>
@@ -1041,7 +1043,7 @@
           <a:p>
             <a:fld id="{D6A8BB5D-49F1-45BB-AE71-7DABE0073FF2}" type="datetime1">
               <a:rPr lang="en-IN" smtClean="0"/>
-              <a:t>07-04-2025</a:t>
+              <a:t>08-04-2025</a:t>
             </a:fld>
             <a:endParaRPr lang="en-IN"/>
           </a:p>
@@ -1241,7 +1243,7 @@
           <a:p>
             <a:fld id="{07F52676-06EC-41ED-8A97-D05455CAC70E}" type="datetime1">
               <a:rPr lang="en-IN" smtClean="0"/>
-              <a:t>07-04-2025</a:t>
+              <a:t>08-04-2025</a:t>
             </a:fld>
             <a:endParaRPr lang="en-IN"/>
           </a:p>
@@ -1517,7 +1519,7 @@
           <a:p>
             <a:fld id="{8296B0B5-5C83-443F-84BA-AD7B745E712F}" type="datetime1">
               <a:rPr lang="en-IN" smtClean="0"/>
-              <a:t>07-04-2025</a:t>
+              <a:t>08-04-2025</a:t>
             </a:fld>
             <a:endParaRPr lang="en-IN"/>
           </a:p>
@@ -1785,7 +1787,7 @@
           <a:p>
             <a:fld id="{616D64A8-4E19-4BB8-88CF-9FE625F0B214}" type="datetime1">
               <a:rPr lang="en-IN" smtClean="0"/>
-              <a:t>07-04-2025</a:t>
+              <a:t>08-04-2025</a:t>
             </a:fld>
             <a:endParaRPr lang="en-IN"/>
           </a:p>
@@ -2200,7 +2202,7 @@
           <a:p>
             <a:fld id="{D5D9F160-A8F7-40B2-B89B-D53A73290115}" type="datetime1">
               <a:rPr lang="en-IN" smtClean="0"/>
-              <a:t>07-04-2025</a:t>
+              <a:t>08-04-2025</a:t>
             </a:fld>
             <a:endParaRPr lang="en-IN"/>
           </a:p>
@@ -2342,7 +2344,7 @@
           <a:p>
             <a:fld id="{01BE5859-526D-4468-99F6-91EE702DE68B}" type="datetime1">
               <a:rPr lang="en-IN" smtClean="0"/>
-              <a:t>07-04-2025</a:t>
+              <a:t>08-04-2025</a:t>
             </a:fld>
             <a:endParaRPr lang="en-IN"/>
           </a:p>
@@ -2455,7 +2457,7 @@
           <a:p>
             <a:fld id="{6DB8CEDD-C4E0-4415-B626-E603353D4C51}" type="datetime1">
               <a:rPr lang="en-IN" smtClean="0"/>
-              <a:t>07-04-2025</a:t>
+              <a:t>08-04-2025</a:t>
             </a:fld>
             <a:endParaRPr lang="en-IN"/>
           </a:p>
@@ -2768,7 +2770,7 @@
           <a:p>
             <a:fld id="{4FD3F87A-9121-462B-A22E-A945F5F413D3}" type="datetime1">
               <a:rPr lang="en-IN" smtClean="0"/>
-              <a:t>07-04-2025</a:t>
+              <a:t>08-04-2025</a:t>
             </a:fld>
             <a:endParaRPr lang="en-IN"/>
           </a:p>
@@ -3057,7 +3059,7 @@
           <a:p>
             <a:fld id="{781E0FAB-158E-4E43-A201-E0BEBAACC257}" type="datetime1">
               <a:rPr lang="en-IN" smtClean="0"/>
-              <a:t>07-04-2025</a:t>
+              <a:t>08-04-2025</a:t>
             </a:fld>
             <a:endParaRPr lang="en-IN"/>
           </a:p>
@@ -3300,7 +3302,7 @@
           <a:p>
             <a:fld id="{9750DE9F-71F6-43C0-BAD9-E5CCFE8697F6}" type="datetime1">
               <a:rPr lang="en-IN" smtClean="0"/>
-              <a:t>07-04-2025</a:t>
+              <a:t>08-04-2025</a:t>
             </a:fld>
             <a:endParaRPr lang="en-IN"/>
           </a:p>
@@ -4527,7 +4529,7 @@
         </p:nvSpPr>
         <p:spPr>
           <a:xfrm>
-            <a:off x="268941" y="170329"/>
+            <a:off x="378669" y="289201"/>
             <a:ext cx="9681883" cy="1754326"/>
           </a:xfrm>
           <a:prstGeom prst="rect">
@@ -7314,10 +7316,290 @@
       </p:grpSpPr>
       <p:sp>
         <p:nvSpPr>
+          <p:cNvPr id="2" name="Title 1">
+            <a:extLst>
+              <a:ext uri="{FF2B5EF4-FFF2-40B4-BE49-F238E27FC236}">
+                <a16:creationId xmlns:a16="http://schemas.microsoft.com/office/drawing/2014/main" id="{D299E5E6-F344-64F7-64C3-972A960028AB}"/>
+              </a:ext>
+            </a:extLst>
+          </p:cNvPr>
+          <p:cNvSpPr>
+            <a:spLocks noGrp="1"/>
+          </p:cNvSpPr>
+          <p:nvPr>
+            <p:ph type="title"/>
+          </p:nvPr>
+        </p:nvSpPr>
+        <p:spPr>
+          <a:xfrm>
+            <a:off x="106680" y="236132"/>
+            <a:ext cx="11378184" cy="581359"/>
+          </a:xfrm>
+        </p:spPr>
+        <p:txBody>
+          <a:bodyPr>
+            <a:normAutofit fontScale="90000"/>
+          </a:bodyPr>
+          <a:lstStyle/>
+          <a:p>
+            <a:r>
+              <a:rPr lang="en-US" dirty="0"/>
+              <a:t>🛰️ Model Deployment: Sales Prediction Web App</a:t>
+            </a:r>
+            <a:endParaRPr lang="en-IN" dirty="0"/>
+          </a:p>
+        </p:txBody>
+      </p:sp>
+      <p:sp>
+        <p:nvSpPr>
+          <p:cNvPr id="3" name="Content Placeholder 2">
+            <a:extLst>
+              <a:ext uri="{FF2B5EF4-FFF2-40B4-BE49-F238E27FC236}">
+                <a16:creationId xmlns:a16="http://schemas.microsoft.com/office/drawing/2014/main" id="{3B9EB7FB-EA68-31AE-94BB-13384E621B38}"/>
+              </a:ext>
+            </a:extLst>
+          </p:cNvPr>
+          <p:cNvSpPr>
+            <a:spLocks noGrp="1"/>
+          </p:cNvSpPr>
+          <p:nvPr>
+            <p:ph idx="1"/>
+          </p:nvPr>
+        </p:nvSpPr>
+        <p:spPr>
+          <a:xfrm>
+            <a:off x="365760" y="1179576"/>
+            <a:ext cx="10860024" cy="5074920"/>
+          </a:xfrm>
+        </p:spPr>
+        <p:txBody>
+          <a:bodyPr>
+            <a:normAutofit fontScale="62500" lnSpcReduction="20000"/>
+          </a:bodyPr>
+          <a:lstStyle/>
+          <a:p>
+            <a:pPr>
+              <a:buNone/>
+            </a:pPr>
+            <a:r>
+              <a:rPr lang="en-US" dirty="0"/>
+              <a:t>To enable practical use of our analysis, we developed an </a:t>
+            </a:r>
+            <a:r>
+              <a:rPr lang="en-US" b="1" dirty="0"/>
+              <a:t>interactive web application</a:t>
+            </a:r>
+            <a:r>
+              <a:rPr lang="en-US" dirty="0"/>
+              <a:t> using </a:t>
+            </a:r>
+            <a:r>
+              <a:rPr lang="en-US" b="1" dirty="0" err="1"/>
+              <a:t>Streamlit</a:t>
+            </a:r>
+            <a:r>
+              <a:rPr lang="en-US" dirty="0"/>
+              <a:t>. This app allows users to input store-specific parameters and receive </a:t>
+            </a:r>
+            <a:r>
+              <a:rPr lang="en-US" b="1" dirty="0"/>
+              <a:t>real-time sales predictions</a:t>
+            </a:r>
+            <a:r>
+              <a:rPr lang="en-US" dirty="0"/>
+              <a:t>.</a:t>
+            </a:r>
+          </a:p>
+          <a:p>
+            <a:pPr>
+              <a:buNone/>
+            </a:pPr>
+            <a:r>
+              <a:rPr lang="en-US" b="1" dirty="0"/>
+              <a:t>🔧 Features:</a:t>
+            </a:r>
+          </a:p>
+          <a:p>
+            <a:pPr>
+              <a:buFont typeface="Arial" panose="020B0604020202020204" pitchFamily="34" charset="0"/>
+              <a:buChar char="•"/>
+            </a:pPr>
+            <a:r>
+              <a:rPr lang="en-US" b="1" dirty="0"/>
+              <a:t>Market Size</a:t>
+            </a:r>
+            <a:r>
+              <a:rPr lang="en-US" dirty="0"/>
+              <a:t>: Select from Small, Medium, or Large.</a:t>
+            </a:r>
+          </a:p>
+          <a:p>
+            <a:pPr>
+              <a:buFont typeface="Arial" panose="020B0604020202020204" pitchFamily="34" charset="0"/>
+              <a:buChar char="•"/>
+            </a:pPr>
+            <a:r>
+              <a:rPr lang="en-US" b="1" dirty="0"/>
+              <a:t>Promotion Level</a:t>
+            </a:r>
+            <a:r>
+              <a:rPr lang="en-US" dirty="0"/>
+              <a:t>: Input promotional effort (1 to 3).</a:t>
+            </a:r>
+          </a:p>
+          <a:p>
+            <a:pPr>
+              <a:buFont typeface="Arial" panose="020B0604020202020204" pitchFamily="34" charset="0"/>
+              <a:buChar char="•"/>
+            </a:pPr>
+            <a:r>
+              <a:rPr lang="en-US" b="1" dirty="0"/>
+              <a:t>Store Age</a:t>
+            </a:r>
+            <a:r>
+              <a:rPr lang="en-US" dirty="0"/>
+              <a:t>: Years since the store opened.</a:t>
+            </a:r>
+          </a:p>
+          <a:p>
+            <a:pPr>
+              <a:buFont typeface="Arial" panose="020B0604020202020204" pitchFamily="34" charset="0"/>
+              <a:buChar char="•"/>
+            </a:pPr>
+            <a:r>
+              <a:rPr lang="en-US" b="1" dirty="0"/>
+              <a:t>Week</a:t>
+            </a:r>
+            <a:r>
+              <a:rPr lang="en-US" dirty="0"/>
+              <a:t>: Choose the week for which prediction is needed.</a:t>
+            </a:r>
+          </a:p>
+          <a:p>
+            <a:pPr>
+              <a:buNone/>
+            </a:pPr>
+            <a:r>
+              <a:rPr lang="en-US" b="1" dirty="0"/>
+              <a:t>🎯 Purpose:</a:t>
+            </a:r>
+          </a:p>
+          <a:p>
+            <a:pPr>
+              <a:buNone/>
+            </a:pPr>
+            <a:r>
+              <a:rPr lang="en-US" dirty="0"/>
+              <a:t>This tool empowers decision-makers to:</a:t>
+            </a:r>
+          </a:p>
+          <a:p>
+            <a:pPr>
+              <a:buFont typeface="Arial" panose="020B0604020202020204" pitchFamily="34" charset="0"/>
+              <a:buChar char="•"/>
+            </a:pPr>
+            <a:r>
+              <a:rPr lang="en-US" dirty="0"/>
+              <a:t>Simulate outcomes of different promotional strategies.</a:t>
+            </a:r>
+          </a:p>
+          <a:p>
+            <a:pPr>
+              <a:buFont typeface="Arial" panose="020B0604020202020204" pitchFamily="34" charset="0"/>
+              <a:buChar char="•"/>
+            </a:pPr>
+            <a:r>
+              <a:rPr lang="en-US" dirty="0"/>
+              <a:t>Compare campaign effectiveness across varying market conditions.</a:t>
+            </a:r>
+          </a:p>
+          <a:p>
+            <a:pPr>
+              <a:buFont typeface="Arial" panose="020B0604020202020204" pitchFamily="34" charset="0"/>
+              <a:buChar char="•"/>
+            </a:pPr>
+            <a:r>
+              <a:rPr lang="en-US" dirty="0"/>
+              <a:t>Make data-driven marketing decisions based on predicted sales.</a:t>
+            </a:r>
+          </a:p>
+          <a:p>
+            <a:pPr>
+              <a:buNone/>
+            </a:pPr>
+            <a:r>
+              <a:rPr lang="en-US" dirty="0"/>
+              <a:t>👉 </a:t>
+            </a:r>
+            <a:r>
+              <a:rPr lang="en-US" b="1" dirty="0"/>
+              <a:t>Technologies Used</a:t>
+            </a:r>
+            <a:r>
+              <a:rPr lang="en-US" dirty="0"/>
+              <a:t>:</a:t>
+            </a:r>
+          </a:p>
+          <a:p>
+            <a:pPr>
+              <a:buFont typeface="Arial" panose="020B0604020202020204" pitchFamily="34" charset="0"/>
+              <a:buChar char="•"/>
+            </a:pPr>
+            <a:r>
+              <a:rPr lang="en-US" b="1" dirty="0" err="1"/>
+              <a:t>Streamlit</a:t>
+            </a:r>
+            <a:r>
+              <a:rPr lang="en-US" dirty="0"/>
+              <a:t> for front-end interface</a:t>
+            </a:r>
+          </a:p>
+          <a:p>
+            <a:pPr>
+              <a:buFont typeface="Arial" panose="020B0604020202020204" pitchFamily="34" charset="0"/>
+              <a:buChar char="•"/>
+            </a:pPr>
+            <a:r>
+              <a:rPr lang="en-US" b="1" dirty="0"/>
+              <a:t>Scikit-learn</a:t>
+            </a:r>
+            <a:r>
+              <a:rPr lang="en-US" dirty="0"/>
+              <a:t> for model inference</a:t>
+            </a:r>
+          </a:p>
+          <a:p>
+            <a:pPr>
+              <a:buFont typeface="Arial" panose="020B0604020202020204" pitchFamily="34" charset="0"/>
+              <a:buChar char="•"/>
+            </a:pPr>
+            <a:r>
+              <a:rPr lang="en-US" b="1" dirty="0"/>
+              <a:t>Pandas/</a:t>
+            </a:r>
+            <a:r>
+              <a:rPr lang="en-US" b="1" dirty="0" err="1"/>
+              <a:t>Numpy</a:t>
+            </a:r>
+            <a:r>
+              <a:rPr lang="en-US" dirty="0"/>
+              <a:t> for data processing</a:t>
+            </a:r>
+          </a:p>
+          <a:p>
+            <a:pPr marL="0" indent="0">
+              <a:buNone/>
+            </a:pPr>
+            <a:endParaRPr lang="en-IN" dirty="0"/>
+          </a:p>
+        </p:txBody>
+      </p:sp>
+      <p:sp>
+        <p:nvSpPr>
           <p:cNvPr id="5" name="Slide Number Placeholder 4">
             <a:extLst>
               <a:ext uri="{FF2B5EF4-FFF2-40B4-BE49-F238E27FC236}">
-                <a16:creationId xmlns:a16="http://schemas.microsoft.com/office/drawing/2014/main" id="{9779E104-F900-1044-B42E-F3FFEE27855B}"/>
+                <a16:creationId xmlns:a16="http://schemas.microsoft.com/office/drawing/2014/main" id="{FC4BFFD7-9C06-DFE4-64F9-7C0EF1D003A9}"/>
               </a:ext>
             </a:extLst>
           </p:cNvPr>
@@ -7341,848 +7623,10 @@
           </a:p>
         </p:txBody>
       </p:sp>
-      <p:sp>
-        <p:nvSpPr>
-          <p:cNvPr id="6" name="Title 8">
-            <a:extLst>
-              <a:ext uri="{FF2B5EF4-FFF2-40B4-BE49-F238E27FC236}">
-                <a16:creationId xmlns:a16="http://schemas.microsoft.com/office/drawing/2014/main" id="{95010354-1F6B-DD13-05D4-D6CD65BEA24B}"/>
-              </a:ext>
-            </a:extLst>
-          </p:cNvPr>
-          <p:cNvSpPr>
-            <a:spLocks noGrp="1"/>
-          </p:cNvSpPr>
-          <p:nvPr>
-            <p:ph type="title"/>
-          </p:nvPr>
-        </p:nvSpPr>
-        <p:spPr>
-          <a:xfrm>
-            <a:off x="0" y="0"/>
-            <a:ext cx="10360152" cy="914400"/>
-          </a:xfrm>
-        </p:spPr>
-        <p:txBody>
-          <a:bodyPr/>
-          <a:lstStyle/>
-          <a:p>
-            <a:r>
-              <a:rPr lang="en-IN" u="sng" dirty="0"/>
-              <a:t>Conclusion</a:t>
-            </a:r>
-            <a:endParaRPr lang="en-US" u="sng" dirty="0"/>
-          </a:p>
-        </p:txBody>
-      </p:sp>
-      <p:sp>
-        <p:nvSpPr>
-          <p:cNvPr id="7" name="Slide Number Placeholder 3">
-            <a:extLst>
-              <a:ext uri="{FF2B5EF4-FFF2-40B4-BE49-F238E27FC236}">
-                <a16:creationId xmlns:a16="http://schemas.microsoft.com/office/drawing/2014/main" id="{DCC47D2B-6572-EF79-26AE-C93AB813C717}"/>
-              </a:ext>
-            </a:extLst>
-          </p:cNvPr>
-          <p:cNvSpPr txBox="1">
-            <a:spLocks/>
-          </p:cNvSpPr>
-          <p:nvPr/>
-        </p:nvSpPr>
-        <p:spPr>
-          <a:xfrm>
-            <a:off x="11353800" y="5879804"/>
-            <a:ext cx="661416" cy="895899"/>
-          </a:xfrm>
-          <a:prstGeom prst="rect">
-            <a:avLst/>
-          </a:prstGeom>
-        </p:spPr>
-        <p:txBody>
-          <a:bodyPr/>
-          <a:lstStyle>
-            <a:defPPr>
-              <a:defRPr lang="en-US"/>
-            </a:defPPr>
-            <a:lvl1pPr marL="0" algn="l" defTabSz="914400" rtl="0" eaLnBrk="1" latinLnBrk="0" hangingPunct="1">
-              <a:defRPr sz="1800" kern="1200">
-                <a:solidFill>
-                  <a:schemeClr val="tx1"/>
-                </a:solidFill>
-                <a:latin typeface="+mn-lt"/>
-                <a:ea typeface="+mn-ea"/>
-                <a:cs typeface="+mn-cs"/>
-              </a:defRPr>
-            </a:lvl1pPr>
-            <a:lvl2pPr marL="457200" algn="l" defTabSz="914400" rtl="0" eaLnBrk="1" latinLnBrk="0" hangingPunct="1">
-              <a:defRPr sz="1800" kern="1200">
-                <a:solidFill>
-                  <a:schemeClr val="tx1"/>
-                </a:solidFill>
-                <a:latin typeface="+mn-lt"/>
-                <a:ea typeface="+mn-ea"/>
-                <a:cs typeface="+mn-cs"/>
-              </a:defRPr>
-            </a:lvl2pPr>
-            <a:lvl3pPr marL="914400" algn="l" defTabSz="914400" rtl="0" eaLnBrk="1" latinLnBrk="0" hangingPunct="1">
-              <a:defRPr sz="1800" kern="1200">
-                <a:solidFill>
-                  <a:schemeClr val="tx1"/>
-                </a:solidFill>
-                <a:latin typeface="+mn-lt"/>
-                <a:ea typeface="+mn-ea"/>
-                <a:cs typeface="+mn-cs"/>
-              </a:defRPr>
-            </a:lvl3pPr>
-            <a:lvl4pPr marL="1371600" algn="l" defTabSz="914400" rtl="0" eaLnBrk="1" latinLnBrk="0" hangingPunct="1">
-              <a:defRPr sz="1800" kern="1200">
-                <a:solidFill>
-                  <a:schemeClr val="tx1"/>
-                </a:solidFill>
-                <a:latin typeface="+mn-lt"/>
-                <a:ea typeface="+mn-ea"/>
-                <a:cs typeface="+mn-cs"/>
-              </a:defRPr>
-            </a:lvl4pPr>
-            <a:lvl5pPr marL="1828800" algn="l" defTabSz="914400" rtl="0" eaLnBrk="1" latinLnBrk="0" hangingPunct="1">
-              <a:defRPr sz="1800" kern="1200">
-                <a:solidFill>
-                  <a:schemeClr val="tx1"/>
-                </a:solidFill>
-                <a:latin typeface="+mn-lt"/>
-                <a:ea typeface="+mn-ea"/>
-                <a:cs typeface="+mn-cs"/>
-              </a:defRPr>
-            </a:lvl5pPr>
-            <a:lvl6pPr marL="2286000" algn="l" defTabSz="914400" rtl="0" eaLnBrk="1" latinLnBrk="0" hangingPunct="1">
-              <a:defRPr sz="1800" kern="1200">
-                <a:solidFill>
-                  <a:schemeClr val="tx1"/>
-                </a:solidFill>
-                <a:latin typeface="+mn-lt"/>
-                <a:ea typeface="+mn-ea"/>
-                <a:cs typeface="+mn-cs"/>
-              </a:defRPr>
-            </a:lvl6pPr>
-            <a:lvl7pPr marL="2743200" algn="l" defTabSz="914400" rtl="0" eaLnBrk="1" latinLnBrk="0" hangingPunct="1">
-              <a:defRPr sz="1800" kern="1200">
-                <a:solidFill>
-                  <a:schemeClr val="tx1"/>
-                </a:solidFill>
-                <a:latin typeface="+mn-lt"/>
-                <a:ea typeface="+mn-ea"/>
-                <a:cs typeface="+mn-cs"/>
-              </a:defRPr>
-            </a:lvl7pPr>
-            <a:lvl8pPr marL="3200400" algn="l" defTabSz="914400" rtl="0" eaLnBrk="1" latinLnBrk="0" hangingPunct="1">
-              <a:defRPr sz="1800" kern="1200">
-                <a:solidFill>
-                  <a:schemeClr val="tx1"/>
-                </a:solidFill>
-                <a:latin typeface="+mn-lt"/>
-                <a:ea typeface="+mn-ea"/>
-                <a:cs typeface="+mn-cs"/>
-              </a:defRPr>
-            </a:lvl8pPr>
-            <a:lvl9pPr marL="3657600" algn="l" defTabSz="914400" rtl="0" eaLnBrk="1" latinLnBrk="0" hangingPunct="1">
-              <a:defRPr sz="1800" kern="1200">
-                <a:solidFill>
-                  <a:schemeClr val="tx1"/>
-                </a:solidFill>
-                <a:latin typeface="+mn-lt"/>
-                <a:ea typeface="+mn-ea"/>
-                <a:cs typeface="+mn-cs"/>
-              </a:defRPr>
-            </a:lvl9pPr>
-          </a:lstStyle>
-          <a:p>
-            <a:fld id="{58FB4751-880F-D840-AAA9-3A15815CC996}" type="slidenum">
-              <a:rPr lang="en-US" smtClean="0"/>
-              <a:pPr/>
-              <a:t>17</a:t>
-            </a:fld>
-            <a:endParaRPr lang="en-US" dirty="0"/>
-          </a:p>
-        </p:txBody>
-      </p:sp>
-      <p:sp>
-        <p:nvSpPr>
-          <p:cNvPr id="8" name="Rectangle 2">
-            <a:extLst>
-              <a:ext uri="{FF2B5EF4-FFF2-40B4-BE49-F238E27FC236}">
-                <a16:creationId xmlns:a16="http://schemas.microsoft.com/office/drawing/2014/main" id="{92E8A5E6-3C6B-8AA2-9ACD-2584302B2B88}"/>
-              </a:ext>
-            </a:extLst>
-          </p:cNvPr>
-          <p:cNvSpPr txBox="1">
-            <a:spLocks noChangeArrowheads="1"/>
-          </p:cNvSpPr>
-          <p:nvPr/>
-        </p:nvSpPr>
-        <p:spPr bwMode="auto">
-          <a:xfrm>
-            <a:off x="581611" y="940054"/>
-            <a:ext cx="6872848" cy="1200329"/>
-          </a:xfrm>
-          <a:prstGeom prst="rect">
-            <a:avLst/>
-          </a:prstGeom>
-          <a:noFill/>
-          <a:ln>
-            <a:noFill/>
-          </a:ln>
-          <a:effectLst/>
-          <a:extLst>
-            <a:ext uri="{909E8E84-426E-40DD-AFC4-6F175D3DCCD1}">
-              <a14:hiddenFill xmlns:a14="http://schemas.microsoft.com/office/drawing/2010/main">
-                <a:solidFill>
-                  <a:schemeClr val="accent1"/>
-                </a:solidFill>
-              </a14:hiddenFill>
-            </a:ext>
-            <a:ext uri="{91240B29-F687-4F45-9708-019B960494DF}">
-              <a14:hiddenLine xmlns:a14="http://schemas.microsoft.com/office/drawing/2010/main" w="9525">
-                <a:solidFill>
-                  <a:schemeClr val="tx1"/>
-                </a:solidFill>
-                <a:miter lim="800000"/>
-                <a:headEnd/>
-                <a:tailEnd/>
-              </a14:hiddenLine>
-            </a:ext>
-            <a:ext uri="{AF507438-7753-43E0-B8FC-AC1667EBCBE1}">
-              <a14:hiddenEffects xmlns:a14="http://schemas.microsoft.com/office/drawing/2010/main">
-                <a:effectLst>
-                  <a:outerShdw dist="35921" dir="2700000" algn="ctr" rotWithShape="0">
-                    <a:schemeClr val="bg2"/>
-                  </a:outerShdw>
-                </a:effectLst>
-              </a14:hiddenEffects>
-            </a:ext>
-          </a:extLst>
-        </p:spPr>
-        <p:txBody>
-          <a:bodyPr vert="horz" wrap="square" lIns="91440" tIns="45720" rIns="91440" bIns="45720" numCol="1" anchor="ctr" anchorCtr="0" compatLnSpc="1">
-            <a:prstTxWarp prst="textNoShape">
-              <a:avLst/>
-            </a:prstTxWarp>
-            <a:spAutoFit/>
-          </a:bodyPr>
-          <a:lstStyle>
-            <a:lvl1pPr marL="228600" indent="-228600" algn="l" defTabSz="914400" rtl="0" eaLnBrk="1" latinLnBrk="0" hangingPunct="1">
-              <a:lnSpc>
-                <a:spcPct val="90000"/>
-              </a:lnSpc>
-              <a:spcBef>
-                <a:spcPts val="1000"/>
-              </a:spcBef>
-              <a:buFont typeface="Arial" panose="020B0604020202020204" pitchFamily="34" charset="0"/>
-              <a:buChar char="•"/>
-              <a:defRPr sz="2800" kern="1200">
-                <a:solidFill>
-                  <a:schemeClr val="tx1"/>
-                </a:solidFill>
-                <a:latin typeface="+mn-lt"/>
-                <a:ea typeface="+mn-ea"/>
-                <a:cs typeface="+mn-cs"/>
-              </a:defRPr>
-            </a:lvl1pPr>
-            <a:lvl2pPr marL="685800" indent="-228600" algn="l" defTabSz="914400" rtl="0" eaLnBrk="1" latinLnBrk="0" hangingPunct="1">
-              <a:lnSpc>
-                <a:spcPct val="90000"/>
-              </a:lnSpc>
-              <a:spcBef>
-                <a:spcPts val="500"/>
-              </a:spcBef>
-              <a:buFont typeface="Arial" panose="020B0604020202020204" pitchFamily="34" charset="0"/>
-              <a:buChar char="•"/>
-              <a:defRPr sz="2400" kern="1200">
-                <a:solidFill>
-                  <a:schemeClr val="tx1"/>
-                </a:solidFill>
-                <a:latin typeface="+mn-lt"/>
-                <a:ea typeface="+mn-ea"/>
-                <a:cs typeface="+mn-cs"/>
-              </a:defRPr>
-            </a:lvl2pPr>
-            <a:lvl3pPr marL="1143000" indent="-228600" algn="l" defTabSz="914400" rtl="0" eaLnBrk="1" latinLnBrk="0" hangingPunct="1">
-              <a:lnSpc>
-                <a:spcPct val="90000"/>
-              </a:lnSpc>
-              <a:spcBef>
-                <a:spcPts val="500"/>
-              </a:spcBef>
-              <a:buFont typeface="Arial" panose="020B0604020202020204" pitchFamily="34" charset="0"/>
-              <a:buChar char="•"/>
-              <a:defRPr sz="2000" kern="1200">
-                <a:solidFill>
-                  <a:schemeClr val="tx1"/>
-                </a:solidFill>
-                <a:latin typeface="+mn-lt"/>
-                <a:ea typeface="+mn-ea"/>
-                <a:cs typeface="+mn-cs"/>
-              </a:defRPr>
-            </a:lvl3pPr>
-            <a:lvl4pPr marL="1600200" indent="-228600" algn="l" defTabSz="914400" rtl="0" eaLnBrk="1" latinLnBrk="0" hangingPunct="1">
-              <a:lnSpc>
-                <a:spcPct val="90000"/>
-              </a:lnSpc>
-              <a:spcBef>
-                <a:spcPts val="500"/>
-              </a:spcBef>
-              <a:buFont typeface="Arial" panose="020B0604020202020204" pitchFamily="34" charset="0"/>
-              <a:buChar char="•"/>
-              <a:defRPr sz="1800" kern="1200">
-                <a:solidFill>
-                  <a:schemeClr val="tx1"/>
-                </a:solidFill>
-                <a:latin typeface="+mn-lt"/>
-                <a:ea typeface="+mn-ea"/>
-                <a:cs typeface="+mn-cs"/>
-              </a:defRPr>
-            </a:lvl4pPr>
-            <a:lvl5pPr marL="2057400" indent="-228600" algn="l" defTabSz="914400" rtl="0" eaLnBrk="1" latinLnBrk="0" hangingPunct="1">
-              <a:lnSpc>
-                <a:spcPct val="90000"/>
-              </a:lnSpc>
-              <a:spcBef>
-                <a:spcPts val="500"/>
-              </a:spcBef>
-              <a:buFont typeface="Arial" panose="020B0604020202020204" pitchFamily="34" charset="0"/>
-              <a:buChar char="•"/>
-              <a:defRPr sz="1800" kern="1200">
-                <a:solidFill>
-                  <a:schemeClr val="tx1"/>
-                </a:solidFill>
-                <a:latin typeface="+mn-lt"/>
-                <a:ea typeface="+mn-ea"/>
-                <a:cs typeface="+mn-cs"/>
-              </a:defRPr>
-            </a:lvl5pPr>
-            <a:lvl6pPr marL="2514600" indent="-228600" algn="l" defTabSz="914400" rtl="0" eaLnBrk="1" latinLnBrk="0" hangingPunct="1">
-              <a:lnSpc>
-                <a:spcPct val="90000"/>
-              </a:lnSpc>
-              <a:spcBef>
-                <a:spcPts val="500"/>
-              </a:spcBef>
-              <a:buFont typeface="Arial" panose="020B0604020202020204" pitchFamily="34" charset="0"/>
-              <a:buChar char="•"/>
-              <a:defRPr sz="1800" kern="1200">
-                <a:solidFill>
-                  <a:schemeClr val="tx1"/>
-                </a:solidFill>
-                <a:latin typeface="+mn-lt"/>
-                <a:ea typeface="+mn-ea"/>
-                <a:cs typeface="+mn-cs"/>
-              </a:defRPr>
-            </a:lvl6pPr>
-            <a:lvl7pPr marL="2971800" indent="-228600" algn="l" defTabSz="914400" rtl="0" eaLnBrk="1" latinLnBrk="0" hangingPunct="1">
-              <a:lnSpc>
-                <a:spcPct val="90000"/>
-              </a:lnSpc>
-              <a:spcBef>
-                <a:spcPts val="500"/>
-              </a:spcBef>
-              <a:buFont typeface="Arial" panose="020B0604020202020204" pitchFamily="34" charset="0"/>
-              <a:buChar char="•"/>
-              <a:defRPr sz="1800" kern="1200">
-                <a:solidFill>
-                  <a:schemeClr val="tx1"/>
-                </a:solidFill>
-                <a:latin typeface="+mn-lt"/>
-                <a:ea typeface="+mn-ea"/>
-                <a:cs typeface="+mn-cs"/>
-              </a:defRPr>
-            </a:lvl7pPr>
-            <a:lvl8pPr marL="3429000" indent="-228600" algn="l" defTabSz="914400" rtl="0" eaLnBrk="1" latinLnBrk="0" hangingPunct="1">
-              <a:lnSpc>
-                <a:spcPct val="90000"/>
-              </a:lnSpc>
-              <a:spcBef>
-                <a:spcPts val="500"/>
-              </a:spcBef>
-              <a:buFont typeface="Arial" panose="020B0604020202020204" pitchFamily="34" charset="0"/>
-              <a:buChar char="•"/>
-              <a:defRPr sz="1800" kern="1200">
-                <a:solidFill>
-                  <a:schemeClr val="tx1"/>
-                </a:solidFill>
-                <a:latin typeface="+mn-lt"/>
-                <a:ea typeface="+mn-ea"/>
-                <a:cs typeface="+mn-cs"/>
-              </a:defRPr>
-            </a:lvl8pPr>
-            <a:lvl9pPr marL="3886200" indent="-228600" algn="l" defTabSz="914400" rtl="0" eaLnBrk="1" latinLnBrk="0" hangingPunct="1">
-              <a:lnSpc>
-                <a:spcPct val="90000"/>
-              </a:lnSpc>
-              <a:spcBef>
-                <a:spcPts val="500"/>
-              </a:spcBef>
-              <a:buFont typeface="Arial" panose="020B0604020202020204" pitchFamily="34" charset="0"/>
-              <a:buChar char="•"/>
-              <a:defRPr sz="1800" kern="1200">
-                <a:solidFill>
-                  <a:schemeClr val="tx1"/>
-                </a:solidFill>
-                <a:latin typeface="+mn-lt"/>
-                <a:ea typeface="+mn-ea"/>
-                <a:cs typeface="+mn-cs"/>
-              </a:defRPr>
-            </a:lvl9pPr>
-          </a:lstStyle>
-          <a:p>
-            <a:pPr marL="0" indent="0" eaLnBrk="0" fontAlgn="base" hangingPunct="0">
-              <a:lnSpc>
-                <a:spcPct val="100000"/>
-              </a:lnSpc>
-              <a:spcBef>
-                <a:spcPct val="0"/>
-              </a:spcBef>
-              <a:spcAft>
-                <a:spcPct val="0"/>
-              </a:spcAft>
-              <a:buFontTx/>
-              <a:buChar char="•"/>
-            </a:pPr>
-            <a:r>
-              <a:rPr lang="en-US" altLang="en-US" sz="1800" b="1" dirty="0">
-                <a:latin typeface="Arial" panose="020B0604020202020204" pitchFamily="34" charset="0"/>
-              </a:rPr>
-              <a:t>Promotion 1 is the most effective.</a:t>
-            </a:r>
-            <a:r>
-              <a:rPr lang="en-US" altLang="en-US" sz="1800" dirty="0">
-                <a:latin typeface="Arial" panose="020B0604020202020204" pitchFamily="34" charset="0"/>
-              </a:rPr>
-              <a:t> </a:t>
-            </a:r>
-          </a:p>
-          <a:p>
-            <a:pPr marL="0" indent="0" eaLnBrk="0" fontAlgn="base" hangingPunct="0">
-              <a:lnSpc>
-                <a:spcPct val="100000"/>
-              </a:lnSpc>
-              <a:spcBef>
-                <a:spcPct val="0"/>
-              </a:spcBef>
-              <a:spcAft>
-                <a:spcPct val="0"/>
-              </a:spcAft>
-              <a:buFontTx/>
-              <a:buChar char="•"/>
-            </a:pPr>
-            <a:r>
-              <a:rPr lang="en-US" altLang="en-US" sz="1800" b="1" dirty="0">
-                <a:latin typeface="Arial" panose="020B0604020202020204" pitchFamily="34" charset="0"/>
-              </a:rPr>
-              <a:t>Promotion 2 should be restructured or removed.</a:t>
-            </a:r>
-            <a:r>
-              <a:rPr lang="en-US" altLang="en-US" sz="1800" dirty="0">
-                <a:latin typeface="Arial" panose="020B0604020202020204" pitchFamily="34" charset="0"/>
-              </a:rPr>
-              <a:t> </a:t>
-            </a:r>
-          </a:p>
-          <a:p>
-            <a:pPr marL="0" indent="0" eaLnBrk="0" fontAlgn="base" hangingPunct="0">
-              <a:lnSpc>
-                <a:spcPct val="100000"/>
-              </a:lnSpc>
-              <a:spcBef>
-                <a:spcPct val="0"/>
-              </a:spcBef>
-              <a:spcAft>
-                <a:spcPct val="0"/>
-              </a:spcAft>
-              <a:buFontTx/>
-              <a:buChar char="•"/>
-            </a:pPr>
-            <a:r>
-              <a:rPr lang="en-US" altLang="en-US" sz="1800" b="1" dirty="0">
-                <a:latin typeface="Arial" panose="020B0604020202020204" pitchFamily="34" charset="0"/>
-              </a:rPr>
-              <a:t>Market size plays a significant role in sales performance.</a:t>
-            </a:r>
-            <a:r>
-              <a:rPr lang="en-US" altLang="en-US" sz="1800" dirty="0">
-                <a:latin typeface="Arial" panose="020B0604020202020204" pitchFamily="34" charset="0"/>
-              </a:rPr>
-              <a:t> </a:t>
-            </a:r>
-          </a:p>
-          <a:p>
-            <a:pPr marL="0" indent="0" eaLnBrk="0" fontAlgn="base" hangingPunct="0">
-              <a:lnSpc>
-                <a:spcPct val="100000"/>
-              </a:lnSpc>
-              <a:spcBef>
-                <a:spcPct val="0"/>
-              </a:spcBef>
-              <a:spcAft>
-                <a:spcPct val="0"/>
-              </a:spcAft>
-              <a:buFontTx/>
-              <a:buChar char="•"/>
-            </a:pPr>
-            <a:r>
-              <a:rPr lang="en-US" altLang="en-US" sz="1800" b="1" dirty="0">
-                <a:latin typeface="Arial" panose="020B0604020202020204" pitchFamily="34" charset="0"/>
-              </a:rPr>
-              <a:t>Store age does not influence sales significantly.</a:t>
-            </a:r>
-            <a:r>
-              <a:rPr lang="en-US" altLang="en-US" sz="1800" dirty="0">
-                <a:latin typeface="Arial" panose="020B0604020202020204" pitchFamily="34" charset="0"/>
-              </a:rPr>
-              <a:t> </a:t>
-            </a:r>
-          </a:p>
-        </p:txBody>
-      </p:sp>
-      <p:sp>
-        <p:nvSpPr>
-          <p:cNvPr id="9" name="Rectangle 5">
-            <a:extLst>
-              <a:ext uri="{FF2B5EF4-FFF2-40B4-BE49-F238E27FC236}">
-                <a16:creationId xmlns:a16="http://schemas.microsoft.com/office/drawing/2014/main" id="{5A8F0426-7733-080B-E2EA-9D8B605FC536}"/>
-              </a:ext>
-            </a:extLst>
-          </p:cNvPr>
-          <p:cNvSpPr txBox="1">
-            <a:spLocks noChangeArrowheads="1"/>
-          </p:cNvSpPr>
-          <p:nvPr/>
-        </p:nvSpPr>
-        <p:spPr bwMode="auto">
-          <a:xfrm>
-            <a:off x="581611" y="3869656"/>
-            <a:ext cx="7442716" cy="1200329"/>
-          </a:xfrm>
-          <a:prstGeom prst="rect">
-            <a:avLst/>
-          </a:prstGeom>
-          <a:noFill/>
-          <a:ln>
-            <a:noFill/>
-          </a:ln>
-          <a:effectLst/>
-          <a:extLst>
-            <a:ext uri="{909E8E84-426E-40DD-AFC4-6F175D3DCCD1}">
-              <a14:hiddenFill xmlns:a14="http://schemas.microsoft.com/office/drawing/2010/main">
-                <a:solidFill>
-                  <a:schemeClr val="accent1"/>
-                </a:solidFill>
-              </a14:hiddenFill>
-            </a:ext>
-            <a:ext uri="{91240B29-F687-4F45-9708-019B960494DF}">
-              <a14:hiddenLine xmlns:a14="http://schemas.microsoft.com/office/drawing/2010/main" w="9525">
-                <a:solidFill>
-                  <a:schemeClr val="tx1"/>
-                </a:solidFill>
-                <a:miter lim="800000"/>
-                <a:headEnd/>
-                <a:tailEnd/>
-              </a14:hiddenLine>
-            </a:ext>
-            <a:ext uri="{AF507438-7753-43E0-B8FC-AC1667EBCBE1}">
-              <a14:hiddenEffects xmlns:a14="http://schemas.microsoft.com/office/drawing/2010/main">
-                <a:effectLst>
-                  <a:outerShdw dist="35921" dir="2700000" algn="ctr" rotWithShape="0">
-                    <a:schemeClr val="bg2"/>
-                  </a:outerShdw>
-                </a:effectLst>
-              </a14:hiddenEffects>
-            </a:ext>
-          </a:extLst>
-        </p:spPr>
-        <p:txBody>
-          <a:bodyPr vert="horz" wrap="square" lIns="91440" tIns="45720" rIns="91440" bIns="45720" numCol="1" rtlCol="0" anchor="ctr" anchorCtr="0" compatLnSpc="1">
-            <a:prstTxWarp prst="textNoShape">
-              <a:avLst/>
-            </a:prstTxWarp>
-            <a:spAutoFit/>
-          </a:bodyPr>
-          <a:lstStyle>
-            <a:defPPr>
-              <a:defRPr lang="en-US"/>
-            </a:defPPr>
-            <a:lvl1pPr marL="0" algn="r" defTabSz="914400" rtl="0" eaLnBrk="1" latinLnBrk="0" hangingPunct="1">
-              <a:defRPr sz="1200" kern="1200">
-                <a:solidFill>
-                  <a:schemeClr val="tx1">
-                    <a:tint val="75000"/>
-                  </a:schemeClr>
-                </a:solidFill>
-                <a:latin typeface="+mn-lt"/>
-                <a:ea typeface="+mn-ea"/>
-                <a:cs typeface="+mn-cs"/>
-              </a:defRPr>
-            </a:lvl1pPr>
-            <a:lvl2pPr marL="457200" algn="l" defTabSz="914400" rtl="0" eaLnBrk="1" latinLnBrk="0" hangingPunct="1">
-              <a:defRPr sz="1800" kern="1200">
-                <a:solidFill>
-                  <a:schemeClr val="tx1"/>
-                </a:solidFill>
-                <a:latin typeface="+mn-lt"/>
-                <a:ea typeface="+mn-ea"/>
-                <a:cs typeface="+mn-cs"/>
-              </a:defRPr>
-            </a:lvl2pPr>
-            <a:lvl3pPr marL="914400" algn="l" defTabSz="914400" rtl="0" eaLnBrk="1" latinLnBrk="0" hangingPunct="1">
-              <a:defRPr sz="1800" kern="1200">
-                <a:solidFill>
-                  <a:schemeClr val="tx1"/>
-                </a:solidFill>
-                <a:latin typeface="+mn-lt"/>
-                <a:ea typeface="+mn-ea"/>
-                <a:cs typeface="+mn-cs"/>
-              </a:defRPr>
-            </a:lvl3pPr>
-            <a:lvl4pPr marL="1371600" algn="l" defTabSz="914400" rtl="0" eaLnBrk="1" latinLnBrk="0" hangingPunct="1">
-              <a:defRPr sz="1800" kern="1200">
-                <a:solidFill>
-                  <a:schemeClr val="tx1"/>
-                </a:solidFill>
-                <a:latin typeface="+mn-lt"/>
-                <a:ea typeface="+mn-ea"/>
-                <a:cs typeface="+mn-cs"/>
-              </a:defRPr>
-            </a:lvl4pPr>
-            <a:lvl5pPr marL="1828800" algn="l" defTabSz="914400" rtl="0" eaLnBrk="1" latinLnBrk="0" hangingPunct="1">
-              <a:defRPr sz="1800" kern="1200">
-                <a:solidFill>
-                  <a:schemeClr val="tx1"/>
-                </a:solidFill>
-                <a:latin typeface="+mn-lt"/>
-                <a:ea typeface="+mn-ea"/>
-                <a:cs typeface="+mn-cs"/>
-              </a:defRPr>
-            </a:lvl5pPr>
-            <a:lvl6pPr marL="2286000" algn="l" defTabSz="914400" rtl="0" eaLnBrk="1" latinLnBrk="0" hangingPunct="1">
-              <a:defRPr sz="1800" kern="1200">
-                <a:solidFill>
-                  <a:schemeClr val="tx1"/>
-                </a:solidFill>
-                <a:latin typeface="+mn-lt"/>
-                <a:ea typeface="+mn-ea"/>
-                <a:cs typeface="+mn-cs"/>
-              </a:defRPr>
-            </a:lvl6pPr>
-            <a:lvl7pPr marL="2743200" algn="l" defTabSz="914400" rtl="0" eaLnBrk="1" latinLnBrk="0" hangingPunct="1">
-              <a:defRPr sz="1800" kern="1200">
-                <a:solidFill>
-                  <a:schemeClr val="tx1"/>
-                </a:solidFill>
-                <a:latin typeface="+mn-lt"/>
-                <a:ea typeface="+mn-ea"/>
-                <a:cs typeface="+mn-cs"/>
-              </a:defRPr>
-            </a:lvl7pPr>
-            <a:lvl8pPr marL="3200400" algn="l" defTabSz="914400" rtl="0" eaLnBrk="1" latinLnBrk="0" hangingPunct="1">
-              <a:defRPr sz="1800" kern="1200">
-                <a:solidFill>
-                  <a:schemeClr val="tx1"/>
-                </a:solidFill>
-                <a:latin typeface="+mn-lt"/>
-                <a:ea typeface="+mn-ea"/>
-                <a:cs typeface="+mn-cs"/>
-              </a:defRPr>
-            </a:lvl8pPr>
-            <a:lvl9pPr marL="3657600" algn="l" defTabSz="914400" rtl="0" eaLnBrk="1" latinLnBrk="0" hangingPunct="1">
-              <a:defRPr sz="1800" kern="1200">
-                <a:solidFill>
-                  <a:schemeClr val="tx1"/>
-                </a:solidFill>
-                <a:latin typeface="+mn-lt"/>
-                <a:ea typeface="+mn-ea"/>
-                <a:cs typeface="+mn-cs"/>
-              </a:defRPr>
-            </a:lvl9pPr>
-          </a:lstStyle>
-          <a:p>
-            <a:pPr algn="l" eaLnBrk="0" fontAlgn="base" hangingPunct="0">
-              <a:spcBef>
-                <a:spcPct val="0"/>
-              </a:spcBef>
-              <a:spcAft>
-                <a:spcPct val="0"/>
-              </a:spcAft>
-              <a:buFontTx/>
-              <a:buChar char="•"/>
-            </a:pPr>
-            <a:r>
-              <a:rPr lang="en-US" altLang="en-US" sz="1800" b="1" dirty="0">
-                <a:solidFill>
-                  <a:schemeClr val="tx1"/>
-                </a:solidFill>
-                <a:latin typeface="Arial" panose="020B0604020202020204" pitchFamily="34" charset="0"/>
-              </a:rPr>
-              <a:t>Prioritize Promotion 1</a:t>
-            </a:r>
-            <a:r>
-              <a:rPr lang="en-US" altLang="en-US" sz="1800" dirty="0">
-                <a:solidFill>
-                  <a:schemeClr val="tx1"/>
-                </a:solidFill>
-                <a:latin typeface="Arial" panose="020B0604020202020204" pitchFamily="34" charset="0"/>
-              </a:rPr>
-              <a:t> in future marketing campaigns. </a:t>
-            </a:r>
-          </a:p>
-          <a:p>
-            <a:pPr algn="l" eaLnBrk="0" fontAlgn="base" hangingPunct="0">
-              <a:spcBef>
-                <a:spcPct val="0"/>
-              </a:spcBef>
-              <a:spcAft>
-                <a:spcPct val="0"/>
-              </a:spcAft>
-              <a:buFontTx/>
-              <a:buChar char="•"/>
-            </a:pPr>
-            <a:r>
-              <a:rPr lang="en-US" altLang="en-US" sz="1800" b="1" dirty="0">
-                <a:solidFill>
-                  <a:schemeClr val="tx1"/>
-                </a:solidFill>
-                <a:latin typeface="Arial" panose="020B0604020202020204" pitchFamily="34" charset="0"/>
-              </a:rPr>
-              <a:t>Revise Promotion 2 </a:t>
-            </a:r>
-            <a:r>
-              <a:rPr lang="en-US" altLang="en-US" sz="1800" dirty="0">
-                <a:solidFill>
-                  <a:schemeClr val="tx1"/>
-                </a:solidFill>
-                <a:latin typeface="Arial" panose="020B0604020202020204" pitchFamily="34" charset="0"/>
-              </a:rPr>
-              <a:t>to improve its impact. </a:t>
-            </a:r>
-          </a:p>
-          <a:p>
-            <a:pPr algn="l" eaLnBrk="0" fontAlgn="base" hangingPunct="0">
-              <a:spcBef>
-                <a:spcPct val="0"/>
-              </a:spcBef>
-              <a:spcAft>
-                <a:spcPct val="0"/>
-              </a:spcAft>
-              <a:buFontTx/>
-              <a:buChar char="•"/>
-            </a:pPr>
-            <a:r>
-              <a:rPr lang="en-US" altLang="en-US" sz="1800" b="1" dirty="0">
-                <a:solidFill>
-                  <a:schemeClr val="tx1"/>
-                </a:solidFill>
-                <a:latin typeface="Arial" panose="020B0604020202020204" pitchFamily="34" charset="0"/>
-              </a:rPr>
-              <a:t>Focus on large and medium markets</a:t>
-            </a:r>
-            <a:r>
-              <a:rPr lang="en-US" altLang="en-US" sz="1800" dirty="0">
-                <a:solidFill>
-                  <a:schemeClr val="tx1"/>
-                </a:solidFill>
-                <a:latin typeface="Arial" panose="020B0604020202020204" pitchFamily="34" charset="0"/>
-              </a:rPr>
-              <a:t> for the highest return. </a:t>
-            </a:r>
-          </a:p>
-          <a:p>
-            <a:pPr algn="l" eaLnBrk="0" fontAlgn="base" hangingPunct="0">
-              <a:spcBef>
-                <a:spcPct val="0"/>
-              </a:spcBef>
-              <a:spcAft>
-                <a:spcPct val="0"/>
-              </a:spcAft>
-              <a:buFontTx/>
-              <a:buChar char="•"/>
-            </a:pPr>
-            <a:r>
-              <a:rPr lang="en-US" altLang="en-US" sz="1800" b="1" dirty="0">
-                <a:solidFill>
-                  <a:schemeClr val="tx1"/>
-                </a:solidFill>
-                <a:latin typeface="Arial" panose="020B0604020202020204" pitchFamily="34" charset="0"/>
-              </a:rPr>
-              <a:t>Further explore additional factors</a:t>
-            </a:r>
-            <a:r>
-              <a:rPr lang="en-US" altLang="en-US" sz="1800" dirty="0">
-                <a:solidFill>
-                  <a:schemeClr val="tx1"/>
-                </a:solidFill>
-                <a:latin typeface="Arial" panose="020B0604020202020204" pitchFamily="34" charset="0"/>
-              </a:rPr>
-              <a:t> (e.g., pricing, competition). </a:t>
-            </a:r>
-          </a:p>
-        </p:txBody>
-      </p:sp>
-      <p:sp>
-        <p:nvSpPr>
-          <p:cNvPr id="10" name="Title 8">
-            <a:extLst>
-              <a:ext uri="{FF2B5EF4-FFF2-40B4-BE49-F238E27FC236}">
-                <a16:creationId xmlns:a16="http://schemas.microsoft.com/office/drawing/2014/main" id="{6D559D3A-3275-A6FF-AF4C-E8855A0127CF}"/>
-              </a:ext>
-            </a:extLst>
-          </p:cNvPr>
-          <p:cNvSpPr txBox="1">
-            <a:spLocks/>
-          </p:cNvSpPr>
-          <p:nvPr/>
-        </p:nvSpPr>
-        <p:spPr>
-          <a:xfrm>
-            <a:off x="0" y="2643673"/>
-            <a:ext cx="10360152" cy="914400"/>
-          </a:xfrm>
-          <a:prstGeom prst="rect">
-            <a:avLst/>
-          </a:prstGeom>
-        </p:spPr>
-        <p:txBody>
-          <a:bodyPr vert="horz" lIns="91440" tIns="45720" rIns="91440" bIns="45720" rtlCol="0" anchor="b" anchorCtr="0">
-            <a:noAutofit/>
-          </a:bodyPr>
-          <a:lstStyle>
-            <a:lvl1pPr algn="l" defTabSz="914400" rtl="0" eaLnBrk="1" latinLnBrk="0" hangingPunct="1">
-              <a:lnSpc>
-                <a:spcPct val="90000"/>
-              </a:lnSpc>
-              <a:spcBef>
-                <a:spcPct val="0"/>
-              </a:spcBef>
-              <a:buNone/>
-              <a:defRPr sz="3200" kern="1200">
-                <a:solidFill>
-                  <a:schemeClr val="tx1"/>
-                </a:solidFill>
-                <a:latin typeface="+mj-lt"/>
-                <a:ea typeface="+mj-ea"/>
-                <a:cs typeface="+mj-cs"/>
-              </a:defRPr>
-            </a:lvl1pPr>
-          </a:lstStyle>
-          <a:p>
-            <a:r>
-              <a:rPr lang="en-IN" u="sng" dirty="0"/>
-              <a:t>Recommendations</a:t>
-            </a:r>
-            <a:endParaRPr lang="en-US" u="sng" dirty="0"/>
-          </a:p>
-        </p:txBody>
-      </p:sp>
     </p:spTree>
     <p:extLst>
       <p:ext uri="{BB962C8B-B14F-4D97-AF65-F5344CB8AC3E}">
-        <p14:creationId xmlns:p14="http://schemas.microsoft.com/office/powerpoint/2010/main" val="2886027172"/>
+        <p14:creationId xmlns:p14="http://schemas.microsoft.com/office/powerpoint/2010/main" val="14418113"/>
       </p:ext>
     </p:extLst>
   </p:cSld>
@@ -8211,10 +7655,74 @@
       </p:grpSpPr>
       <p:sp>
         <p:nvSpPr>
+          <p:cNvPr id="2" name="Title 1">
+            <a:extLst>
+              <a:ext uri="{FF2B5EF4-FFF2-40B4-BE49-F238E27FC236}">
+                <a16:creationId xmlns:a16="http://schemas.microsoft.com/office/drawing/2014/main" id="{CC5D4F47-E9A5-9D21-F944-482380D17272}"/>
+              </a:ext>
+            </a:extLst>
+          </p:cNvPr>
+          <p:cNvSpPr>
+            <a:spLocks noGrp="1"/>
+          </p:cNvSpPr>
+          <p:nvPr>
+            <p:ph type="title"/>
+          </p:nvPr>
+        </p:nvSpPr>
+        <p:spPr>
+          <a:xfrm>
+            <a:off x="838200" y="365125"/>
+            <a:ext cx="9147048" cy="558419"/>
+          </a:xfrm>
+        </p:spPr>
+        <p:txBody>
+          <a:bodyPr>
+            <a:normAutofit fontScale="90000"/>
+          </a:bodyPr>
+          <a:lstStyle/>
+          <a:p>
+            <a:r>
+              <a:rPr lang="en-IN" dirty="0"/>
+              <a:t>🖼️ Interface Preview:</a:t>
+            </a:r>
+          </a:p>
+        </p:txBody>
+      </p:sp>
+      <p:pic>
+        <p:nvPicPr>
+          <p:cNvPr id="7" name="Content Placeholder 6">
+            <a:extLst>
+              <a:ext uri="{FF2B5EF4-FFF2-40B4-BE49-F238E27FC236}">
+                <a16:creationId xmlns:a16="http://schemas.microsoft.com/office/drawing/2014/main" id="{D1198A24-2CFA-B67A-B473-CBB14CB126CE}"/>
+              </a:ext>
+            </a:extLst>
+          </p:cNvPr>
+          <p:cNvPicPr>
+            <a:picLocks noGrp="1" noChangeAspect="1"/>
+          </p:cNvPicPr>
+          <p:nvPr>
+            <p:ph idx="1"/>
+          </p:nvPr>
+        </p:nvPicPr>
+        <p:blipFill>
+          <a:blip r:embed="rId2"/>
+          <a:stretch>
+            <a:fillRect/>
+          </a:stretch>
+        </p:blipFill>
+        <p:spPr>
+          <a:xfrm>
+            <a:off x="1335025" y="1006034"/>
+            <a:ext cx="8650223" cy="5715441"/>
+          </a:xfrm>
+        </p:spPr>
+      </p:pic>
+      <p:sp>
+        <p:nvSpPr>
           <p:cNvPr id="5" name="Slide Number Placeholder 4">
             <a:extLst>
               <a:ext uri="{FF2B5EF4-FFF2-40B4-BE49-F238E27FC236}">
-                <a16:creationId xmlns:a16="http://schemas.microsoft.com/office/drawing/2014/main" id="{4EC3AC48-C60B-98C8-EDFB-906468CE0C6A}"/>
+                <a16:creationId xmlns:a16="http://schemas.microsoft.com/office/drawing/2014/main" id="{3AB373F4-C2BB-103C-5F66-BBEABA62F216}"/>
               </a:ext>
             </a:extLst>
           </p:cNvPr>
@@ -8238,12 +7746,105 @@
           </a:p>
         </p:txBody>
       </p:sp>
-      <p:sp>
-        <p:nvSpPr>
-          <p:cNvPr id="6" name="Title 5">
-            <a:extLst>
-              <a:ext uri="{FF2B5EF4-FFF2-40B4-BE49-F238E27FC236}">
-                <a16:creationId xmlns:a16="http://schemas.microsoft.com/office/drawing/2014/main" id="{1FFC1F4B-52DE-7F06-E161-D393D28F52EE}"/>
+    </p:spTree>
+    <p:extLst>
+      <p:ext uri="{BB962C8B-B14F-4D97-AF65-F5344CB8AC3E}">
+        <p14:creationId xmlns:p14="http://schemas.microsoft.com/office/powerpoint/2010/main" val="2231404096"/>
+      </p:ext>
+    </p:extLst>
+  </p:cSld>
+  <p:clrMapOvr>
+    <a:masterClrMapping/>
+  </p:clrMapOvr>
+</p:sld>
+</file>
+
+<file path=ppt/slides/slide19.xml><?xml version="1.0" encoding="utf-8"?>
+<p:sld xmlns:a="http://schemas.openxmlformats.org/drawingml/2006/main" xmlns:r="http://schemas.openxmlformats.org/officeDocument/2006/relationships" xmlns:p="http://schemas.openxmlformats.org/presentationml/2006/main">
+  <p:cSld>
+    <p:spTree>
+      <p:nvGrpSpPr>
+        <p:cNvPr id="1" name=""/>
+        <p:cNvGrpSpPr/>
+        <p:nvPr/>
+      </p:nvGrpSpPr>
+      <p:grpSpPr>
+        <a:xfrm>
+          <a:off x="0" y="0"/>
+          <a:ext cx="0" cy="0"/>
+          <a:chOff x="0" y="0"/>
+          <a:chExt cx="0" cy="0"/>
+        </a:xfrm>
+      </p:grpSpPr>
+      <p:sp>
+        <p:nvSpPr>
+          <p:cNvPr id="5" name="Slide Number Placeholder 4">
+            <a:extLst>
+              <a:ext uri="{FF2B5EF4-FFF2-40B4-BE49-F238E27FC236}">
+                <a16:creationId xmlns:a16="http://schemas.microsoft.com/office/drawing/2014/main" id="{9779E104-F900-1044-B42E-F3FFEE27855B}"/>
+              </a:ext>
+            </a:extLst>
+          </p:cNvPr>
+          <p:cNvSpPr>
+            <a:spLocks noGrp="1"/>
+          </p:cNvSpPr>
+          <p:nvPr>
+            <p:ph type="sldNum" sz="quarter" idx="12"/>
+          </p:nvPr>
+        </p:nvSpPr>
+        <p:spPr/>
+        <p:txBody>
+          <a:bodyPr/>
+          <a:lstStyle/>
+          <a:p>
+            <a:fld id="{5E80619E-9ABD-4901-846B-9B030806AFDE}" type="slidenum">
+              <a:rPr lang="en-IN" smtClean="0"/>
+              <a:t>19</a:t>
+            </a:fld>
+            <a:endParaRPr lang="en-IN"/>
+          </a:p>
+        </p:txBody>
+      </p:sp>
+      <p:sp>
+        <p:nvSpPr>
+          <p:cNvPr id="6" name="Title 8">
+            <a:extLst>
+              <a:ext uri="{FF2B5EF4-FFF2-40B4-BE49-F238E27FC236}">
+                <a16:creationId xmlns:a16="http://schemas.microsoft.com/office/drawing/2014/main" id="{95010354-1F6B-DD13-05D4-D6CD65BEA24B}"/>
+              </a:ext>
+            </a:extLst>
+          </p:cNvPr>
+          <p:cNvSpPr>
+            <a:spLocks noGrp="1"/>
+          </p:cNvSpPr>
+          <p:nvPr>
+            <p:ph type="title"/>
+          </p:nvPr>
+        </p:nvSpPr>
+        <p:spPr>
+          <a:xfrm>
+            <a:off x="0" y="0"/>
+            <a:ext cx="10360152" cy="914400"/>
+          </a:xfrm>
+        </p:spPr>
+        <p:txBody>
+          <a:bodyPr/>
+          <a:lstStyle/>
+          <a:p>
+            <a:r>
+              <a:rPr lang="en-IN" u="sng" dirty="0"/>
+              <a:t>Conclusion</a:t>
+            </a:r>
+            <a:endParaRPr lang="en-US" u="sng" dirty="0"/>
+          </a:p>
+        </p:txBody>
+      </p:sp>
+      <p:sp>
+        <p:nvSpPr>
+          <p:cNvPr id="7" name="Slide Number Placeholder 3">
+            <a:extLst>
+              <a:ext uri="{FF2B5EF4-FFF2-40B4-BE49-F238E27FC236}">
+                <a16:creationId xmlns:a16="http://schemas.microsoft.com/office/drawing/2014/main" id="{DCC47D2B-6572-EF79-26AE-C93AB813C717}"/>
               </a:ext>
             </a:extLst>
           </p:cNvPr>
@@ -8254,16 +7855,765 @@
         </p:nvSpPr>
         <p:spPr>
           <a:xfrm>
-            <a:off x="4675803" y="914400"/>
-            <a:ext cx="5641848" cy="5029200"/>
+            <a:off x="11353800" y="5879804"/>
+            <a:ext cx="661416" cy="895899"/>
           </a:xfrm>
           <a:prstGeom prst="rect">
             <a:avLst/>
           </a:prstGeom>
         </p:spPr>
         <p:txBody>
-          <a:bodyPr vert="horz" lIns="91440" tIns="45720" rIns="91440" bIns="45720" rtlCol="0" anchor="ctr">
-            <a:normAutofit/>
+          <a:bodyPr/>
+          <a:lstStyle>
+            <a:defPPr>
+              <a:defRPr lang="en-US"/>
+            </a:defPPr>
+            <a:lvl1pPr marL="0" algn="l" defTabSz="914400" rtl="0" eaLnBrk="1" latinLnBrk="0" hangingPunct="1">
+              <a:defRPr sz="1800" kern="1200">
+                <a:solidFill>
+                  <a:schemeClr val="tx1"/>
+                </a:solidFill>
+                <a:latin typeface="+mn-lt"/>
+                <a:ea typeface="+mn-ea"/>
+                <a:cs typeface="+mn-cs"/>
+              </a:defRPr>
+            </a:lvl1pPr>
+            <a:lvl2pPr marL="457200" algn="l" defTabSz="914400" rtl="0" eaLnBrk="1" latinLnBrk="0" hangingPunct="1">
+              <a:defRPr sz="1800" kern="1200">
+                <a:solidFill>
+                  <a:schemeClr val="tx1"/>
+                </a:solidFill>
+                <a:latin typeface="+mn-lt"/>
+                <a:ea typeface="+mn-ea"/>
+                <a:cs typeface="+mn-cs"/>
+              </a:defRPr>
+            </a:lvl2pPr>
+            <a:lvl3pPr marL="914400" algn="l" defTabSz="914400" rtl="0" eaLnBrk="1" latinLnBrk="0" hangingPunct="1">
+              <a:defRPr sz="1800" kern="1200">
+                <a:solidFill>
+                  <a:schemeClr val="tx1"/>
+                </a:solidFill>
+                <a:latin typeface="+mn-lt"/>
+                <a:ea typeface="+mn-ea"/>
+                <a:cs typeface="+mn-cs"/>
+              </a:defRPr>
+            </a:lvl3pPr>
+            <a:lvl4pPr marL="1371600" algn="l" defTabSz="914400" rtl="0" eaLnBrk="1" latinLnBrk="0" hangingPunct="1">
+              <a:defRPr sz="1800" kern="1200">
+                <a:solidFill>
+                  <a:schemeClr val="tx1"/>
+                </a:solidFill>
+                <a:latin typeface="+mn-lt"/>
+                <a:ea typeface="+mn-ea"/>
+                <a:cs typeface="+mn-cs"/>
+              </a:defRPr>
+            </a:lvl4pPr>
+            <a:lvl5pPr marL="1828800" algn="l" defTabSz="914400" rtl="0" eaLnBrk="1" latinLnBrk="0" hangingPunct="1">
+              <a:defRPr sz="1800" kern="1200">
+                <a:solidFill>
+                  <a:schemeClr val="tx1"/>
+                </a:solidFill>
+                <a:latin typeface="+mn-lt"/>
+                <a:ea typeface="+mn-ea"/>
+                <a:cs typeface="+mn-cs"/>
+              </a:defRPr>
+            </a:lvl5pPr>
+            <a:lvl6pPr marL="2286000" algn="l" defTabSz="914400" rtl="0" eaLnBrk="1" latinLnBrk="0" hangingPunct="1">
+              <a:defRPr sz="1800" kern="1200">
+                <a:solidFill>
+                  <a:schemeClr val="tx1"/>
+                </a:solidFill>
+                <a:latin typeface="+mn-lt"/>
+                <a:ea typeface="+mn-ea"/>
+                <a:cs typeface="+mn-cs"/>
+              </a:defRPr>
+            </a:lvl6pPr>
+            <a:lvl7pPr marL="2743200" algn="l" defTabSz="914400" rtl="0" eaLnBrk="1" latinLnBrk="0" hangingPunct="1">
+              <a:defRPr sz="1800" kern="1200">
+                <a:solidFill>
+                  <a:schemeClr val="tx1"/>
+                </a:solidFill>
+                <a:latin typeface="+mn-lt"/>
+                <a:ea typeface="+mn-ea"/>
+                <a:cs typeface="+mn-cs"/>
+              </a:defRPr>
+            </a:lvl7pPr>
+            <a:lvl8pPr marL="3200400" algn="l" defTabSz="914400" rtl="0" eaLnBrk="1" latinLnBrk="0" hangingPunct="1">
+              <a:defRPr sz="1800" kern="1200">
+                <a:solidFill>
+                  <a:schemeClr val="tx1"/>
+                </a:solidFill>
+                <a:latin typeface="+mn-lt"/>
+                <a:ea typeface="+mn-ea"/>
+                <a:cs typeface="+mn-cs"/>
+              </a:defRPr>
+            </a:lvl8pPr>
+            <a:lvl9pPr marL="3657600" algn="l" defTabSz="914400" rtl="0" eaLnBrk="1" latinLnBrk="0" hangingPunct="1">
+              <a:defRPr sz="1800" kern="1200">
+                <a:solidFill>
+                  <a:schemeClr val="tx1"/>
+                </a:solidFill>
+                <a:latin typeface="+mn-lt"/>
+                <a:ea typeface="+mn-ea"/>
+                <a:cs typeface="+mn-cs"/>
+              </a:defRPr>
+            </a:lvl9pPr>
+          </a:lstStyle>
+          <a:p>
+            <a:fld id="{58FB4751-880F-D840-AAA9-3A15815CC996}" type="slidenum">
+              <a:rPr lang="en-US" smtClean="0"/>
+              <a:pPr/>
+              <a:t>19</a:t>
+            </a:fld>
+            <a:endParaRPr lang="en-US" dirty="0"/>
+          </a:p>
+        </p:txBody>
+      </p:sp>
+      <p:sp>
+        <p:nvSpPr>
+          <p:cNvPr id="8" name="Rectangle 2">
+            <a:extLst>
+              <a:ext uri="{FF2B5EF4-FFF2-40B4-BE49-F238E27FC236}">
+                <a16:creationId xmlns:a16="http://schemas.microsoft.com/office/drawing/2014/main" id="{92E8A5E6-3C6B-8AA2-9ACD-2584302B2B88}"/>
+              </a:ext>
+            </a:extLst>
+          </p:cNvPr>
+          <p:cNvSpPr txBox="1">
+            <a:spLocks noChangeArrowheads="1"/>
+          </p:cNvSpPr>
+          <p:nvPr/>
+        </p:nvSpPr>
+        <p:spPr bwMode="auto">
+          <a:xfrm>
+            <a:off x="581611" y="940054"/>
+            <a:ext cx="6872848" cy="1200329"/>
+          </a:xfrm>
+          <a:prstGeom prst="rect">
+            <a:avLst/>
+          </a:prstGeom>
+          <a:noFill/>
+          <a:ln>
+            <a:noFill/>
+          </a:ln>
+          <a:effectLst/>
+          <a:extLst>
+            <a:ext uri="{909E8E84-426E-40DD-AFC4-6F175D3DCCD1}">
+              <a14:hiddenFill xmlns:a14="http://schemas.microsoft.com/office/drawing/2010/main">
+                <a:solidFill>
+                  <a:schemeClr val="accent1"/>
+                </a:solidFill>
+              </a14:hiddenFill>
+            </a:ext>
+            <a:ext uri="{91240B29-F687-4F45-9708-019B960494DF}">
+              <a14:hiddenLine xmlns:a14="http://schemas.microsoft.com/office/drawing/2010/main" w="9525">
+                <a:solidFill>
+                  <a:schemeClr val="tx1"/>
+                </a:solidFill>
+                <a:miter lim="800000"/>
+                <a:headEnd/>
+                <a:tailEnd/>
+              </a14:hiddenLine>
+            </a:ext>
+            <a:ext uri="{AF507438-7753-43E0-B8FC-AC1667EBCBE1}">
+              <a14:hiddenEffects xmlns:a14="http://schemas.microsoft.com/office/drawing/2010/main">
+                <a:effectLst>
+                  <a:outerShdw dist="35921" dir="2700000" algn="ctr" rotWithShape="0">
+                    <a:schemeClr val="bg2"/>
+                  </a:outerShdw>
+                </a:effectLst>
+              </a14:hiddenEffects>
+            </a:ext>
+          </a:extLst>
+        </p:spPr>
+        <p:txBody>
+          <a:bodyPr vert="horz" wrap="square" lIns="91440" tIns="45720" rIns="91440" bIns="45720" numCol="1" anchor="ctr" anchorCtr="0" compatLnSpc="1">
+            <a:prstTxWarp prst="textNoShape">
+              <a:avLst/>
+            </a:prstTxWarp>
+            <a:spAutoFit/>
+          </a:bodyPr>
+          <a:lstStyle>
+            <a:lvl1pPr marL="228600" indent="-228600" algn="l" defTabSz="914400" rtl="0" eaLnBrk="1" latinLnBrk="0" hangingPunct="1">
+              <a:lnSpc>
+                <a:spcPct val="90000"/>
+              </a:lnSpc>
+              <a:spcBef>
+                <a:spcPts val="1000"/>
+              </a:spcBef>
+              <a:buFont typeface="Arial" panose="020B0604020202020204" pitchFamily="34" charset="0"/>
+              <a:buChar char="•"/>
+              <a:defRPr sz="2800" kern="1200">
+                <a:solidFill>
+                  <a:schemeClr val="tx1"/>
+                </a:solidFill>
+                <a:latin typeface="+mn-lt"/>
+                <a:ea typeface="+mn-ea"/>
+                <a:cs typeface="+mn-cs"/>
+              </a:defRPr>
+            </a:lvl1pPr>
+            <a:lvl2pPr marL="685800" indent="-228600" algn="l" defTabSz="914400" rtl="0" eaLnBrk="1" latinLnBrk="0" hangingPunct="1">
+              <a:lnSpc>
+                <a:spcPct val="90000"/>
+              </a:lnSpc>
+              <a:spcBef>
+                <a:spcPts val="500"/>
+              </a:spcBef>
+              <a:buFont typeface="Arial" panose="020B0604020202020204" pitchFamily="34" charset="0"/>
+              <a:buChar char="•"/>
+              <a:defRPr sz="2400" kern="1200">
+                <a:solidFill>
+                  <a:schemeClr val="tx1"/>
+                </a:solidFill>
+                <a:latin typeface="+mn-lt"/>
+                <a:ea typeface="+mn-ea"/>
+                <a:cs typeface="+mn-cs"/>
+              </a:defRPr>
+            </a:lvl2pPr>
+            <a:lvl3pPr marL="1143000" indent="-228600" algn="l" defTabSz="914400" rtl="0" eaLnBrk="1" latinLnBrk="0" hangingPunct="1">
+              <a:lnSpc>
+                <a:spcPct val="90000"/>
+              </a:lnSpc>
+              <a:spcBef>
+                <a:spcPts val="500"/>
+              </a:spcBef>
+              <a:buFont typeface="Arial" panose="020B0604020202020204" pitchFamily="34" charset="0"/>
+              <a:buChar char="•"/>
+              <a:defRPr sz="2000" kern="1200">
+                <a:solidFill>
+                  <a:schemeClr val="tx1"/>
+                </a:solidFill>
+                <a:latin typeface="+mn-lt"/>
+                <a:ea typeface="+mn-ea"/>
+                <a:cs typeface="+mn-cs"/>
+              </a:defRPr>
+            </a:lvl3pPr>
+            <a:lvl4pPr marL="1600200" indent="-228600" algn="l" defTabSz="914400" rtl="0" eaLnBrk="1" latinLnBrk="0" hangingPunct="1">
+              <a:lnSpc>
+                <a:spcPct val="90000"/>
+              </a:lnSpc>
+              <a:spcBef>
+                <a:spcPts val="500"/>
+              </a:spcBef>
+              <a:buFont typeface="Arial" panose="020B0604020202020204" pitchFamily="34" charset="0"/>
+              <a:buChar char="•"/>
+              <a:defRPr sz="1800" kern="1200">
+                <a:solidFill>
+                  <a:schemeClr val="tx1"/>
+                </a:solidFill>
+                <a:latin typeface="+mn-lt"/>
+                <a:ea typeface="+mn-ea"/>
+                <a:cs typeface="+mn-cs"/>
+              </a:defRPr>
+            </a:lvl4pPr>
+            <a:lvl5pPr marL="2057400" indent="-228600" algn="l" defTabSz="914400" rtl="0" eaLnBrk="1" latinLnBrk="0" hangingPunct="1">
+              <a:lnSpc>
+                <a:spcPct val="90000"/>
+              </a:lnSpc>
+              <a:spcBef>
+                <a:spcPts val="500"/>
+              </a:spcBef>
+              <a:buFont typeface="Arial" panose="020B0604020202020204" pitchFamily="34" charset="0"/>
+              <a:buChar char="•"/>
+              <a:defRPr sz="1800" kern="1200">
+                <a:solidFill>
+                  <a:schemeClr val="tx1"/>
+                </a:solidFill>
+                <a:latin typeface="+mn-lt"/>
+                <a:ea typeface="+mn-ea"/>
+                <a:cs typeface="+mn-cs"/>
+              </a:defRPr>
+            </a:lvl5pPr>
+            <a:lvl6pPr marL="2514600" indent="-228600" algn="l" defTabSz="914400" rtl="0" eaLnBrk="1" latinLnBrk="0" hangingPunct="1">
+              <a:lnSpc>
+                <a:spcPct val="90000"/>
+              </a:lnSpc>
+              <a:spcBef>
+                <a:spcPts val="500"/>
+              </a:spcBef>
+              <a:buFont typeface="Arial" panose="020B0604020202020204" pitchFamily="34" charset="0"/>
+              <a:buChar char="•"/>
+              <a:defRPr sz="1800" kern="1200">
+                <a:solidFill>
+                  <a:schemeClr val="tx1"/>
+                </a:solidFill>
+                <a:latin typeface="+mn-lt"/>
+                <a:ea typeface="+mn-ea"/>
+                <a:cs typeface="+mn-cs"/>
+              </a:defRPr>
+            </a:lvl6pPr>
+            <a:lvl7pPr marL="2971800" indent="-228600" algn="l" defTabSz="914400" rtl="0" eaLnBrk="1" latinLnBrk="0" hangingPunct="1">
+              <a:lnSpc>
+                <a:spcPct val="90000"/>
+              </a:lnSpc>
+              <a:spcBef>
+                <a:spcPts val="500"/>
+              </a:spcBef>
+              <a:buFont typeface="Arial" panose="020B0604020202020204" pitchFamily="34" charset="0"/>
+              <a:buChar char="•"/>
+              <a:defRPr sz="1800" kern="1200">
+                <a:solidFill>
+                  <a:schemeClr val="tx1"/>
+                </a:solidFill>
+                <a:latin typeface="+mn-lt"/>
+                <a:ea typeface="+mn-ea"/>
+                <a:cs typeface="+mn-cs"/>
+              </a:defRPr>
+            </a:lvl7pPr>
+            <a:lvl8pPr marL="3429000" indent="-228600" algn="l" defTabSz="914400" rtl="0" eaLnBrk="1" latinLnBrk="0" hangingPunct="1">
+              <a:lnSpc>
+                <a:spcPct val="90000"/>
+              </a:lnSpc>
+              <a:spcBef>
+                <a:spcPts val="500"/>
+              </a:spcBef>
+              <a:buFont typeface="Arial" panose="020B0604020202020204" pitchFamily="34" charset="0"/>
+              <a:buChar char="•"/>
+              <a:defRPr sz="1800" kern="1200">
+                <a:solidFill>
+                  <a:schemeClr val="tx1"/>
+                </a:solidFill>
+                <a:latin typeface="+mn-lt"/>
+                <a:ea typeface="+mn-ea"/>
+                <a:cs typeface="+mn-cs"/>
+              </a:defRPr>
+            </a:lvl8pPr>
+            <a:lvl9pPr marL="3886200" indent="-228600" algn="l" defTabSz="914400" rtl="0" eaLnBrk="1" latinLnBrk="0" hangingPunct="1">
+              <a:lnSpc>
+                <a:spcPct val="90000"/>
+              </a:lnSpc>
+              <a:spcBef>
+                <a:spcPts val="500"/>
+              </a:spcBef>
+              <a:buFont typeface="Arial" panose="020B0604020202020204" pitchFamily="34" charset="0"/>
+              <a:buChar char="•"/>
+              <a:defRPr sz="1800" kern="1200">
+                <a:solidFill>
+                  <a:schemeClr val="tx1"/>
+                </a:solidFill>
+                <a:latin typeface="+mn-lt"/>
+                <a:ea typeface="+mn-ea"/>
+                <a:cs typeface="+mn-cs"/>
+              </a:defRPr>
+            </a:lvl9pPr>
+          </a:lstStyle>
+          <a:p>
+            <a:pPr marL="0" indent="0" eaLnBrk="0" fontAlgn="base" hangingPunct="0">
+              <a:lnSpc>
+                <a:spcPct val="100000"/>
+              </a:lnSpc>
+              <a:spcBef>
+                <a:spcPct val="0"/>
+              </a:spcBef>
+              <a:spcAft>
+                <a:spcPct val="0"/>
+              </a:spcAft>
+              <a:buFontTx/>
+              <a:buChar char="•"/>
+            </a:pPr>
+            <a:r>
+              <a:rPr lang="en-US" altLang="en-US" sz="1800" b="1" dirty="0">
+                <a:latin typeface="Arial" panose="020B0604020202020204" pitchFamily="34" charset="0"/>
+              </a:rPr>
+              <a:t>Promotion 1 is the most effective.</a:t>
+            </a:r>
+            <a:r>
+              <a:rPr lang="en-US" altLang="en-US" sz="1800" dirty="0">
+                <a:latin typeface="Arial" panose="020B0604020202020204" pitchFamily="34" charset="0"/>
+              </a:rPr>
+              <a:t> </a:t>
+            </a:r>
+          </a:p>
+          <a:p>
+            <a:pPr marL="0" indent="0" eaLnBrk="0" fontAlgn="base" hangingPunct="0">
+              <a:lnSpc>
+                <a:spcPct val="100000"/>
+              </a:lnSpc>
+              <a:spcBef>
+                <a:spcPct val="0"/>
+              </a:spcBef>
+              <a:spcAft>
+                <a:spcPct val="0"/>
+              </a:spcAft>
+              <a:buFontTx/>
+              <a:buChar char="•"/>
+            </a:pPr>
+            <a:r>
+              <a:rPr lang="en-US" altLang="en-US" sz="1800" b="1" dirty="0">
+                <a:latin typeface="Arial" panose="020B0604020202020204" pitchFamily="34" charset="0"/>
+              </a:rPr>
+              <a:t>Promotion 2 should be restructured or removed.</a:t>
+            </a:r>
+            <a:r>
+              <a:rPr lang="en-US" altLang="en-US" sz="1800" dirty="0">
+                <a:latin typeface="Arial" panose="020B0604020202020204" pitchFamily="34" charset="0"/>
+              </a:rPr>
+              <a:t> </a:t>
+            </a:r>
+          </a:p>
+          <a:p>
+            <a:pPr marL="0" indent="0" eaLnBrk="0" fontAlgn="base" hangingPunct="0">
+              <a:lnSpc>
+                <a:spcPct val="100000"/>
+              </a:lnSpc>
+              <a:spcBef>
+                <a:spcPct val="0"/>
+              </a:spcBef>
+              <a:spcAft>
+                <a:spcPct val="0"/>
+              </a:spcAft>
+              <a:buFontTx/>
+              <a:buChar char="•"/>
+            </a:pPr>
+            <a:r>
+              <a:rPr lang="en-US" altLang="en-US" sz="1800" b="1" dirty="0">
+                <a:latin typeface="Arial" panose="020B0604020202020204" pitchFamily="34" charset="0"/>
+              </a:rPr>
+              <a:t>Market size plays a significant role in sales performance.</a:t>
+            </a:r>
+            <a:r>
+              <a:rPr lang="en-US" altLang="en-US" sz="1800" dirty="0">
+                <a:latin typeface="Arial" panose="020B0604020202020204" pitchFamily="34" charset="0"/>
+              </a:rPr>
+              <a:t> </a:t>
+            </a:r>
+          </a:p>
+          <a:p>
+            <a:pPr marL="0" indent="0" eaLnBrk="0" fontAlgn="base" hangingPunct="0">
+              <a:lnSpc>
+                <a:spcPct val="100000"/>
+              </a:lnSpc>
+              <a:spcBef>
+                <a:spcPct val="0"/>
+              </a:spcBef>
+              <a:spcAft>
+                <a:spcPct val="0"/>
+              </a:spcAft>
+              <a:buFontTx/>
+              <a:buChar char="•"/>
+            </a:pPr>
+            <a:r>
+              <a:rPr lang="en-US" altLang="en-US" sz="1800" b="1" dirty="0">
+                <a:latin typeface="Arial" panose="020B0604020202020204" pitchFamily="34" charset="0"/>
+              </a:rPr>
+              <a:t>Store age does not influence sales significantly.</a:t>
+            </a:r>
+            <a:r>
+              <a:rPr lang="en-US" altLang="en-US" sz="1800" dirty="0">
+                <a:latin typeface="Arial" panose="020B0604020202020204" pitchFamily="34" charset="0"/>
+              </a:rPr>
+              <a:t> </a:t>
+            </a:r>
+          </a:p>
+        </p:txBody>
+      </p:sp>
+      <p:sp>
+        <p:nvSpPr>
+          <p:cNvPr id="9" name="Rectangle 5">
+            <a:extLst>
+              <a:ext uri="{FF2B5EF4-FFF2-40B4-BE49-F238E27FC236}">
+                <a16:creationId xmlns:a16="http://schemas.microsoft.com/office/drawing/2014/main" id="{5A8F0426-7733-080B-E2EA-9D8B605FC536}"/>
+              </a:ext>
+            </a:extLst>
+          </p:cNvPr>
+          <p:cNvSpPr txBox="1">
+            <a:spLocks noChangeArrowheads="1"/>
+          </p:cNvSpPr>
+          <p:nvPr/>
+        </p:nvSpPr>
+        <p:spPr bwMode="auto">
+          <a:xfrm>
+            <a:off x="581611" y="3869656"/>
+            <a:ext cx="7442716" cy="1200329"/>
+          </a:xfrm>
+          <a:prstGeom prst="rect">
+            <a:avLst/>
+          </a:prstGeom>
+          <a:noFill/>
+          <a:ln>
+            <a:noFill/>
+          </a:ln>
+          <a:effectLst/>
+          <a:extLst>
+            <a:ext uri="{909E8E84-426E-40DD-AFC4-6F175D3DCCD1}">
+              <a14:hiddenFill xmlns:a14="http://schemas.microsoft.com/office/drawing/2010/main">
+                <a:solidFill>
+                  <a:schemeClr val="accent1"/>
+                </a:solidFill>
+              </a14:hiddenFill>
+            </a:ext>
+            <a:ext uri="{91240B29-F687-4F45-9708-019B960494DF}">
+              <a14:hiddenLine xmlns:a14="http://schemas.microsoft.com/office/drawing/2010/main" w="9525">
+                <a:solidFill>
+                  <a:schemeClr val="tx1"/>
+                </a:solidFill>
+                <a:miter lim="800000"/>
+                <a:headEnd/>
+                <a:tailEnd/>
+              </a14:hiddenLine>
+            </a:ext>
+            <a:ext uri="{AF507438-7753-43E0-B8FC-AC1667EBCBE1}">
+              <a14:hiddenEffects xmlns:a14="http://schemas.microsoft.com/office/drawing/2010/main">
+                <a:effectLst>
+                  <a:outerShdw dist="35921" dir="2700000" algn="ctr" rotWithShape="0">
+                    <a:schemeClr val="bg2"/>
+                  </a:outerShdw>
+                </a:effectLst>
+              </a14:hiddenEffects>
+            </a:ext>
+          </a:extLst>
+        </p:spPr>
+        <p:txBody>
+          <a:bodyPr vert="horz" wrap="square" lIns="91440" tIns="45720" rIns="91440" bIns="45720" numCol="1" rtlCol="0" anchor="ctr" anchorCtr="0" compatLnSpc="1">
+            <a:prstTxWarp prst="textNoShape">
+              <a:avLst/>
+            </a:prstTxWarp>
+            <a:spAutoFit/>
+          </a:bodyPr>
+          <a:lstStyle>
+            <a:defPPr>
+              <a:defRPr lang="en-US"/>
+            </a:defPPr>
+            <a:lvl1pPr marL="0" algn="r" defTabSz="914400" rtl="0" eaLnBrk="1" latinLnBrk="0" hangingPunct="1">
+              <a:defRPr sz="1200" kern="1200">
+                <a:solidFill>
+                  <a:schemeClr val="tx1">
+                    <a:tint val="75000"/>
+                  </a:schemeClr>
+                </a:solidFill>
+                <a:latin typeface="+mn-lt"/>
+                <a:ea typeface="+mn-ea"/>
+                <a:cs typeface="+mn-cs"/>
+              </a:defRPr>
+            </a:lvl1pPr>
+            <a:lvl2pPr marL="457200" algn="l" defTabSz="914400" rtl="0" eaLnBrk="1" latinLnBrk="0" hangingPunct="1">
+              <a:defRPr sz="1800" kern="1200">
+                <a:solidFill>
+                  <a:schemeClr val="tx1"/>
+                </a:solidFill>
+                <a:latin typeface="+mn-lt"/>
+                <a:ea typeface="+mn-ea"/>
+                <a:cs typeface="+mn-cs"/>
+              </a:defRPr>
+            </a:lvl2pPr>
+            <a:lvl3pPr marL="914400" algn="l" defTabSz="914400" rtl="0" eaLnBrk="1" latinLnBrk="0" hangingPunct="1">
+              <a:defRPr sz="1800" kern="1200">
+                <a:solidFill>
+                  <a:schemeClr val="tx1"/>
+                </a:solidFill>
+                <a:latin typeface="+mn-lt"/>
+                <a:ea typeface="+mn-ea"/>
+                <a:cs typeface="+mn-cs"/>
+              </a:defRPr>
+            </a:lvl3pPr>
+            <a:lvl4pPr marL="1371600" algn="l" defTabSz="914400" rtl="0" eaLnBrk="1" latinLnBrk="0" hangingPunct="1">
+              <a:defRPr sz="1800" kern="1200">
+                <a:solidFill>
+                  <a:schemeClr val="tx1"/>
+                </a:solidFill>
+                <a:latin typeface="+mn-lt"/>
+                <a:ea typeface="+mn-ea"/>
+                <a:cs typeface="+mn-cs"/>
+              </a:defRPr>
+            </a:lvl4pPr>
+            <a:lvl5pPr marL="1828800" algn="l" defTabSz="914400" rtl="0" eaLnBrk="1" latinLnBrk="0" hangingPunct="1">
+              <a:defRPr sz="1800" kern="1200">
+                <a:solidFill>
+                  <a:schemeClr val="tx1"/>
+                </a:solidFill>
+                <a:latin typeface="+mn-lt"/>
+                <a:ea typeface="+mn-ea"/>
+                <a:cs typeface="+mn-cs"/>
+              </a:defRPr>
+            </a:lvl5pPr>
+            <a:lvl6pPr marL="2286000" algn="l" defTabSz="914400" rtl="0" eaLnBrk="1" latinLnBrk="0" hangingPunct="1">
+              <a:defRPr sz="1800" kern="1200">
+                <a:solidFill>
+                  <a:schemeClr val="tx1"/>
+                </a:solidFill>
+                <a:latin typeface="+mn-lt"/>
+                <a:ea typeface="+mn-ea"/>
+                <a:cs typeface="+mn-cs"/>
+              </a:defRPr>
+            </a:lvl6pPr>
+            <a:lvl7pPr marL="2743200" algn="l" defTabSz="914400" rtl="0" eaLnBrk="1" latinLnBrk="0" hangingPunct="1">
+              <a:defRPr sz="1800" kern="1200">
+                <a:solidFill>
+                  <a:schemeClr val="tx1"/>
+                </a:solidFill>
+                <a:latin typeface="+mn-lt"/>
+                <a:ea typeface="+mn-ea"/>
+                <a:cs typeface="+mn-cs"/>
+              </a:defRPr>
+            </a:lvl7pPr>
+            <a:lvl8pPr marL="3200400" algn="l" defTabSz="914400" rtl="0" eaLnBrk="1" latinLnBrk="0" hangingPunct="1">
+              <a:defRPr sz="1800" kern="1200">
+                <a:solidFill>
+                  <a:schemeClr val="tx1"/>
+                </a:solidFill>
+                <a:latin typeface="+mn-lt"/>
+                <a:ea typeface="+mn-ea"/>
+                <a:cs typeface="+mn-cs"/>
+              </a:defRPr>
+            </a:lvl8pPr>
+            <a:lvl9pPr marL="3657600" algn="l" defTabSz="914400" rtl="0" eaLnBrk="1" latinLnBrk="0" hangingPunct="1">
+              <a:defRPr sz="1800" kern="1200">
+                <a:solidFill>
+                  <a:schemeClr val="tx1"/>
+                </a:solidFill>
+                <a:latin typeface="+mn-lt"/>
+                <a:ea typeface="+mn-ea"/>
+                <a:cs typeface="+mn-cs"/>
+              </a:defRPr>
+            </a:lvl9pPr>
+          </a:lstStyle>
+          <a:p>
+            <a:pPr algn="l" eaLnBrk="0" fontAlgn="base" hangingPunct="0">
+              <a:spcBef>
+                <a:spcPct val="0"/>
+              </a:spcBef>
+              <a:spcAft>
+                <a:spcPct val="0"/>
+              </a:spcAft>
+              <a:buFontTx/>
+              <a:buChar char="•"/>
+            </a:pPr>
+            <a:r>
+              <a:rPr lang="en-US" altLang="en-US" sz="1800" b="1" dirty="0">
+                <a:solidFill>
+                  <a:schemeClr val="tx1"/>
+                </a:solidFill>
+                <a:latin typeface="Arial" panose="020B0604020202020204" pitchFamily="34" charset="0"/>
+              </a:rPr>
+              <a:t>Prioritize Promotion 1</a:t>
+            </a:r>
+            <a:r>
+              <a:rPr lang="en-US" altLang="en-US" sz="1800" dirty="0">
+                <a:solidFill>
+                  <a:schemeClr val="tx1"/>
+                </a:solidFill>
+                <a:latin typeface="Arial" panose="020B0604020202020204" pitchFamily="34" charset="0"/>
+              </a:rPr>
+              <a:t> in future marketing campaigns. </a:t>
+            </a:r>
+          </a:p>
+          <a:p>
+            <a:pPr algn="l" eaLnBrk="0" fontAlgn="base" hangingPunct="0">
+              <a:spcBef>
+                <a:spcPct val="0"/>
+              </a:spcBef>
+              <a:spcAft>
+                <a:spcPct val="0"/>
+              </a:spcAft>
+              <a:buFontTx/>
+              <a:buChar char="•"/>
+            </a:pPr>
+            <a:r>
+              <a:rPr lang="en-US" altLang="en-US" sz="1800" b="1" dirty="0">
+                <a:solidFill>
+                  <a:schemeClr val="tx1"/>
+                </a:solidFill>
+                <a:latin typeface="Arial" panose="020B0604020202020204" pitchFamily="34" charset="0"/>
+              </a:rPr>
+              <a:t>Revise Promotion 2 </a:t>
+            </a:r>
+            <a:r>
+              <a:rPr lang="en-US" altLang="en-US" sz="1800" dirty="0">
+                <a:solidFill>
+                  <a:schemeClr val="tx1"/>
+                </a:solidFill>
+                <a:latin typeface="Arial" panose="020B0604020202020204" pitchFamily="34" charset="0"/>
+              </a:rPr>
+              <a:t>to improve its impact. </a:t>
+            </a:r>
+          </a:p>
+          <a:p>
+            <a:pPr algn="l" eaLnBrk="0" fontAlgn="base" hangingPunct="0">
+              <a:spcBef>
+                <a:spcPct val="0"/>
+              </a:spcBef>
+              <a:spcAft>
+                <a:spcPct val="0"/>
+              </a:spcAft>
+              <a:buFontTx/>
+              <a:buChar char="•"/>
+            </a:pPr>
+            <a:r>
+              <a:rPr lang="en-US" altLang="en-US" sz="1800" b="1" dirty="0">
+                <a:solidFill>
+                  <a:schemeClr val="tx1"/>
+                </a:solidFill>
+                <a:latin typeface="Arial" panose="020B0604020202020204" pitchFamily="34" charset="0"/>
+              </a:rPr>
+              <a:t>Focus on large and medium markets</a:t>
+            </a:r>
+            <a:r>
+              <a:rPr lang="en-US" altLang="en-US" sz="1800" dirty="0">
+                <a:solidFill>
+                  <a:schemeClr val="tx1"/>
+                </a:solidFill>
+                <a:latin typeface="Arial" panose="020B0604020202020204" pitchFamily="34" charset="0"/>
+              </a:rPr>
+              <a:t> for the highest return. </a:t>
+            </a:r>
+          </a:p>
+          <a:p>
+            <a:pPr algn="l" eaLnBrk="0" fontAlgn="base" hangingPunct="0">
+              <a:spcBef>
+                <a:spcPct val="0"/>
+              </a:spcBef>
+              <a:spcAft>
+                <a:spcPct val="0"/>
+              </a:spcAft>
+              <a:buFontTx/>
+              <a:buChar char="•"/>
+            </a:pPr>
+            <a:r>
+              <a:rPr lang="en-US" altLang="en-US" sz="1800" b="1" dirty="0">
+                <a:solidFill>
+                  <a:schemeClr val="tx1"/>
+                </a:solidFill>
+                <a:latin typeface="Arial" panose="020B0604020202020204" pitchFamily="34" charset="0"/>
+              </a:rPr>
+              <a:t>Further explore additional factors</a:t>
+            </a:r>
+            <a:r>
+              <a:rPr lang="en-US" altLang="en-US" sz="1800" dirty="0">
+                <a:solidFill>
+                  <a:schemeClr val="tx1"/>
+                </a:solidFill>
+                <a:latin typeface="Arial" panose="020B0604020202020204" pitchFamily="34" charset="0"/>
+              </a:rPr>
+              <a:t> (e.g., pricing, competition). </a:t>
+            </a:r>
+          </a:p>
+        </p:txBody>
+      </p:sp>
+      <p:sp>
+        <p:nvSpPr>
+          <p:cNvPr id="10" name="Title 8">
+            <a:extLst>
+              <a:ext uri="{FF2B5EF4-FFF2-40B4-BE49-F238E27FC236}">
+                <a16:creationId xmlns:a16="http://schemas.microsoft.com/office/drawing/2014/main" id="{6D559D3A-3275-A6FF-AF4C-E8855A0127CF}"/>
+              </a:ext>
+            </a:extLst>
+          </p:cNvPr>
+          <p:cNvSpPr txBox="1">
+            <a:spLocks/>
+          </p:cNvSpPr>
+          <p:nvPr/>
+        </p:nvSpPr>
+        <p:spPr>
+          <a:xfrm>
+            <a:off x="0" y="2643673"/>
+            <a:ext cx="10360152" cy="914400"/>
+          </a:xfrm>
+          <a:prstGeom prst="rect">
+            <a:avLst/>
+          </a:prstGeom>
+        </p:spPr>
+        <p:txBody>
+          <a:bodyPr vert="horz" lIns="91440" tIns="45720" rIns="91440" bIns="45720" rtlCol="0" anchor="b" anchorCtr="0">
+            <a:noAutofit/>
           </a:bodyPr>
           <a:lstStyle>
             <a:lvl1pPr algn="l" defTabSz="914400" rtl="0" eaLnBrk="1" latinLnBrk="0" hangingPunct="1">
@@ -8274,7 +8624,7 @@
                 <a:spcPct val="0"/>
               </a:spcBef>
               <a:buNone/>
-              <a:defRPr sz="4400" kern="1200">
+              <a:defRPr sz="3200" kern="1200">
                 <a:solidFill>
                   <a:schemeClr val="tx1"/>
                 </a:solidFill>
@@ -8286,63 +8636,17 @@
           </a:lstStyle>
           <a:p>
             <a:r>
-              <a:rPr lang="en-US" dirty="0"/>
-              <a:t>Thank you</a:t>
-            </a:r>
-          </a:p>
-        </p:txBody>
-      </p:sp>
-      <p:pic>
-        <p:nvPicPr>
-          <p:cNvPr id="2052" name="Picture 4" descr="Full view">
-            <a:extLst>
-              <a:ext uri="{FF2B5EF4-FFF2-40B4-BE49-F238E27FC236}">
-                <a16:creationId xmlns:a16="http://schemas.microsoft.com/office/drawing/2014/main" id="{397EFFCB-B647-79E5-67A9-55E244413CD1}"/>
-              </a:ext>
-            </a:extLst>
-          </p:cNvPr>
-          <p:cNvPicPr>
-            <a:picLocks noChangeAspect="1" noChangeArrowheads="1"/>
-          </p:cNvPicPr>
-          <p:nvPr/>
-        </p:nvPicPr>
-        <p:blipFill>
-          <a:blip r:embed="rId2">
-            <a:extLst>
-              <a:ext uri="{28A0092B-C50C-407E-A947-70E740481C1C}">
-                <a14:useLocalDpi xmlns:a14="http://schemas.microsoft.com/office/drawing/2010/main" val="0"/>
-              </a:ext>
-            </a:extLst>
-          </a:blip>
-          <a:srcRect/>
-          <a:stretch>
-            <a:fillRect/>
-          </a:stretch>
-        </p:blipFill>
-        <p:spPr bwMode="auto">
-          <a:xfrm>
-            <a:off x="0" y="-2499687"/>
-            <a:ext cx="12192000" cy="9357687"/>
-          </a:xfrm>
-          <a:prstGeom prst="rect">
-            <a:avLst/>
-          </a:prstGeom>
-          <a:noFill/>
-          <a:extLst>
-            <a:ext uri="{909E8E84-426E-40DD-AFC4-6F175D3DCCD1}">
-              <a14:hiddenFill xmlns:a14="http://schemas.microsoft.com/office/drawing/2010/main">
-                <a:solidFill>
-                  <a:srgbClr val="FFFFFF"/>
-                </a:solidFill>
-              </a14:hiddenFill>
-            </a:ext>
-          </a:extLst>
-        </p:spPr>
-      </p:pic>
+              <a:rPr lang="en-IN" u="sng" dirty="0"/>
+              <a:t>Recommendations</a:t>
+            </a:r>
+            <a:endParaRPr lang="en-US" u="sng" dirty="0"/>
+          </a:p>
+        </p:txBody>
+      </p:sp>
     </p:spTree>
     <p:extLst>
       <p:ext uri="{BB962C8B-B14F-4D97-AF65-F5344CB8AC3E}">
-        <p14:creationId xmlns:p14="http://schemas.microsoft.com/office/powerpoint/2010/main" val="7942268"/>
+        <p14:creationId xmlns:p14="http://schemas.microsoft.com/office/powerpoint/2010/main" val="2886027172"/>
       </p:ext>
     </p:extLst>
   </p:cSld>
@@ -8470,6 +8774,119 @@
     <p:extLst>
       <p:ext uri="{BB962C8B-B14F-4D97-AF65-F5344CB8AC3E}">
         <p14:creationId xmlns:p14="http://schemas.microsoft.com/office/powerpoint/2010/main" val="25700174"/>
+      </p:ext>
+    </p:extLst>
+  </p:cSld>
+  <p:clrMapOvr>
+    <a:masterClrMapping/>
+  </p:clrMapOvr>
+</p:sld>
+</file>
+
+<file path=ppt/slides/slide20.xml><?xml version="1.0" encoding="utf-8"?>
+<p:sld xmlns:a="http://schemas.openxmlformats.org/drawingml/2006/main" xmlns:r="http://schemas.openxmlformats.org/officeDocument/2006/relationships" xmlns:p="http://schemas.openxmlformats.org/presentationml/2006/main">
+  <p:cSld>
+    <p:spTree>
+      <p:nvGrpSpPr>
+        <p:cNvPr id="1" name=""/>
+        <p:cNvGrpSpPr/>
+        <p:nvPr/>
+      </p:nvGrpSpPr>
+      <p:grpSpPr>
+        <a:xfrm>
+          <a:off x="0" y="0"/>
+          <a:ext cx="0" cy="0"/>
+          <a:chOff x="0" y="0"/>
+          <a:chExt cx="0" cy="0"/>
+        </a:xfrm>
+      </p:grpSpPr>
+      <p:sp>
+        <p:nvSpPr>
+          <p:cNvPr id="5" name="Slide Number Placeholder 4">
+            <a:extLst>
+              <a:ext uri="{FF2B5EF4-FFF2-40B4-BE49-F238E27FC236}">
+                <a16:creationId xmlns:a16="http://schemas.microsoft.com/office/drawing/2014/main" id="{4EC3AC48-C60B-98C8-EDFB-906468CE0C6A}"/>
+              </a:ext>
+            </a:extLst>
+          </p:cNvPr>
+          <p:cNvSpPr>
+            <a:spLocks noGrp="1"/>
+          </p:cNvSpPr>
+          <p:nvPr>
+            <p:ph type="sldNum" sz="quarter" idx="12"/>
+          </p:nvPr>
+        </p:nvSpPr>
+        <p:spPr/>
+        <p:txBody>
+          <a:bodyPr/>
+          <a:lstStyle/>
+          <a:p>
+            <a:fld id="{5E80619E-9ABD-4901-846B-9B030806AFDE}" type="slidenum">
+              <a:rPr lang="en-IN" smtClean="0"/>
+              <a:t>20</a:t>
+            </a:fld>
+            <a:endParaRPr lang="en-IN"/>
+          </a:p>
+        </p:txBody>
+      </p:sp>
+      <p:sp>
+        <p:nvSpPr>
+          <p:cNvPr id="6" name="Title 5">
+            <a:extLst>
+              <a:ext uri="{FF2B5EF4-FFF2-40B4-BE49-F238E27FC236}">
+                <a16:creationId xmlns:a16="http://schemas.microsoft.com/office/drawing/2014/main" id="{1FFC1F4B-52DE-7F06-E161-D393D28F52EE}"/>
+              </a:ext>
+            </a:extLst>
+          </p:cNvPr>
+          <p:cNvSpPr txBox="1">
+            <a:spLocks/>
+          </p:cNvSpPr>
+          <p:nvPr/>
+        </p:nvSpPr>
+        <p:spPr>
+          <a:xfrm>
+            <a:off x="4675803" y="914400"/>
+            <a:ext cx="5641848" cy="5029200"/>
+          </a:xfrm>
+          <a:prstGeom prst="rect">
+            <a:avLst/>
+          </a:prstGeom>
+        </p:spPr>
+        <p:txBody>
+          <a:bodyPr vert="horz" lIns="91440" tIns="45720" rIns="91440" bIns="45720" rtlCol="0" anchor="ctr">
+            <a:normAutofit/>
+          </a:bodyPr>
+          <a:lstStyle>
+            <a:lvl1pPr algn="l" defTabSz="914400" rtl="0" eaLnBrk="1" latinLnBrk="0" hangingPunct="1">
+              <a:lnSpc>
+                <a:spcPct val="90000"/>
+              </a:lnSpc>
+              <a:spcBef>
+                <a:spcPct val="0"/>
+              </a:spcBef>
+              <a:buNone/>
+              <a:defRPr sz="4400" kern="1200">
+                <a:solidFill>
+                  <a:schemeClr val="tx1"/>
+                </a:solidFill>
+                <a:latin typeface="+mj-lt"/>
+                <a:ea typeface="+mj-ea"/>
+                <a:cs typeface="+mj-cs"/>
+              </a:defRPr>
+            </a:lvl1pPr>
+          </a:lstStyle>
+          <a:p>
+            <a:r>
+              <a:rPr lang="en-US" dirty="0"/>
+              <a:t>Thank you</a:t>
+            </a:r>
+          </a:p>
+        </p:txBody>
+      </p:sp>
+    </p:spTree>
+    <p:extLst>
+      <p:ext uri="{BB962C8B-B14F-4D97-AF65-F5344CB8AC3E}">
+        <p14:creationId xmlns:p14="http://schemas.microsoft.com/office/powerpoint/2010/main" val="7942268"/>
       </p:ext>
     </p:extLst>
   </p:cSld>
@@ -9705,10 +10122,18 @@
           </a:lstStyle>
           <a:p>
             <a:r>
-              <a:rPr lang="en-US" sz="1800" b="1"/>
+              <a:rPr lang="en-US" sz="1800" b="1" dirty="0">
+                <a:solidFill>
+                  <a:schemeClr val="tx1"/>
+                </a:solidFill>
+              </a:rPr>
               <a:t>4.Mature Stores (21.25 - 28 years)</a:t>
             </a:r>
-            <a:endParaRPr lang="en-US" sz="1800"/>
+            <a:endParaRPr lang="en-US" sz="1800" dirty="0">
+              <a:solidFill>
+                <a:schemeClr val="tx1"/>
+              </a:solidFill>
+            </a:endParaRPr>
           </a:p>
           <a:p>
             <a:pPr marL="742950" lvl="1" indent="-285750">
@@ -9716,11 +10141,11 @@
               <a:buAutoNum type="arabicPeriod"/>
             </a:pPr>
             <a:r>
-              <a:rPr lang="en-US" b="1"/>
+              <a:rPr lang="en-US" b="1" dirty="0"/>
               <a:t>Promotion 1 has the highest median sales</a:t>
             </a:r>
             <a:r>
-              <a:rPr lang="en-US"/>
+              <a:rPr lang="en-US" dirty="0"/>
               <a:t>.</a:t>
             </a:r>
           </a:p>
@@ -9730,11 +10155,11 @@
               <a:buAutoNum type="arabicPeriod"/>
             </a:pPr>
             <a:r>
-              <a:rPr lang="en-US" b="1"/>
+              <a:rPr lang="en-US" b="1" dirty="0"/>
               <a:t>Promotion 3 has a more consistent performance</a:t>
             </a:r>
             <a:r>
-              <a:rPr lang="en-US"/>
+              <a:rPr lang="en-US" dirty="0"/>
               <a:t>.</a:t>
             </a:r>
           </a:p>
@@ -9744,18 +10169,22 @@
               <a:buAutoNum type="arabicPeriod"/>
             </a:pPr>
             <a:r>
-              <a:rPr lang="en-US" b="1"/>
+              <a:rPr lang="en-US" b="1" dirty="0"/>
               <a:t>Promotion 2 remains the weakest performer</a:t>
             </a:r>
             <a:r>
-              <a:rPr lang="en-US"/>
+              <a:rPr lang="en-US" dirty="0"/>
               <a:t>.</a:t>
             </a:r>
-            <a:endParaRPr lang="en-US" b="1"/>
-          </a:p>
-          <a:p>
-            <a:r>
-              <a:rPr lang="en-US" sz="1800" b="1"/>
+            <a:endParaRPr lang="en-US" b="1" dirty="0"/>
+          </a:p>
+          <a:p>
+            <a:r>
+              <a:rPr lang="en-US" sz="1800" b="1" dirty="0">
+                <a:solidFill>
+                  <a:schemeClr val="tx1"/>
+                </a:solidFill>
+              </a:rPr>
               <a:t>Business Implications:</a:t>
             </a:r>
           </a:p>
@@ -9765,19 +10194,35 @@
               <a:buChar char="•"/>
             </a:pPr>
             <a:r>
-              <a:rPr lang="en-US" sz="1800" b="1"/>
+              <a:rPr lang="en-US" sz="1800" b="1" dirty="0">
+                <a:solidFill>
+                  <a:schemeClr val="tx1"/>
+                </a:solidFill>
+              </a:rPr>
               <a:t>Younger stores</a:t>
             </a:r>
             <a:r>
-              <a:rPr lang="en-US" sz="1800"/>
+              <a:rPr lang="en-US" sz="1800" dirty="0">
+                <a:solidFill>
+                  <a:schemeClr val="tx1"/>
+                </a:solidFill>
+              </a:rPr>
               <a:t> benefit more from </a:t>
             </a:r>
             <a:r>
-              <a:rPr lang="en-US" sz="1800" b="1"/>
+              <a:rPr lang="en-US" sz="1800" b="1" dirty="0">
+                <a:solidFill>
+                  <a:schemeClr val="tx1"/>
+                </a:solidFill>
+              </a:rPr>
               <a:t>Promotion 1 or 3</a:t>
             </a:r>
             <a:r>
-              <a:rPr lang="en-US" sz="1800"/>
+              <a:rPr lang="en-US" sz="1800" dirty="0">
+                <a:solidFill>
+                  <a:schemeClr val="tx1"/>
+                </a:solidFill>
+              </a:rPr>
               <a:t>.</a:t>
             </a:r>
           </a:p>
@@ -9787,19 +10232,35 @@
               <a:buChar char="•"/>
             </a:pPr>
             <a:r>
-              <a:rPr lang="en-US" sz="1800" b="1"/>
+              <a:rPr lang="en-US" sz="1800" b="1" dirty="0">
+                <a:solidFill>
+                  <a:schemeClr val="tx1"/>
+                </a:solidFill>
+              </a:rPr>
               <a:t>Older stores</a:t>
             </a:r>
             <a:r>
-              <a:rPr lang="en-US" sz="1800"/>
+              <a:rPr lang="en-US" sz="1800" dirty="0">
+                <a:solidFill>
+                  <a:schemeClr val="tx1"/>
+                </a:solidFill>
+              </a:rPr>
               <a:t> see </a:t>
             </a:r>
             <a:r>
-              <a:rPr lang="en-US" sz="1800" b="1"/>
+              <a:rPr lang="en-US" sz="1800" b="1" dirty="0">
+                <a:solidFill>
+                  <a:schemeClr val="tx1"/>
+                </a:solidFill>
+              </a:rPr>
               <a:t>higher median sales with Promotion 1</a:t>
             </a:r>
             <a:r>
-              <a:rPr lang="en-US" sz="1800"/>
+              <a:rPr lang="en-US" sz="1800" dirty="0">
+                <a:solidFill>
+                  <a:schemeClr val="tx1"/>
+                </a:solidFill>
+              </a:rPr>
               <a:t>.</a:t>
             </a:r>
           </a:p>
@@ -9809,11 +10270,19 @@
               <a:buChar char="•"/>
             </a:pPr>
             <a:r>
-              <a:rPr lang="en-US" sz="1800" b="1"/>
+              <a:rPr lang="en-US" sz="1800" b="1" dirty="0">
+                <a:solidFill>
+                  <a:schemeClr val="tx1"/>
+                </a:solidFill>
+              </a:rPr>
               <a:t>Promotion 2 is the least effective across all store age groups</a:t>
             </a:r>
             <a:r>
-              <a:rPr lang="en-US" sz="1800"/>
+              <a:rPr lang="en-US" sz="1800" dirty="0">
+                <a:solidFill>
+                  <a:schemeClr val="tx1"/>
+                </a:solidFill>
+              </a:rPr>
               <a:t>.</a:t>
             </a:r>
           </a:p>
@@ -9823,16 +10292,28 @@
               <a:buChar char="•"/>
             </a:pPr>
             <a:r>
-              <a:rPr lang="en-US" sz="1800" b="1"/>
+              <a:rPr lang="en-US" sz="1800" b="1" dirty="0">
+                <a:solidFill>
+                  <a:schemeClr val="tx1"/>
+                </a:solidFill>
+              </a:rPr>
               <a:t>Promotion 3 is suitable for stores in the middle age range (7.75 - 21.25 years)</a:t>
             </a:r>
             <a:r>
-              <a:rPr lang="en-US" sz="1800"/>
+              <a:rPr lang="en-US" sz="1800" dirty="0">
+                <a:solidFill>
+                  <a:schemeClr val="tx1"/>
+                </a:solidFill>
+              </a:rPr>
               <a:t> due to stable performance.</a:t>
             </a:r>
           </a:p>
           <a:p>
-            <a:endParaRPr lang="en-IN" sz="1800" dirty="0"/>
+            <a:endParaRPr lang="en-IN" sz="1800" dirty="0">
+              <a:solidFill>
+                <a:schemeClr val="tx1"/>
+              </a:solidFill>
+            </a:endParaRPr>
           </a:p>
         </p:txBody>
       </p:sp>
@@ -9853,7 +10334,7 @@
         <p:spPr>
           <a:xfrm>
             <a:off x="0" y="72424"/>
-            <a:ext cx="10766612" cy="3356576"/>
+            <a:ext cx="10766612" cy="7581104"/>
           </a:xfrm>
           <a:prstGeom prst="rect">
             <a:avLst/>
@@ -9960,194 +10441,6 @@
               </a:defRPr>
             </a:lvl9pPr>
           </a:lstStyle>
-          <a:p>
-            <a:r>
-              <a:rPr lang="en-US" sz="1800" b="1" dirty="0">
-                <a:solidFill>
-                  <a:schemeClr val="tx1"/>
-                </a:solidFill>
-              </a:rPr>
-              <a:t>4.Mature Stores (21.25 - 28 years)</a:t>
-            </a:r>
-            <a:endParaRPr lang="en-US" sz="1800" dirty="0">
-              <a:solidFill>
-                <a:schemeClr val="tx1"/>
-              </a:solidFill>
-            </a:endParaRPr>
-          </a:p>
-          <a:p>
-            <a:pPr marL="742950" lvl="1" indent="-285750">
-              <a:buFont typeface="+mj-lt"/>
-              <a:buAutoNum type="arabicPeriod"/>
-            </a:pPr>
-            <a:r>
-              <a:rPr lang="en-US" b="1" dirty="0"/>
-              <a:t>Promotion 1 has the highest median sales</a:t>
-            </a:r>
-            <a:r>
-              <a:rPr lang="en-US" dirty="0"/>
-              <a:t>.</a:t>
-            </a:r>
-          </a:p>
-          <a:p>
-            <a:pPr marL="742950" lvl="1" indent="-285750">
-              <a:buFont typeface="+mj-lt"/>
-              <a:buAutoNum type="arabicPeriod"/>
-            </a:pPr>
-            <a:r>
-              <a:rPr lang="en-US" b="1" dirty="0"/>
-              <a:t>Promotion 3 has a more consistent performance</a:t>
-            </a:r>
-            <a:r>
-              <a:rPr lang="en-US" dirty="0"/>
-              <a:t>.</a:t>
-            </a:r>
-          </a:p>
-          <a:p>
-            <a:pPr marL="742950" lvl="1" indent="-285750">
-              <a:buFont typeface="+mj-lt"/>
-              <a:buAutoNum type="arabicPeriod"/>
-            </a:pPr>
-            <a:r>
-              <a:rPr lang="en-US" b="1" dirty="0"/>
-              <a:t>Promotion 2 remains the weakest performer</a:t>
-            </a:r>
-            <a:r>
-              <a:rPr lang="en-US" dirty="0"/>
-              <a:t>.</a:t>
-            </a:r>
-            <a:endParaRPr lang="en-US" b="1" dirty="0"/>
-          </a:p>
-          <a:p>
-            <a:r>
-              <a:rPr lang="en-US" sz="1800" b="1" dirty="0">
-                <a:solidFill>
-                  <a:schemeClr val="tx1"/>
-                </a:solidFill>
-              </a:rPr>
-              <a:t>Business Implications:</a:t>
-            </a:r>
-          </a:p>
-          <a:p>
-            <a:pPr>
-              <a:buFont typeface="Arial" panose="020B0604020202020204" pitchFamily="34" charset="0"/>
-              <a:buChar char="•"/>
-            </a:pPr>
-            <a:r>
-              <a:rPr lang="en-US" sz="1800" b="1" dirty="0">
-                <a:solidFill>
-                  <a:schemeClr val="tx1"/>
-                </a:solidFill>
-              </a:rPr>
-              <a:t>Younger stores</a:t>
-            </a:r>
-            <a:r>
-              <a:rPr lang="en-US" sz="1800" dirty="0">
-                <a:solidFill>
-                  <a:schemeClr val="tx1"/>
-                </a:solidFill>
-              </a:rPr>
-              <a:t> benefit more from </a:t>
-            </a:r>
-            <a:r>
-              <a:rPr lang="en-US" sz="1800" b="1" dirty="0">
-                <a:solidFill>
-                  <a:schemeClr val="tx1"/>
-                </a:solidFill>
-              </a:rPr>
-              <a:t>Promotion 1 or 3</a:t>
-            </a:r>
-            <a:r>
-              <a:rPr lang="en-US" sz="1800" dirty="0">
-                <a:solidFill>
-                  <a:schemeClr val="tx1"/>
-                </a:solidFill>
-              </a:rPr>
-              <a:t>.</a:t>
-            </a:r>
-          </a:p>
-          <a:p>
-            <a:pPr>
-              <a:buFont typeface="Arial" panose="020B0604020202020204" pitchFamily="34" charset="0"/>
-              <a:buChar char="•"/>
-            </a:pPr>
-            <a:r>
-              <a:rPr lang="en-US" sz="1800" b="1" dirty="0">
-                <a:solidFill>
-                  <a:schemeClr val="tx1"/>
-                </a:solidFill>
-              </a:rPr>
-              <a:t>Older stores</a:t>
-            </a:r>
-            <a:r>
-              <a:rPr lang="en-US" sz="1800" dirty="0">
-                <a:solidFill>
-                  <a:schemeClr val="tx1"/>
-                </a:solidFill>
-              </a:rPr>
-              <a:t> see </a:t>
-            </a:r>
-            <a:r>
-              <a:rPr lang="en-US" sz="1800" b="1" dirty="0">
-                <a:solidFill>
-                  <a:schemeClr val="tx1"/>
-                </a:solidFill>
-              </a:rPr>
-              <a:t>higher median sales with Promotion 1</a:t>
-            </a:r>
-            <a:r>
-              <a:rPr lang="en-US" sz="1800" dirty="0">
-                <a:solidFill>
-                  <a:schemeClr val="tx1"/>
-                </a:solidFill>
-              </a:rPr>
-              <a:t>.</a:t>
-            </a:r>
-          </a:p>
-          <a:p>
-            <a:pPr>
-              <a:buFont typeface="Arial" panose="020B0604020202020204" pitchFamily="34" charset="0"/>
-              <a:buChar char="•"/>
-            </a:pPr>
-            <a:r>
-              <a:rPr lang="en-US" sz="1800" b="1" dirty="0">
-                <a:solidFill>
-                  <a:schemeClr val="tx1"/>
-                </a:solidFill>
-              </a:rPr>
-              <a:t>Promotion 2 is the least effective across all store age groups</a:t>
-            </a:r>
-            <a:r>
-              <a:rPr lang="en-US" sz="1800" dirty="0">
-                <a:solidFill>
-                  <a:schemeClr val="tx1"/>
-                </a:solidFill>
-              </a:rPr>
-              <a:t>.</a:t>
-            </a:r>
-          </a:p>
-          <a:p>
-            <a:pPr>
-              <a:buFont typeface="Arial" panose="020B0604020202020204" pitchFamily="34" charset="0"/>
-              <a:buChar char="•"/>
-            </a:pPr>
-            <a:r>
-              <a:rPr lang="en-US" sz="1800" b="1" dirty="0">
-                <a:solidFill>
-                  <a:schemeClr val="tx1"/>
-                </a:solidFill>
-              </a:rPr>
-              <a:t>Promotion 3 is suitable for stores in the middle age range (7.75 - 21.25 years)</a:t>
-            </a:r>
-            <a:r>
-              <a:rPr lang="en-US" sz="1800" dirty="0">
-                <a:solidFill>
-                  <a:schemeClr val="tx1"/>
-                </a:solidFill>
-              </a:rPr>
-              <a:t> due to stable performance.</a:t>
-            </a:r>
-          </a:p>
           <a:p>
             <a:endParaRPr lang="en-IN" sz="1800" dirty="0"/>
           </a:p>

--- a/Marketing Experiment Analysis for a Fast-Food Chain ..pptx
+++ b/Marketing Experiment Analysis for a Fast-Food Chain ..pptx
@@ -5,7 +5,7 @@
     <p:sldMasterId id="2147483648" r:id="rId1"/>
   </p:sldMasterIdLst>
   <p:notesMasterIdLst>
-    <p:notesMasterId r:id="rId22"/>
+    <p:notesMasterId r:id="rId21"/>
   </p:notesMasterIdLst>
   <p:sldIdLst>
     <p:sldId id="274" r:id="rId2"/>
@@ -19,15 +19,14 @@
     <p:sldId id="264" r:id="rId10"/>
     <p:sldId id="265" r:id="rId11"/>
     <p:sldId id="266" r:id="rId12"/>
-    <p:sldId id="267" r:id="rId13"/>
-    <p:sldId id="268" r:id="rId14"/>
-    <p:sldId id="269" r:id="rId15"/>
-    <p:sldId id="270" r:id="rId16"/>
-    <p:sldId id="271" r:id="rId17"/>
-    <p:sldId id="275" r:id="rId18"/>
-    <p:sldId id="276" r:id="rId19"/>
-    <p:sldId id="272" r:id="rId20"/>
-    <p:sldId id="273" r:id="rId21"/>
+    <p:sldId id="268" r:id="rId13"/>
+    <p:sldId id="269" r:id="rId14"/>
+    <p:sldId id="270" r:id="rId15"/>
+    <p:sldId id="271" r:id="rId16"/>
+    <p:sldId id="275" r:id="rId17"/>
+    <p:sldId id="276" r:id="rId18"/>
+    <p:sldId id="272" r:id="rId19"/>
+    <p:sldId id="273" r:id="rId20"/>
   </p:sldIdLst>
   <p:sldSz cx="12192000" cy="6858000"/>
   <p:notesSz cx="6858000" cy="9144000"/>
@@ -216,7 +215,7 @@
           <a:p>
             <a:fld id="{4A12BFD6-EA58-4673-A048-7C406AB4C38D}" type="datetimeFigureOut">
               <a:rPr lang="en-IN" smtClean="0"/>
-              <a:t>08-04-2025</a:t>
+              <a:t>09-04-2025</a:t>
             </a:fld>
             <a:endParaRPr lang="en-IN"/>
           </a:p>
@@ -633,7 +632,7 @@
           <a:p>
             <a:fld id="{AACF61AB-F092-45CD-AD04-919EBCE10F2E}" type="datetime1">
               <a:rPr lang="en-IN" smtClean="0"/>
-              <a:t>08-04-2025</a:t>
+              <a:t>09-04-2025</a:t>
             </a:fld>
             <a:endParaRPr lang="en-IN"/>
           </a:p>
@@ -833,7 +832,7 @@
           <a:p>
             <a:fld id="{9FC0B50B-DDEA-4839-94EF-D92BA506EF19}" type="datetime1">
               <a:rPr lang="en-IN" smtClean="0"/>
-              <a:t>08-04-2025</a:t>
+              <a:t>09-04-2025</a:t>
             </a:fld>
             <a:endParaRPr lang="en-IN"/>
           </a:p>
@@ -1043,7 +1042,7 @@
           <a:p>
             <a:fld id="{D6A8BB5D-49F1-45BB-AE71-7DABE0073FF2}" type="datetime1">
               <a:rPr lang="en-IN" smtClean="0"/>
-              <a:t>08-04-2025</a:t>
+              <a:t>09-04-2025</a:t>
             </a:fld>
             <a:endParaRPr lang="en-IN"/>
           </a:p>
@@ -1243,7 +1242,7 @@
           <a:p>
             <a:fld id="{07F52676-06EC-41ED-8A97-D05455CAC70E}" type="datetime1">
               <a:rPr lang="en-IN" smtClean="0"/>
-              <a:t>08-04-2025</a:t>
+              <a:t>09-04-2025</a:t>
             </a:fld>
             <a:endParaRPr lang="en-IN"/>
           </a:p>
@@ -1519,7 +1518,7 @@
           <a:p>
             <a:fld id="{8296B0B5-5C83-443F-84BA-AD7B745E712F}" type="datetime1">
               <a:rPr lang="en-IN" smtClean="0"/>
-              <a:t>08-04-2025</a:t>
+              <a:t>09-04-2025</a:t>
             </a:fld>
             <a:endParaRPr lang="en-IN"/>
           </a:p>
@@ -1787,7 +1786,7 @@
           <a:p>
             <a:fld id="{616D64A8-4E19-4BB8-88CF-9FE625F0B214}" type="datetime1">
               <a:rPr lang="en-IN" smtClean="0"/>
-              <a:t>08-04-2025</a:t>
+              <a:t>09-04-2025</a:t>
             </a:fld>
             <a:endParaRPr lang="en-IN"/>
           </a:p>
@@ -2202,7 +2201,7 @@
           <a:p>
             <a:fld id="{D5D9F160-A8F7-40B2-B89B-D53A73290115}" type="datetime1">
               <a:rPr lang="en-IN" smtClean="0"/>
-              <a:t>08-04-2025</a:t>
+              <a:t>09-04-2025</a:t>
             </a:fld>
             <a:endParaRPr lang="en-IN"/>
           </a:p>
@@ -2344,7 +2343,7 @@
           <a:p>
             <a:fld id="{01BE5859-526D-4468-99F6-91EE702DE68B}" type="datetime1">
               <a:rPr lang="en-IN" smtClean="0"/>
-              <a:t>08-04-2025</a:t>
+              <a:t>09-04-2025</a:t>
             </a:fld>
             <a:endParaRPr lang="en-IN"/>
           </a:p>
@@ -2457,7 +2456,7 @@
           <a:p>
             <a:fld id="{6DB8CEDD-C4E0-4415-B626-E603353D4C51}" type="datetime1">
               <a:rPr lang="en-IN" smtClean="0"/>
-              <a:t>08-04-2025</a:t>
+              <a:t>09-04-2025</a:t>
             </a:fld>
             <a:endParaRPr lang="en-IN"/>
           </a:p>
@@ -2770,7 +2769,7 @@
           <a:p>
             <a:fld id="{4FD3F87A-9121-462B-A22E-A945F5F413D3}" type="datetime1">
               <a:rPr lang="en-IN" smtClean="0"/>
-              <a:t>08-04-2025</a:t>
+              <a:t>09-04-2025</a:t>
             </a:fld>
             <a:endParaRPr lang="en-IN"/>
           </a:p>
@@ -3059,7 +3058,7 @@
           <a:p>
             <a:fld id="{781E0FAB-158E-4E43-A201-E0BEBAACC257}" type="datetime1">
               <a:rPr lang="en-IN" smtClean="0"/>
-              <a:t>08-04-2025</a:t>
+              <a:t>09-04-2025</a:t>
             </a:fld>
             <a:endParaRPr lang="en-IN"/>
           </a:p>
@@ -3302,7 +3301,7 @@
           <a:p>
             <a:fld id="{9750DE9F-71F6-43C0-BAD9-E5CCFE8697F6}" type="datetime1">
               <a:rPr lang="en-IN" smtClean="0"/>
-              <a:t>08-04-2025</a:t>
+              <a:t>09-04-2025</a:t>
             </a:fld>
             <a:endParaRPr lang="en-IN"/>
           </a:p>
@@ -4706,11 +4705,13 @@
         <p:spPr>
           <a:xfrm>
             <a:off x="0" y="0"/>
-            <a:ext cx="10360152" cy="914400"/>
+            <a:ext cx="10360152" cy="393539"/>
           </a:xfrm>
         </p:spPr>
         <p:txBody>
-          <a:bodyPr/>
+          <a:bodyPr>
+            <a:normAutofit fontScale="90000"/>
+          </a:bodyPr>
           <a:lstStyle/>
           <a:p>
             <a:r>
@@ -4735,8 +4736,8 @@
         </p:nvSpPr>
         <p:spPr>
           <a:xfrm>
-            <a:off x="118872" y="914400"/>
-            <a:ext cx="10241280" cy="4247317"/>
+            <a:off x="0" y="482021"/>
+            <a:ext cx="12132564" cy="7294305"/>
           </a:xfrm>
           <a:prstGeom prst="rect">
             <a:avLst/>
@@ -4922,6 +4923,134 @@
               <a:rPr lang="en-US" dirty="0"/>
               <a:t>.</a:t>
             </a:r>
+          </a:p>
+          <a:p>
+            <a:pPr lvl="1"/>
+            <a:endParaRPr lang="en-US" dirty="0"/>
+          </a:p>
+          <a:p>
+            <a:pPr algn="l"/>
+            <a:r>
+              <a:rPr lang="en-US" b="1" dirty="0">
+                <a:solidFill>
+                  <a:schemeClr val="tx1"/>
+                </a:solidFill>
+              </a:rPr>
+              <a:t>5.Sales vs. Week (-0.01)</a:t>
+            </a:r>
+            <a:endParaRPr lang="en-US" dirty="0">
+              <a:solidFill>
+                <a:schemeClr val="tx1"/>
+              </a:solidFill>
+            </a:endParaRPr>
+          </a:p>
+          <a:p>
+            <a:pPr marL="742950" lvl="1" indent="-285750">
+              <a:buFont typeface="+mj-lt"/>
+              <a:buAutoNum type="arabicPeriod"/>
+            </a:pPr>
+            <a:r>
+              <a:rPr lang="en-US" dirty="0"/>
+              <a:t>The time variable </a:t>
+            </a:r>
+            <a:r>
+              <a:rPr lang="en-US" b="1" dirty="0"/>
+              <a:t>(week)</a:t>
+            </a:r>
+            <a:r>
+              <a:rPr lang="en-US" dirty="0"/>
+              <a:t> shows a negligible correlation with sales, implying that there is no strong upward or downward trend over the four weeks of the experiment.</a:t>
+            </a:r>
+          </a:p>
+          <a:p>
+            <a:pPr marL="742950" lvl="1" indent="-285750">
+              <a:buFont typeface="+mj-lt"/>
+              <a:buAutoNum type="arabicPeriod"/>
+            </a:pPr>
+            <a:r>
+              <a:rPr lang="en-US" dirty="0"/>
+              <a:t>This means that </a:t>
+            </a:r>
+            <a:r>
+              <a:rPr lang="en-US" b="1" dirty="0"/>
+              <a:t>the effectiveness of marketing campaigns remains relatively stable over time</a:t>
+            </a:r>
+            <a:r>
+              <a:rPr lang="en-US" dirty="0"/>
+              <a:t>.</a:t>
+            </a:r>
+          </a:p>
+          <a:p>
+            <a:pPr algn="l"/>
+            <a:r>
+              <a:rPr lang="en-US" b="1" dirty="0">
+                <a:solidFill>
+                  <a:schemeClr val="tx1"/>
+                </a:solidFill>
+              </a:rPr>
+              <a:t>6.Market Size vs. Other Factors</a:t>
+            </a:r>
+            <a:endParaRPr lang="en-US" dirty="0">
+              <a:solidFill>
+                <a:schemeClr val="tx1"/>
+              </a:solidFill>
+            </a:endParaRPr>
+          </a:p>
+          <a:p>
+            <a:pPr marL="742950" lvl="1" indent="-285750">
+              <a:buFont typeface="+mj-lt"/>
+              <a:buAutoNum type="arabicPeriod"/>
+            </a:pPr>
+            <a:r>
+              <a:rPr lang="en-US" b="1" dirty="0"/>
+              <a:t>Market size is negatively correlated with sales (-0.45),</a:t>
+            </a:r>
+            <a:r>
+              <a:rPr lang="en-US" dirty="0"/>
+              <a:t> which suggests that </a:t>
+            </a:r>
+            <a:r>
+              <a:rPr lang="en-US" b="1" dirty="0"/>
+              <a:t>promotion effectiveness varies across market sizes</a:t>
+            </a:r>
+            <a:r>
+              <a:rPr lang="en-US" dirty="0"/>
+              <a:t>.</a:t>
+            </a:r>
+          </a:p>
+          <a:p>
+            <a:pPr marL="742950" lvl="1" indent="-285750">
+              <a:buFont typeface="+mj-lt"/>
+              <a:buAutoNum type="arabicPeriod"/>
+            </a:pPr>
+            <a:r>
+              <a:rPr lang="en-US" dirty="0"/>
+              <a:t>Market size also </a:t>
+            </a:r>
+            <a:r>
+              <a:rPr lang="en-US" b="1" dirty="0"/>
+              <a:t>shows some correlation with store age (0.16),</a:t>
+            </a:r>
+            <a:r>
+              <a:rPr lang="en-US" dirty="0"/>
+              <a:t> indicating that older stores might be more prevalent in certain market sizes.</a:t>
+            </a:r>
+          </a:p>
+          <a:p>
+            <a:pPr algn="l"/>
+            <a:endParaRPr lang="en-IN" dirty="0">
+              <a:solidFill>
+                <a:schemeClr val="tx1"/>
+              </a:solidFill>
+            </a:endParaRPr>
+          </a:p>
+          <a:p>
+            <a:pPr lvl="1"/>
+            <a:endParaRPr lang="en-US" dirty="0"/>
+          </a:p>
+          <a:p>
+            <a:pPr lvl="1"/>
+            <a:endParaRPr lang="en-US" dirty="0"/>
           </a:p>
         </p:txBody>
       </p:sp>
@@ -4960,7 +5089,7 @@
           <p:cNvPr id="5" name="Slide Number Placeholder 4">
             <a:extLst>
               <a:ext uri="{FF2B5EF4-FFF2-40B4-BE49-F238E27FC236}">
-                <a16:creationId xmlns:a16="http://schemas.microsoft.com/office/drawing/2014/main" id="{1C68348E-D6B4-B832-B350-EF66ABBDAB0F}"/>
+                <a16:creationId xmlns:a16="http://schemas.microsoft.com/office/drawing/2014/main" id="{AAFFFF5D-F490-AB49-6106-A543275FA8E1}"/>
               </a:ext>
             </a:extLst>
           </p:cNvPr>
@@ -4986,322 +5115,19 @@
       </p:sp>
       <p:sp>
         <p:nvSpPr>
-          <p:cNvPr id="6" name="Content Placeholder 2">
-            <a:extLst>
-              <a:ext uri="{FF2B5EF4-FFF2-40B4-BE49-F238E27FC236}">
-                <a16:creationId xmlns:a16="http://schemas.microsoft.com/office/drawing/2014/main" id="{036897C4-8911-7D69-2666-577724F27FB1}"/>
-              </a:ext>
-            </a:extLst>
-          </p:cNvPr>
-          <p:cNvSpPr txBox="1">
-            <a:spLocks/>
-          </p:cNvSpPr>
+          <p:cNvPr id="6" name="TextBox 5">
+            <a:extLst>
+              <a:ext uri="{FF2B5EF4-FFF2-40B4-BE49-F238E27FC236}">
+                <a16:creationId xmlns:a16="http://schemas.microsoft.com/office/drawing/2014/main" id="{2C6E3FE1-0102-3BBD-14B3-5BD5384C5FAA}"/>
+              </a:ext>
+            </a:extLst>
+          </p:cNvPr>
+          <p:cNvSpPr txBox="1"/>
           <p:nvPr/>
         </p:nvSpPr>
         <p:spPr>
           <a:xfrm>
-            <a:off x="259976" y="645459"/>
-            <a:ext cx="11755240" cy="5270709"/>
-          </a:xfrm>
-          <a:prstGeom prst="rect">
-            <a:avLst/>
-          </a:prstGeom>
-        </p:spPr>
-        <p:txBody>
-          <a:bodyPr vert="horz" lIns="91440" tIns="45720" rIns="91440" bIns="45720" rtlCol="0" anchor="ctr"/>
-          <a:lstStyle>
-            <a:defPPr>
-              <a:defRPr lang="en-US"/>
-            </a:defPPr>
-            <a:lvl1pPr marL="0" algn="ctr" defTabSz="914400" rtl="0" eaLnBrk="1" latinLnBrk="0" hangingPunct="1">
-              <a:defRPr sz="1200" kern="1200">
-                <a:solidFill>
-                  <a:schemeClr val="tx1">
-                    <a:tint val="75000"/>
-                  </a:schemeClr>
-                </a:solidFill>
-                <a:latin typeface="+mn-lt"/>
-                <a:ea typeface="+mn-ea"/>
-                <a:cs typeface="+mn-cs"/>
-              </a:defRPr>
-            </a:lvl1pPr>
-            <a:lvl2pPr marL="457200" algn="l" defTabSz="914400" rtl="0" eaLnBrk="1" latinLnBrk="0" hangingPunct="1">
-              <a:defRPr sz="1800" kern="1200">
-                <a:solidFill>
-                  <a:schemeClr val="tx1"/>
-                </a:solidFill>
-                <a:latin typeface="+mn-lt"/>
-                <a:ea typeface="+mn-ea"/>
-                <a:cs typeface="+mn-cs"/>
-              </a:defRPr>
-            </a:lvl2pPr>
-            <a:lvl3pPr marL="914400" algn="l" defTabSz="914400" rtl="0" eaLnBrk="1" latinLnBrk="0" hangingPunct="1">
-              <a:defRPr sz="1800" kern="1200">
-                <a:solidFill>
-                  <a:schemeClr val="tx1"/>
-                </a:solidFill>
-                <a:latin typeface="+mn-lt"/>
-                <a:ea typeface="+mn-ea"/>
-                <a:cs typeface="+mn-cs"/>
-              </a:defRPr>
-            </a:lvl3pPr>
-            <a:lvl4pPr marL="1371600" algn="l" defTabSz="914400" rtl="0" eaLnBrk="1" latinLnBrk="0" hangingPunct="1">
-              <a:defRPr sz="1800" kern="1200">
-                <a:solidFill>
-                  <a:schemeClr val="tx1"/>
-                </a:solidFill>
-                <a:latin typeface="+mn-lt"/>
-                <a:ea typeface="+mn-ea"/>
-                <a:cs typeface="+mn-cs"/>
-              </a:defRPr>
-            </a:lvl4pPr>
-            <a:lvl5pPr marL="1828800" algn="l" defTabSz="914400" rtl="0" eaLnBrk="1" latinLnBrk="0" hangingPunct="1">
-              <a:defRPr sz="1800" kern="1200">
-                <a:solidFill>
-                  <a:schemeClr val="tx1"/>
-                </a:solidFill>
-                <a:latin typeface="+mn-lt"/>
-                <a:ea typeface="+mn-ea"/>
-                <a:cs typeface="+mn-cs"/>
-              </a:defRPr>
-            </a:lvl5pPr>
-            <a:lvl6pPr marL="2286000" algn="l" defTabSz="914400" rtl="0" eaLnBrk="1" latinLnBrk="0" hangingPunct="1">
-              <a:defRPr sz="1800" kern="1200">
-                <a:solidFill>
-                  <a:schemeClr val="tx1"/>
-                </a:solidFill>
-                <a:latin typeface="+mn-lt"/>
-                <a:ea typeface="+mn-ea"/>
-                <a:cs typeface="+mn-cs"/>
-              </a:defRPr>
-            </a:lvl6pPr>
-            <a:lvl7pPr marL="2743200" algn="l" defTabSz="914400" rtl="0" eaLnBrk="1" latinLnBrk="0" hangingPunct="1">
-              <a:defRPr sz="1800" kern="1200">
-                <a:solidFill>
-                  <a:schemeClr val="tx1"/>
-                </a:solidFill>
-                <a:latin typeface="+mn-lt"/>
-                <a:ea typeface="+mn-ea"/>
-                <a:cs typeface="+mn-cs"/>
-              </a:defRPr>
-            </a:lvl7pPr>
-            <a:lvl8pPr marL="3200400" algn="l" defTabSz="914400" rtl="0" eaLnBrk="1" latinLnBrk="0" hangingPunct="1">
-              <a:defRPr sz="1800" kern="1200">
-                <a:solidFill>
-                  <a:schemeClr val="tx1"/>
-                </a:solidFill>
-                <a:latin typeface="+mn-lt"/>
-                <a:ea typeface="+mn-ea"/>
-                <a:cs typeface="+mn-cs"/>
-              </a:defRPr>
-            </a:lvl8pPr>
-            <a:lvl9pPr marL="3657600" algn="l" defTabSz="914400" rtl="0" eaLnBrk="1" latinLnBrk="0" hangingPunct="1">
-              <a:defRPr sz="1800" kern="1200">
-                <a:solidFill>
-                  <a:schemeClr val="tx1"/>
-                </a:solidFill>
-                <a:latin typeface="+mn-lt"/>
-                <a:ea typeface="+mn-ea"/>
-                <a:cs typeface="+mn-cs"/>
-              </a:defRPr>
-            </a:lvl9pPr>
-          </a:lstStyle>
-          <a:p>
-            <a:pPr lvl="1"/>
-            <a:endParaRPr lang="en-US" dirty="0"/>
-          </a:p>
-          <a:p>
-            <a:pPr algn="l"/>
-            <a:r>
-              <a:rPr lang="en-US" sz="2000" b="1" dirty="0">
-                <a:solidFill>
-                  <a:schemeClr val="tx1"/>
-                </a:solidFill>
-              </a:rPr>
-              <a:t>5.Sales vs. Week (-0.01)</a:t>
-            </a:r>
-            <a:endParaRPr lang="en-US" sz="2000" dirty="0">
-              <a:solidFill>
-                <a:schemeClr val="tx1"/>
-              </a:solidFill>
-            </a:endParaRPr>
-          </a:p>
-          <a:p>
-            <a:pPr marL="742950" lvl="1" indent="-285750">
-              <a:buFont typeface="+mj-lt"/>
-              <a:buAutoNum type="arabicPeriod"/>
-            </a:pPr>
-            <a:r>
-              <a:rPr lang="en-US" dirty="0"/>
-              <a:t>The time variable </a:t>
-            </a:r>
-            <a:r>
-              <a:rPr lang="en-US" b="1" dirty="0"/>
-              <a:t>(week)</a:t>
-            </a:r>
-            <a:r>
-              <a:rPr lang="en-US" dirty="0"/>
-              <a:t> shows a negligible correlation with sales, implying that there is no strong upward or downward trend over the four weeks of the experiment.</a:t>
-            </a:r>
-          </a:p>
-          <a:p>
-            <a:pPr marL="742950" lvl="1" indent="-285750">
-              <a:buFont typeface="+mj-lt"/>
-              <a:buAutoNum type="arabicPeriod"/>
-            </a:pPr>
-            <a:r>
-              <a:rPr lang="en-US" dirty="0"/>
-              <a:t>This means that </a:t>
-            </a:r>
-            <a:r>
-              <a:rPr lang="en-US" b="1" dirty="0"/>
-              <a:t>the effectiveness of marketing campaigns remains relatively stable over time</a:t>
-            </a:r>
-            <a:r>
-              <a:rPr lang="en-US" dirty="0"/>
-              <a:t>.</a:t>
-            </a:r>
-          </a:p>
-          <a:p>
-            <a:pPr algn="l"/>
-            <a:r>
-              <a:rPr lang="en-US" sz="2000" b="1" dirty="0">
-                <a:solidFill>
-                  <a:schemeClr val="tx1"/>
-                </a:solidFill>
-              </a:rPr>
-              <a:t>6.Market Size vs. Other Factors</a:t>
-            </a:r>
-            <a:endParaRPr lang="en-US" sz="2000" dirty="0">
-              <a:solidFill>
-                <a:schemeClr val="tx1"/>
-              </a:solidFill>
-            </a:endParaRPr>
-          </a:p>
-          <a:p>
-            <a:pPr marL="742950" lvl="1" indent="-285750">
-              <a:buFont typeface="+mj-lt"/>
-              <a:buAutoNum type="arabicPeriod"/>
-            </a:pPr>
-            <a:r>
-              <a:rPr lang="en-US" b="1" dirty="0"/>
-              <a:t>Market size is negatively correlated with sales (-0.45),</a:t>
-            </a:r>
-            <a:r>
-              <a:rPr lang="en-US" dirty="0"/>
-              <a:t> which suggests that </a:t>
-            </a:r>
-            <a:r>
-              <a:rPr lang="en-US" b="1" dirty="0"/>
-              <a:t>promotion effectiveness varies across market sizes</a:t>
-            </a:r>
-            <a:r>
-              <a:rPr lang="en-US" dirty="0"/>
-              <a:t>.</a:t>
-            </a:r>
-          </a:p>
-          <a:p>
-            <a:pPr marL="742950" lvl="1" indent="-285750">
-              <a:buFont typeface="+mj-lt"/>
-              <a:buAutoNum type="arabicPeriod"/>
-            </a:pPr>
-            <a:r>
-              <a:rPr lang="en-US" dirty="0"/>
-              <a:t>Market size also </a:t>
-            </a:r>
-            <a:r>
-              <a:rPr lang="en-US" b="1" dirty="0"/>
-              <a:t>shows some correlation with store age (0.16),</a:t>
-            </a:r>
-            <a:r>
-              <a:rPr lang="en-US" dirty="0"/>
-              <a:t> indicating that older stores might be more prevalent in certain market sizes.</a:t>
-            </a:r>
-          </a:p>
-          <a:p>
-            <a:pPr algn="l"/>
-            <a:endParaRPr lang="en-IN" dirty="0">
-              <a:solidFill>
-                <a:schemeClr val="tx1"/>
-              </a:solidFill>
-            </a:endParaRPr>
-          </a:p>
-        </p:txBody>
-      </p:sp>
-    </p:spTree>
-    <p:extLst>
-      <p:ext uri="{BB962C8B-B14F-4D97-AF65-F5344CB8AC3E}">
-        <p14:creationId xmlns:p14="http://schemas.microsoft.com/office/powerpoint/2010/main" val="835275228"/>
-      </p:ext>
-    </p:extLst>
-  </p:cSld>
-  <p:clrMapOvr>
-    <a:masterClrMapping/>
-  </p:clrMapOvr>
-</p:sld>
-</file>
-
-<file path=ppt/slides/slide13.xml><?xml version="1.0" encoding="utf-8"?>
-<p:sld xmlns:a="http://schemas.openxmlformats.org/drawingml/2006/main" xmlns:r="http://schemas.openxmlformats.org/officeDocument/2006/relationships" xmlns:p="http://schemas.openxmlformats.org/presentationml/2006/main">
-  <p:cSld>
-    <p:spTree>
-      <p:nvGrpSpPr>
-        <p:cNvPr id="1" name=""/>
-        <p:cNvGrpSpPr/>
-        <p:nvPr/>
-      </p:nvGrpSpPr>
-      <p:grpSpPr>
-        <a:xfrm>
-          <a:off x="0" y="0"/>
-          <a:ext cx="0" cy="0"/>
-          <a:chOff x="0" y="0"/>
-          <a:chExt cx="0" cy="0"/>
-        </a:xfrm>
-      </p:grpSpPr>
-      <p:sp>
-        <p:nvSpPr>
-          <p:cNvPr id="5" name="Slide Number Placeholder 4">
-            <a:extLst>
-              <a:ext uri="{FF2B5EF4-FFF2-40B4-BE49-F238E27FC236}">
-                <a16:creationId xmlns:a16="http://schemas.microsoft.com/office/drawing/2014/main" id="{AAFFFF5D-F490-AB49-6106-A543275FA8E1}"/>
-              </a:ext>
-            </a:extLst>
-          </p:cNvPr>
-          <p:cNvSpPr>
-            <a:spLocks noGrp="1"/>
-          </p:cNvSpPr>
-          <p:nvPr>
-            <p:ph type="sldNum" sz="quarter" idx="12"/>
-          </p:nvPr>
-        </p:nvSpPr>
-        <p:spPr/>
-        <p:txBody>
-          <a:bodyPr/>
-          <a:lstStyle/>
-          <a:p>
-            <a:fld id="{5E80619E-9ABD-4901-846B-9B030806AFDE}" type="slidenum">
-              <a:rPr lang="en-IN" smtClean="0"/>
-              <a:t>13</a:t>
-            </a:fld>
-            <a:endParaRPr lang="en-IN"/>
-          </a:p>
-        </p:txBody>
-      </p:sp>
-      <p:sp>
-        <p:nvSpPr>
-          <p:cNvPr id="6" name="TextBox 5">
-            <a:extLst>
-              <a:ext uri="{FF2B5EF4-FFF2-40B4-BE49-F238E27FC236}">
-                <a16:creationId xmlns:a16="http://schemas.microsoft.com/office/drawing/2014/main" id="{2C6E3FE1-0102-3BBD-14B3-5BD5384C5FAA}"/>
-              </a:ext>
-            </a:extLst>
-          </p:cNvPr>
-          <p:cNvSpPr txBox="1"/>
-          <p:nvPr/>
-        </p:nvSpPr>
-        <p:spPr>
-          <a:xfrm>
-            <a:off x="502024" y="38281"/>
+            <a:off x="0" y="38281"/>
             <a:ext cx="3281082" cy="369332"/>
           </a:xfrm>
           <a:prstGeom prst="rect">
@@ -5366,6 +5192,795 @@
 </p:sld>
 </file>
 
+<file path=ppt/slides/slide13.xml><?xml version="1.0" encoding="utf-8"?>
+<p:sld xmlns:a="http://schemas.openxmlformats.org/drawingml/2006/main" xmlns:r="http://schemas.openxmlformats.org/officeDocument/2006/relationships" xmlns:p="http://schemas.openxmlformats.org/presentationml/2006/main">
+  <p:cSld>
+    <p:spTree>
+      <p:nvGrpSpPr>
+        <p:cNvPr id="1" name=""/>
+        <p:cNvGrpSpPr/>
+        <p:nvPr/>
+      </p:nvGrpSpPr>
+      <p:grpSpPr>
+        <a:xfrm>
+          <a:off x="0" y="0"/>
+          <a:ext cx="0" cy="0"/>
+          <a:chOff x="0" y="0"/>
+          <a:chExt cx="0" cy="0"/>
+        </a:xfrm>
+      </p:grpSpPr>
+      <p:sp>
+        <p:nvSpPr>
+          <p:cNvPr id="5" name="Slide Number Placeholder 4">
+            <a:extLst>
+              <a:ext uri="{FF2B5EF4-FFF2-40B4-BE49-F238E27FC236}">
+                <a16:creationId xmlns:a16="http://schemas.microsoft.com/office/drawing/2014/main" id="{EE24B404-B07F-0285-A38C-10EE369A8297}"/>
+              </a:ext>
+            </a:extLst>
+          </p:cNvPr>
+          <p:cNvSpPr>
+            <a:spLocks noGrp="1"/>
+          </p:cNvSpPr>
+          <p:nvPr>
+            <p:ph type="sldNum" sz="quarter" idx="12"/>
+          </p:nvPr>
+        </p:nvSpPr>
+        <p:spPr/>
+        <p:txBody>
+          <a:bodyPr/>
+          <a:lstStyle/>
+          <a:p>
+            <a:fld id="{5E80619E-9ABD-4901-846B-9B030806AFDE}" type="slidenum">
+              <a:rPr lang="en-IN" smtClean="0"/>
+              <a:t>13</a:t>
+            </a:fld>
+            <a:endParaRPr lang="en-IN"/>
+          </a:p>
+        </p:txBody>
+      </p:sp>
+      <p:sp>
+        <p:nvSpPr>
+          <p:cNvPr id="6" name="Title 10">
+            <a:extLst>
+              <a:ext uri="{FF2B5EF4-FFF2-40B4-BE49-F238E27FC236}">
+                <a16:creationId xmlns:a16="http://schemas.microsoft.com/office/drawing/2014/main" id="{458B9360-7BAB-7260-0090-A160A89000DF}"/>
+              </a:ext>
+            </a:extLst>
+          </p:cNvPr>
+          <p:cNvSpPr>
+            <a:spLocks noGrp="1"/>
+          </p:cNvSpPr>
+          <p:nvPr>
+            <p:ph type="title"/>
+          </p:nvPr>
+        </p:nvSpPr>
+        <p:spPr>
+          <a:xfrm>
+            <a:off x="0" y="12620"/>
+            <a:ext cx="12275192" cy="462509"/>
+          </a:xfrm>
+        </p:spPr>
+        <p:txBody>
+          <a:bodyPr>
+            <a:normAutofit fontScale="90000"/>
+          </a:bodyPr>
+          <a:lstStyle/>
+          <a:p>
+            <a:r>
+              <a:rPr lang="en-US" sz="2800" dirty="0"/>
+              <a:t>Chi-Square Test of Homogeneity for Market Size Across Promotions</a:t>
+            </a:r>
+          </a:p>
+        </p:txBody>
+      </p:sp>
+      <p:sp>
+        <p:nvSpPr>
+          <p:cNvPr id="7" name="Rectangle 2">
+            <a:extLst>
+              <a:ext uri="{FF2B5EF4-FFF2-40B4-BE49-F238E27FC236}">
+                <a16:creationId xmlns:a16="http://schemas.microsoft.com/office/drawing/2014/main" id="{B94A8B96-4DFB-DFE8-ABF5-7CAF4F6FE1E9}"/>
+              </a:ext>
+            </a:extLst>
+          </p:cNvPr>
+          <p:cNvSpPr txBox="1">
+            <a:spLocks noChangeArrowheads="1"/>
+          </p:cNvSpPr>
+          <p:nvPr/>
+        </p:nvSpPr>
+        <p:spPr bwMode="auto">
+          <a:xfrm>
+            <a:off x="0" y="394692"/>
+            <a:ext cx="11501120" cy="6463308"/>
+          </a:xfrm>
+          <a:prstGeom prst="rect">
+            <a:avLst/>
+          </a:prstGeom>
+          <a:noFill/>
+          <a:ln>
+            <a:noFill/>
+          </a:ln>
+          <a:effectLst/>
+          <a:extLst>
+            <a:ext uri="{909E8E84-426E-40DD-AFC4-6F175D3DCCD1}">
+              <a14:hiddenFill xmlns:a14="http://schemas.microsoft.com/office/drawing/2010/main">
+                <a:solidFill>
+                  <a:schemeClr val="accent1"/>
+                </a:solidFill>
+              </a14:hiddenFill>
+            </a:ext>
+            <a:ext uri="{91240B29-F687-4F45-9708-019B960494DF}">
+              <a14:hiddenLine xmlns:a14="http://schemas.microsoft.com/office/drawing/2010/main" w="9525">
+                <a:solidFill>
+                  <a:schemeClr val="tx1"/>
+                </a:solidFill>
+                <a:miter lim="800000"/>
+                <a:headEnd/>
+                <a:tailEnd/>
+              </a14:hiddenLine>
+            </a:ext>
+            <a:ext uri="{AF507438-7753-43E0-B8FC-AC1667EBCBE1}">
+              <a14:hiddenEffects xmlns:a14="http://schemas.microsoft.com/office/drawing/2010/main">
+                <a:effectLst>
+                  <a:outerShdw dist="35921" dir="2700000" algn="ctr" rotWithShape="0">
+                    <a:schemeClr val="bg2"/>
+                  </a:outerShdw>
+                </a:effectLst>
+              </a14:hiddenEffects>
+            </a:ext>
+          </a:extLst>
+        </p:spPr>
+        <p:txBody>
+          <a:bodyPr vert="horz" wrap="square" lIns="91440" tIns="45720" rIns="91440" bIns="45720" numCol="1" rtlCol="0" anchor="ctr" anchorCtr="0" compatLnSpc="1">
+            <a:prstTxWarp prst="textNoShape">
+              <a:avLst/>
+            </a:prstTxWarp>
+            <a:spAutoFit/>
+          </a:bodyPr>
+          <a:lstStyle>
+            <a:defPPr>
+              <a:defRPr lang="en-US"/>
+            </a:defPPr>
+            <a:lvl1pPr marL="0" algn="r" defTabSz="914400" rtl="0" eaLnBrk="1" latinLnBrk="0" hangingPunct="1">
+              <a:defRPr sz="1200" kern="1200">
+                <a:solidFill>
+                  <a:schemeClr val="tx1">
+                    <a:tint val="75000"/>
+                  </a:schemeClr>
+                </a:solidFill>
+                <a:latin typeface="+mn-lt"/>
+                <a:ea typeface="+mn-ea"/>
+                <a:cs typeface="+mn-cs"/>
+              </a:defRPr>
+            </a:lvl1pPr>
+            <a:lvl2pPr marL="457200" algn="l" defTabSz="914400" rtl="0" eaLnBrk="1" latinLnBrk="0" hangingPunct="1">
+              <a:defRPr sz="1800" kern="1200">
+                <a:solidFill>
+                  <a:schemeClr val="tx1"/>
+                </a:solidFill>
+                <a:latin typeface="+mn-lt"/>
+                <a:ea typeface="+mn-ea"/>
+                <a:cs typeface="+mn-cs"/>
+              </a:defRPr>
+            </a:lvl2pPr>
+            <a:lvl3pPr marL="914400" algn="l" defTabSz="914400" rtl="0" eaLnBrk="1" latinLnBrk="0" hangingPunct="1">
+              <a:defRPr sz="1800" kern="1200">
+                <a:solidFill>
+                  <a:schemeClr val="tx1"/>
+                </a:solidFill>
+                <a:latin typeface="+mn-lt"/>
+                <a:ea typeface="+mn-ea"/>
+                <a:cs typeface="+mn-cs"/>
+              </a:defRPr>
+            </a:lvl3pPr>
+            <a:lvl4pPr marL="1371600" algn="l" defTabSz="914400" rtl="0" eaLnBrk="1" latinLnBrk="0" hangingPunct="1">
+              <a:defRPr sz="1800" kern="1200">
+                <a:solidFill>
+                  <a:schemeClr val="tx1"/>
+                </a:solidFill>
+                <a:latin typeface="+mn-lt"/>
+                <a:ea typeface="+mn-ea"/>
+                <a:cs typeface="+mn-cs"/>
+              </a:defRPr>
+            </a:lvl4pPr>
+            <a:lvl5pPr marL="1828800" algn="l" defTabSz="914400" rtl="0" eaLnBrk="1" latinLnBrk="0" hangingPunct="1">
+              <a:defRPr sz="1800" kern="1200">
+                <a:solidFill>
+                  <a:schemeClr val="tx1"/>
+                </a:solidFill>
+                <a:latin typeface="+mn-lt"/>
+                <a:ea typeface="+mn-ea"/>
+                <a:cs typeface="+mn-cs"/>
+              </a:defRPr>
+            </a:lvl5pPr>
+            <a:lvl6pPr marL="2286000" algn="l" defTabSz="914400" rtl="0" eaLnBrk="1" latinLnBrk="0" hangingPunct="1">
+              <a:defRPr sz="1800" kern="1200">
+                <a:solidFill>
+                  <a:schemeClr val="tx1"/>
+                </a:solidFill>
+                <a:latin typeface="+mn-lt"/>
+                <a:ea typeface="+mn-ea"/>
+                <a:cs typeface="+mn-cs"/>
+              </a:defRPr>
+            </a:lvl6pPr>
+            <a:lvl7pPr marL="2743200" algn="l" defTabSz="914400" rtl="0" eaLnBrk="1" latinLnBrk="0" hangingPunct="1">
+              <a:defRPr sz="1800" kern="1200">
+                <a:solidFill>
+                  <a:schemeClr val="tx1"/>
+                </a:solidFill>
+                <a:latin typeface="+mn-lt"/>
+                <a:ea typeface="+mn-ea"/>
+                <a:cs typeface="+mn-cs"/>
+              </a:defRPr>
+            </a:lvl7pPr>
+            <a:lvl8pPr marL="3200400" algn="l" defTabSz="914400" rtl="0" eaLnBrk="1" latinLnBrk="0" hangingPunct="1">
+              <a:defRPr sz="1800" kern="1200">
+                <a:solidFill>
+                  <a:schemeClr val="tx1"/>
+                </a:solidFill>
+                <a:latin typeface="+mn-lt"/>
+                <a:ea typeface="+mn-ea"/>
+                <a:cs typeface="+mn-cs"/>
+              </a:defRPr>
+            </a:lvl8pPr>
+            <a:lvl9pPr marL="3657600" algn="l" defTabSz="914400" rtl="0" eaLnBrk="1" latinLnBrk="0" hangingPunct="1">
+              <a:defRPr sz="1800" kern="1200">
+                <a:solidFill>
+                  <a:schemeClr val="tx1"/>
+                </a:solidFill>
+                <a:latin typeface="+mn-lt"/>
+                <a:ea typeface="+mn-ea"/>
+                <a:cs typeface="+mn-cs"/>
+              </a:defRPr>
+            </a:lvl9pPr>
+          </a:lstStyle>
+          <a:p>
+            <a:pPr algn="l" eaLnBrk="0" fontAlgn="base" hangingPunct="0">
+              <a:spcBef>
+                <a:spcPct val="0"/>
+              </a:spcBef>
+              <a:spcAft>
+                <a:spcPct val="0"/>
+              </a:spcAft>
+            </a:pPr>
+            <a:r>
+              <a:rPr lang="en-US" altLang="en-US" sz="1800" b="1" dirty="0">
+                <a:solidFill>
+                  <a:schemeClr val="tx1"/>
+                </a:solidFill>
+              </a:rPr>
+              <a:t>Objective:</a:t>
+            </a:r>
+          </a:p>
+          <a:p>
+            <a:pPr algn="l" eaLnBrk="0" fontAlgn="base" hangingPunct="0">
+              <a:spcBef>
+                <a:spcPct val="0"/>
+              </a:spcBef>
+              <a:spcAft>
+                <a:spcPct val="0"/>
+              </a:spcAft>
+            </a:pPr>
+            <a:r>
+              <a:rPr lang="en-US" altLang="en-US" sz="1800" dirty="0">
+                <a:solidFill>
+                  <a:schemeClr val="tx1"/>
+                </a:solidFill>
+              </a:rPr>
+              <a:t>To determine whether the </a:t>
+            </a:r>
+            <a:r>
+              <a:rPr lang="en-US" altLang="en-US" sz="1800" b="1" dirty="0">
+                <a:solidFill>
+                  <a:schemeClr val="tx1"/>
+                </a:solidFill>
+              </a:rPr>
+              <a:t>distribution of market size</a:t>
+            </a:r>
+            <a:r>
+              <a:rPr lang="en-US" altLang="en-US" sz="1800" dirty="0">
+                <a:solidFill>
+                  <a:schemeClr val="tx1"/>
+                </a:solidFill>
+              </a:rPr>
+              <a:t> (small, medium, or large) is </a:t>
+            </a:r>
+            <a:r>
+              <a:rPr lang="en-US" altLang="en-US" sz="1800" b="1" dirty="0">
+                <a:solidFill>
+                  <a:schemeClr val="tx1"/>
+                </a:solidFill>
+              </a:rPr>
+              <a:t>significantly different</a:t>
+            </a:r>
+            <a:r>
+              <a:rPr lang="en-US" altLang="en-US" sz="1800" dirty="0">
+                <a:solidFill>
+                  <a:schemeClr val="tx1"/>
+                </a:solidFill>
+              </a:rPr>
+              <a:t> across the three promotional campaigns.</a:t>
+            </a:r>
+          </a:p>
+          <a:p>
+            <a:pPr algn="l" eaLnBrk="0" fontAlgn="base" hangingPunct="0">
+              <a:spcBef>
+                <a:spcPct val="0"/>
+              </a:spcBef>
+              <a:spcAft>
+                <a:spcPct val="0"/>
+              </a:spcAft>
+            </a:pPr>
+            <a:endParaRPr lang="en-US" altLang="en-US" sz="1800" b="1" dirty="0">
+              <a:solidFill>
+                <a:schemeClr val="tx1"/>
+              </a:solidFill>
+            </a:endParaRPr>
+          </a:p>
+          <a:p>
+            <a:pPr algn="l" eaLnBrk="0" fontAlgn="base" hangingPunct="0">
+              <a:spcBef>
+                <a:spcPct val="0"/>
+              </a:spcBef>
+              <a:spcAft>
+                <a:spcPct val="0"/>
+              </a:spcAft>
+            </a:pPr>
+            <a:r>
+              <a:rPr lang="en-US" altLang="en-US" sz="1800" b="1" dirty="0">
+                <a:solidFill>
+                  <a:schemeClr val="tx1"/>
+                </a:solidFill>
+              </a:rPr>
+              <a:t>Null Hypothesis (H₀):</a:t>
+            </a:r>
+          </a:p>
+          <a:p>
+            <a:pPr algn="l" eaLnBrk="0" fontAlgn="base" hangingPunct="0">
+              <a:spcBef>
+                <a:spcPct val="0"/>
+              </a:spcBef>
+              <a:spcAft>
+                <a:spcPct val="0"/>
+              </a:spcAft>
+            </a:pPr>
+            <a:r>
+              <a:rPr lang="en-US" altLang="en-US" sz="1800" dirty="0">
+                <a:solidFill>
+                  <a:schemeClr val="tx1"/>
+                </a:solidFill>
+              </a:rPr>
+              <a:t>Market size distribution is the </a:t>
+            </a:r>
+            <a:r>
+              <a:rPr lang="en-US" altLang="en-US" sz="1800" b="1" dirty="0">
+                <a:solidFill>
+                  <a:schemeClr val="tx1"/>
+                </a:solidFill>
+              </a:rPr>
+              <a:t>same</a:t>
+            </a:r>
+            <a:r>
+              <a:rPr lang="en-US" altLang="en-US" sz="1800" dirty="0">
+                <a:solidFill>
+                  <a:schemeClr val="tx1"/>
+                </a:solidFill>
+              </a:rPr>
+              <a:t> across all promotions.</a:t>
+            </a:r>
+            <a:endParaRPr lang="en-US" altLang="en-US" sz="1800" b="1" dirty="0">
+              <a:solidFill>
+                <a:schemeClr val="tx1"/>
+              </a:solidFill>
+            </a:endParaRPr>
+          </a:p>
+          <a:p>
+            <a:pPr algn="l" eaLnBrk="0" fontAlgn="base" hangingPunct="0">
+              <a:spcBef>
+                <a:spcPct val="0"/>
+              </a:spcBef>
+              <a:spcAft>
+                <a:spcPct val="0"/>
+              </a:spcAft>
+            </a:pPr>
+            <a:r>
+              <a:rPr lang="en-US" altLang="en-US" sz="1800" b="1" dirty="0">
+                <a:solidFill>
+                  <a:schemeClr val="tx1"/>
+                </a:solidFill>
+              </a:rPr>
+              <a:t>Alternative Hypothesis (H₁):</a:t>
+            </a:r>
+          </a:p>
+          <a:p>
+            <a:pPr algn="l" eaLnBrk="0" fontAlgn="base" hangingPunct="0">
+              <a:spcBef>
+                <a:spcPct val="0"/>
+              </a:spcBef>
+              <a:spcAft>
+                <a:spcPct val="0"/>
+              </a:spcAft>
+            </a:pPr>
+            <a:r>
+              <a:rPr lang="en-US" altLang="en-US" sz="1800" dirty="0">
+                <a:solidFill>
+                  <a:schemeClr val="tx1"/>
+                </a:solidFill>
+              </a:rPr>
+              <a:t>Market size distribution </a:t>
+            </a:r>
+            <a:r>
+              <a:rPr lang="en-US" altLang="en-US" sz="1800" b="1" dirty="0">
+                <a:solidFill>
+                  <a:schemeClr val="tx1"/>
+                </a:solidFill>
+              </a:rPr>
+              <a:t>differs</a:t>
+            </a:r>
+            <a:r>
+              <a:rPr lang="en-US" altLang="en-US" sz="1800" dirty="0">
+                <a:solidFill>
+                  <a:schemeClr val="tx1"/>
+                </a:solidFill>
+              </a:rPr>
+              <a:t> across promotions.</a:t>
+            </a:r>
+          </a:p>
+          <a:p>
+            <a:pPr algn="l" eaLnBrk="0" fontAlgn="base" hangingPunct="0">
+              <a:spcBef>
+                <a:spcPct val="0"/>
+              </a:spcBef>
+              <a:spcAft>
+                <a:spcPct val="0"/>
+              </a:spcAft>
+            </a:pPr>
+            <a:endParaRPr lang="en-US" altLang="en-US" sz="1800" b="1" dirty="0">
+              <a:solidFill>
+                <a:schemeClr val="tx1"/>
+              </a:solidFill>
+            </a:endParaRPr>
+          </a:p>
+          <a:p>
+            <a:pPr algn="l" eaLnBrk="0" fontAlgn="base" hangingPunct="0">
+              <a:spcBef>
+                <a:spcPct val="0"/>
+              </a:spcBef>
+              <a:spcAft>
+                <a:spcPct val="0"/>
+              </a:spcAft>
+            </a:pPr>
+            <a:r>
+              <a:rPr lang="en-US" altLang="en-US" sz="1800" b="1" dirty="0">
+                <a:solidFill>
+                  <a:schemeClr val="tx1"/>
+                </a:solidFill>
+              </a:rPr>
+              <a:t>Results:</a:t>
+            </a:r>
+          </a:p>
+          <a:p>
+            <a:pPr algn="l" eaLnBrk="0" fontAlgn="base" hangingPunct="0">
+              <a:spcBef>
+                <a:spcPct val="0"/>
+              </a:spcBef>
+              <a:spcAft>
+                <a:spcPct val="0"/>
+              </a:spcAft>
+              <a:buFontTx/>
+              <a:buChar char="•"/>
+            </a:pPr>
+            <a:r>
+              <a:rPr lang="en-US" altLang="en-US" sz="1800" b="1" dirty="0">
+                <a:solidFill>
+                  <a:schemeClr val="tx1"/>
+                </a:solidFill>
+              </a:rPr>
+              <a:t>Chi-Square Statistic:</a:t>
+            </a:r>
+            <a:r>
+              <a:rPr lang="en-US" altLang="en-US" sz="1800" dirty="0">
+                <a:solidFill>
+                  <a:schemeClr val="tx1"/>
+                </a:solidFill>
+              </a:rPr>
+              <a:t> 4.7539 </a:t>
+            </a:r>
+          </a:p>
+          <a:p>
+            <a:pPr algn="l" eaLnBrk="0" fontAlgn="base" hangingPunct="0">
+              <a:spcBef>
+                <a:spcPct val="0"/>
+              </a:spcBef>
+              <a:spcAft>
+                <a:spcPct val="0"/>
+              </a:spcAft>
+              <a:buFontTx/>
+              <a:buChar char="•"/>
+            </a:pPr>
+            <a:r>
+              <a:rPr lang="en-US" altLang="en-US" sz="1800" b="1" dirty="0">
+                <a:solidFill>
+                  <a:schemeClr val="tx1"/>
+                </a:solidFill>
+              </a:rPr>
+              <a:t>p-value:</a:t>
+            </a:r>
+            <a:r>
+              <a:rPr lang="en-US" altLang="en-US" sz="1800" dirty="0">
+                <a:solidFill>
+                  <a:schemeClr val="tx1"/>
+                </a:solidFill>
+              </a:rPr>
+              <a:t> 0.3135 </a:t>
+            </a:r>
+          </a:p>
+          <a:p>
+            <a:pPr algn="l" eaLnBrk="0" fontAlgn="base" hangingPunct="0">
+              <a:spcBef>
+                <a:spcPct val="0"/>
+              </a:spcBef>
+              <a:spcAft>
+                <a:spcPct val="0"/>
+              </a:spcAft>
+              <a:buFontTx/>
+              <a:buChar char="•"/>
+            </a:pPr>
+            <a:endParaRPr lang="en-US" altLang="en-US" sz="1800" dirty="0">
+              <a:solidFill>
+                <a:schemeClr val="tx1"/>
+              </a:solidFill>
+            </a:endParaRPr>
+          </a:p>
+          <a:p>
+            <a:pPr algn="l" eaLnBrk="0" fontAlgn="base" hangingPunct="0">
+              <a:spcBef>
+                <a:spcPct val="0"/>
+              </a:spcBef>
+              <a:spcAft>
+                <a:spcPct val="0"/>
+              </a:spcAft>
+            </a:pPr>
+            <a:r>
+              <a:rPr lang="en-US" altLang="en-US" sz="1800" b="1" dirty="0">
+                <a:solidFill>
+                  <a:schemeClr val="tx1"/>
+                </a:solidFill>
+              </a:rPr>
+              <a:t>Interpretation:</a:t>
+            </a:r>
+          </a:p>
+          <a:p>
+            <a:pPr algn="l" eaLnBrk="0" fontAlgn="base" hangingPunct="0">
+              <a:spcBef>
+                <a:spcPct val="0"/>
+              </a:spcBef>
+              <a:spcAft>
+                <a:spcPct val="0"/>
+              </a:spcAft>
+            </a:pPr>
+            <a:r>
+              <a:rPr lang="en-US" altLang="en-US" sz="1800" dirty="0">
+                <a:solidFill>
+                  <a:schemeClr val="tx1"/>
+                </a:solidFill>
+              </a:rPr>
+              <a:t>Since </a:t>
+            </a:r>
+            <a:r>
+              <a:rPr lang="en-US" altLang="en-US" sz="1800" b="1" dirty="0">
+                <a:solidFill>
+                  <a:schemeClr val="tx1"/>
+                </a:solidFill>
+              </a:rPr>
+              <a:t>p-value (0.3135) &gt; 0.05</a:t>
+            </a:r>
+            <a:r>
+              <a:rPr lang="en-US" altLang="en-US" sz="1800" dirty="0">
+                <a:solidFill>
+                  <a:schemeClr val="tx1"/>
+                </a:solidFill>
+              </a:rPr>
+              <a:t>, we </a:t>
+            </a:r>
+            <a:r>
+              <a:rPr lang="en-US" altLang="en-US" sz="1800" b="1" dirty="0">
+                <a:solidFill>
+                  <a:schemeClr val="tx1"/>
+                </a:solidFill>
+              </a:rPr>
+              <a:t>fail to reject the null hypothesis</a:t>
+            </a:r>
+            <a:r>
+              <a:rPr lang="en-US" altLang="en-US" sz="1800" dirty="0">
+                <a:solidFill>
+                  <a:schemeClr val="tx1"/>
+                </a:solidFill>
+              </a:rPr>
+              <a:t>.</a:t>
+            </a:r>
+            <a:br>
+              <a:rPr lang="en-US" altLang="en-US" sz="1800" dirty="0">
+                <a:solidFill>
+                  <a:schemeClr val="tx1"/>
+                </a:solidFill>
+              </a:rPr>
+            </a:br>
+            <a:r>
+              <a:rPr lang="en-US" altLang="en-US" sz="1800" dirty="0">
+                <a:solidFill>
+                  <a:schemeClr val="tx1"/>
+                </a:solidFill>
+              </a:rPr>
+              <a:t>This means there is </a:t>
+            </a:r>
+            <a:r>
+              <a:rPr lang="en-US" altLang="en-US" sz="1800" b="1" dirty="0">
+                <a:solidFill>
+                  <a:schemeClr val="tx1"/>
+                </a:solidFill>
+              </a:rPr>
+              <a:t>no significant difference</a:t>
+            </a:r>
+            <a:r>
+              <a:rPr lang="en-US" altLang="en-US" sz="1800" dirty="0">
+                <a:solidFill>
+                  <a:schemeClr val="tx1"/>
+                </a:solidFill>
+              </a:rPr>
+              <a:t> in market size distribution across the three promotional campaigns.</a:t>
+            </a:r>
+          </a:p>
+          <a:p>
+            <a:pPr algn="l" eaLnBrk="0" fontAlgn="base" hangingPunct="0">
+              <a:spcBef>
+                <a:spcPct val="0"/>
+              </a:spcBef>
+              <a:spcAft>
+                <a:spcPct val="0"/>
+              </a:spcAft>
+            </a:pPr>
+            <a:endParaRPr lang="en-US" altLang="en-US" sz="1800" b="1" dirty="0">
+              <a:solidFill>
+                <a:schemeClr val="tx1"/>
+              </a:solidFill>
+            </a:endParaRPr>
+          </a:p>
+          <a:p>
+            <a:pPr algn="l" eaLnBrk="0" fontAlgn="base" hangingPunct="0">
+              <a:spcBef>
+                <a:spcPct val="0"/>
+              </a:spcBef>
+              <a:spcAft>
+                <a:spcPct val="0"/>
+              </a:spcAft>
+            </a:pPr>
+            <a:r>
+              <a:rPr lang="en-US" altLang="en-US" sz="1800" b="1" dirty="0">
+                <a:solidFill>
+                  <a:schemeClr val="tx1"/>
+                </a:solidFill>
+              </a:rPr>
+              <a:t>Implication for Analysis:</a:t>
+            </a:r>
+          </a:p>
+          <a:p>
+            <a:pPr algn="l" eaLnBrk="0" fontAlgn="base" hangingPunct="0">
+              <a:spcBef>
+                <a:spcPct val="0"/>
+              </a:spcBef>
+              <a:spcAft>
+                <a:spcPct val="0"/>
+              </a:spcAft>
+              <a:buFontTx/>
+              <a:buChar char="•"/>
+            </a:pPr>
+            <a:r>
+              <a:rPr lang="en-US" altLang="en-US" sz="1800" dirty="0">
+                <a:solidFill>
+                  <a:schemeClr val="tx1"/>
+                </a:solidFill>
+              </a:rPr>
+              <a:t>Market size is </a:t>
+            </a:r>
+            <a:r>
+              <a:rPr lang="en-US" altLang="en-US" sz="1800" b="1" dirty="0">
+                <a:solidFill>
+                  <a:schemeClr val="tx1"/>
+                </a:solidFill>
+              </a:rPr>
+              <a:t>evenly distributed</a:t>
+            </a:r>
+            <a:r>
+              <a:rPr lang="en-US" altLang="en-US" sz="1800" dirty="0">
+                <a:solidFill>
+                  <a:schemeClr val="tx1"/>
+                </a:solidFill>
+              </a:rPr>
+              <a:t> among the promotional groups, meaning that any sales differences observed are likely due to the </a:t>
+            </a:r>
+            <a:r>
+              <a:rPr lang="en-US" altLang="en-US" sz="1800" b="1" dirty="0">
+                <a:solidFill>
+                  <a:schemeClr val="tx1"/>
+                </a:solidFill>
+              </a:rPr>
+              <a:t>promotion itself</a:t>
+            </a:r>
+            <a:r>
+              <a:rPr lang="en-US" altLang="en-US" sz="1800" dirty="0">
+                <a:solidFill>
+                  <a:schemeClr val="tx1"/>
+                </a:solidFill>
+              </a:rPr>
+              <a:t> rather than an imbalance in market size. </a:t>
+            </a:r>
+          </a:p>
+          <a:p>
+            <a:pPr algn="l" eaLnBrk="0" fontAlgn="base" hangingPunct="0">
+              <a:spcBef>
+                <a:spcPct val="0"/>
+              </a:spcBef>
+              <a:spcAft>
+                <a:spcPct val="0"/>
+              </a:spcAft>
+              <a:buFontTx/>
+              <a:buChar char="•"/>
+            </a:pPr>
+            <a:r>
+              <a:rPr lang="en-US" altLang="en-US" sz="1800" dirty="0">
+                <a:solidFill>
+                  <a:schemeClr val="tx1"/>
+                </a:solidFill>
+              </a:rPr>
+              <a:t>This ensures that the comparison of promotions remains </a:t>
+            </a:r>
+            <a:r>
+              <a:rPr lang="en-US" altLang="en-US" sz="1800" b="1" dirty="0">
+                <a:solidFill>
+                  <a:schemeClr val="tx1"/>
+                </a:solidFill>
+              </a:rPr>
+              <a:t>fair and unbiased</a:t>
+            </a:r>
+            <a:r>
+              <a:rPr lang="en-US" altLang="en-US" sz="1800" dirty="0">
+                <a:solidFill>
+                  <a:schemeClr val="tx1"/>
+                </a:solidFill>
+              </a:rPr>
+              <a:t>, supporting the validity of further statistical tests like ANOVA and OLS regression. </a:t>
+            </a:r>
+          </a:p>
+          <a:p>
+            <a:pPr algn="l" eaLnBrk="0" fontAlgn="base" hangingPunct="0">
+              <a:spcBef>
+                <a:spcPct val="0"/>
+              </a:spcBef>
+              <a:spcAft>
+                <a:spcPct val="0"/>
+              </a:spcAft>
+            </a:pPr>
+            <a:endParaRPr lang="en-US" altLang="en-US" sz="1800" dirty="0">
+              <a:solidFill>
+                <a:schemeClr val="tx1"/>
+              </a:solidFill>
+            </a:endParaRPr>
+          </a:p>
+        </p:txBody>
+      </p:sp>
+    </p:spTree>
+    <p:extLst>
+      <p:ext uri="{BB962C8B-B14F-4D97-AF65-F5344CB8AC3E}">
+        <p14:creationId xmlns:p14="http://schemas.microsoft.com/office/powerpoint/2010/main" val="2184574355"/>
+      </p:ext>
+    </p:extLst>
+  </p:cSld>
+  <p:clrMapOvr>
+    <a:masterClrMapping/>
+  </p:clrMapOvr>
+</p:sld>
+</file>
+
 <file path=ppt/slides/slide14.xml><?xml version="1.0" encoding="utf-8"?>
 <p:sld xmlns:a="http://schemas.openxmlformats.org/drawingml/2006/main" xmlns:r="http://schemas.openxmlformats.org/officeDocument/2006/relationships" xmlns:p="http://schemas.openxmlformats.org/presentationml/2006/main">
   <p:cSld>
@@ -5388,7 +6003,7 @@
           <p:cNvPr id="5" name="Slide Number Placeholder 4">
             <a:extLst>
               <a:ext uri="{FF2B5EF4-FFF2-40B4-BE49-F238E27FC236}">
-                <a16:creationId xmlns:a16="http://schemas.microsoft.com/office/drawing/2014/main" id="{EE24B404-B07F-0285-A38C-10EE369A8297}"/>
+                <a16:creationId xmlns:a16="http://schemas.microsoft.com/office/drawing/2014/main" id="{4261BE30-873D-B27A-BA66-3F32EF6FE0C4}"/>
               </a:ext>
             </a:extLst>
           </p:cNvPr>
@@ -5407,795 +6022,6 @@
             <a:fld id="{5E80619E-9ABD-4901-846B-9B030806AFDE}" type="slidenum">
               <a:rPr lang="en-IN" smtClean="0"/>
               <a:t>14</a:t>
-            </a:fld>
-            <a:endParaRPr lang="en-IN"/>
-          </a:p>
-        </p:txBody>
-      </p:sp>
-      <p:sp>
-        <p:nvSpPr>
-          <p:cNvPr id="6" name="Title 10">
-            <a:extLst>
-              <a:ext uri="{FF2B5EF4-FFF2-40B4-BE49-F238E27FC236}">
-                <a16:creationId xmlns:a16="http://schemas.microsoft.com/office/drawing/2014/main" id="{458B9360-7BAB-7260-0090-A160A89000DF}"/>
-              </a:ext>
-            </a:extLst>
-          </p:cNvPr>
-          <p:cNvSpPr>
-            <a:spLocks noGrp="1"/>
-          </p:cNvSpPr>
-          <p:nvPr>
-            <p:ph type="title"/>
-          </p:nvPr>
-        </p:nvSpPr>
-        <p:spPr>
-          <a:xfrm>
-            <a:off x="0" y="12620"/>
-            <a:ext cx="12275192" cy="462509"/>
-          </a:xfrm>
-        </p:spPr>
-        <p:txBody>
-          <a:bodyPr>
-            <a:normAutofit fontScale="90000"/>
-          </a:bodyPr>
-          <a:lstStyle/>
-          <a:p>
-            <a:r>
-              <a:rPr lang="en-US" sz="2800" dirty="0"/>
-              <a:t>Chi-Square Test of Homogeneity for Market Size Across Promotions</a:t>
-            </a:r>
-          </a:p>
-        </p:txBody>
-      </p:sp>
-      <p:sp>
-        <p:nvSpPr>
-          <p:cNvPr id="7" name="Rectangle 2">
-            <a:extLst>
-              <a:ext uri="{FF2B5EF4-FFF2-40B4-BE49-F238E27FC236}">
-                <a16:creationId xmlns:a16="http://schemas.microsoft.com/office/drawing/2014/main" id="{B94A8B96-4DFB-DFE8-ABF5-7CAF4F6FE1E9}"/>
-              </a:ext>
-            </a:extLst>
-          </p:cNvPr>
-          <p:cNvSpPr txBox="1">
-            <a:spLocks noChangeArrowheads="1"/>
-          </p:cNvSpPr>
-          <p:nvPr/>
-        </p:nvSpPr>
-        <p:spPr bwMode="auto">
-          <a:xfrm>
-            <a:off x="0" y="394692"/>
-            <a:ext cx="11501120" cy="6463308"/>
-          </a:xfrm>
-          <a:prstGeom prst="rect">
-            <a:avLst/>
-          </a:prstGeom>
-          <a:noFill/>
-          <a:ln>
-            <a:noFill/>
-          </a:ln>
-          <a:effectLst/>
-          <a:extLst>
-            <a:ext uri="{909E8E84-426E-40DD-AFC4-6F175D3DCCD1}">
-              <a14:hiddenFill xmlns:a14="http://schemas.microsoft.com/office/drawing/2010/main">
-                <a:solidFill>
-                  <a:schemeClr val="accent1"/>
-                </a:solidFill>
-              </a14:hiddenFill>
-            </a:ext>
-            <a:ext uri="{91240B29-F687-4F45-9708-019B960494DF}">
-              <a14:hiddenLine xmlns:a14="http://schemas.microsoft.com/office/drawing/2010/main" w="9525">
-                <a:solidFill>
-                  <a:schemeClr val="tx1"/>
-                </a:solidFill>
-                <a:miter lim="800000"/>
-                <a:headEnd/>
-                <a:tailEnd/>
-              </a14:hiddenLine>
-            </a:ext>
-            <a:ext uri="{AF507438-7753-43E0-B8FC-AC1667EBCBE1}">
-              <a14:hiddenEffects xmlns:a14="http://schemas.microsoft.com/office/drawing/2010/main">
-                <a:effectLst>
-                  <a:outerShdw dist="35921" dir="2700000" algn="ctr" rotWithShape="0">
-                    <a:schemeClr val="bg2"/>
-                  </a:outerShdw>
-                </a:effectLst>
-              </a14:hiddenEffects>
-            </a:ext>
-          </a:extLst>
-        </p:spPr>
-        <p:txBody>
-          <a:bodyPr vert="horz" wrap="square" lIns="91440" tIns="45720" rIns="91440" bIns="45720" numCol="1" rtlCol="0" anchor="ctr" anchorCtr="0" compatLnSpc="1">
-            <a:prstTxWarp prst="textNoShape">
-              <a:avLst/>
-            </a:prstTxWarp>
-            <a:spAutoFit/>
-          </a:bodyPr>
-          <a:lstStyle>
-            <a:defPPr>
-              <a:defRPr lang="en-US"/>
-            </a:defPPr>
-            <a:lvl1pPr marL="0" algn="r" defTabSz="914400" rtl="0" eaLnBrk="1" latinLnBrk="0" hangingPunct="1">
-              <a:defRPr sz="1200" kern="1200">
-                <a:solidFill>
-                  <a:schemeClr val="tx1">
-                    <a:tint val="75000"/>
-                  </a:schemeClr>
-                </a:solidFill>
-                <a:latin typeface="+mn-lt"/>
-                <a:ea typeface="+mn-ea"/>
-                <a:cs typeface="+mn-cs"/>
-              </a:defRPr>
-            </a:lvl1pPr>
-            <a:lvl2pPr marL="457200" algn="l" defTabSz="914400" rtl="0" eaLnBrk="1" latinLnBrk="0" hangingPunct="1">
-              <a:defRPr sz="1800" kern="1200">
-                <a:solidFill>
-                  <a:schemeClr val="tx1"/>
-                </a:solidFill>
-                <a:latin typeface="+mn-lt"/>
-                <a:ea typeface="+mn-ea"/>
-                <a:cs typeface="+mn-cs"/>
-              </a:defRPr>
-            </a:lvl2pPr>
-            <a:lvl3pPr marL="914400" algn="l" defTabSz="914400" rtl="0" eaLnBrk="1" latinLnBrk="0" hangingPunct="1">
-              <a:defRPr sz="1800" kern="1200">
-                <a:solidFill>
-                  <a:schemeClr val="tx1"/>
-                </a:solidFill>
-                <a:latin typeface="+mn-lt"/>
-                <a:ea typeface="+mn-ea"/>
-                <a:cs typeface="+mn-cs"/>
-              </a:defRPr>
-            </a:lvl3pPr>
-            <a:lvl4pPr marL="1371600" algn="l" defTabSz="914400" rtl="0" eaLnBrk="1" latinLnBrk="0" hangingPunct="1">
-              <a:defRPr sz="1800" kern="1200">
-                <a:solidFill>
-                  <a:schemeClr val="tx1"/>
-                </a:solidFill>
-                <a:latin typeface="+mn-lt"/>
-                <a:ea typeface="+mn-ea"/>
-                <a:cs typeface="+mn-cs"/>
-              </a:defRPr>
-            </a:lvl4pPr>
-            <a:lvl5pPr marL="1828800" algn="l" defTabSz="914400" rtl="0" eaLnBrk="1" latinLnBrk="0" hangingPunct="1">
-              <a:defRPr sz="1800" kern="1200">
-                <a:solidFill>
-                  <a:schemeClr val="tx1"/>
-                </a:solidFill>
-                <a:latin typeface="+mn-lt"/>
-                <a:ea typeface="+mn-ea"/>
-                <a:cs typeface="+mn-cs"/>
-              </a:defRPr>
-            </a:lvl5pPr>
-            <a:lvl6pPr marL="2286000" algn="l" defTabSz="914400" rtl="0" eaLnBrk="1" latinLnBrk="0" hangingPunct="1">
-              <a:defRPr sz="1800" kern="1200">
-                <a:solidFill>
-                  <a:schemeClr val="tx1"/>
-                </a:solidFill>
-                <a:latin typeface="+mn-lt"/>
-                <a:ea typeface="+mn-ea"/>
-                <a:cs typeface="+mn-cs"/>
-              </a:defRPr>
-            </a:lvl6pPr>
-            <a:lvl7pPr marL="2743200" algn="l" defTabSz="914400" rtl="0" eaLnBrk="1" latinLnBrk="0" hangingPunct="1">
-              <a:defRPr sz="1800" kern="1200">
-                <a:solidFill>
-                  <a:schemeClr val="tx1"/>
-                </a:solidFill>
-                <a:latin typeface="+mn-lt"/>
-                <a:ea typeface="+mn-ea"/>
-                <a:cs typeface="+mn-cs"/>
-              </a:defRPr>
-            </a:lvl7pPr>
-            <a:lvl8pPr marL="3200400" algn="l" defTabSz="914400" rtl="0" eaLnBrk="1" latinLnBrk="0" hangingPunct="1">
-              <a:defRPr sz="1800" kern="1200">
-                <a:solidFill>
-                  <a:schemeClr val="tx1"/>
-                </a:solidFill>
-                <a:latin typeface="+mn-lt"/>
-                <a:ea typeface="+mn-ea"/>
-                <a:cs typeface="+mn-cs"/>
-              </a:defRPr>
-            </a:lvl8pPr>
-            <a:lvl9pPr marL="3657600" algn="l" defTabSz="914400" rtl="0" eaLnBrk="1" latinLnBrk="0" hangingPunct="1">
-              <a:defRPr sz="1800" kern="1200">
-                <a:solidFill>
-                  <a:schemeClr val="tx1"/>
-                </a:solidFill>
-                <a:latin typeface="+mn-lt"/>
-                <a:ea typeface="+mn-ea"/>
-                <a:cs typeface="+mn-cs"/>
-              </a:defRPr>
-            </a:lvl9pPr>
-          </a:lstStyle>
-          <a:p>
-            <a:pPr algn="l" eaLnBrk="0" fontAlgn="base" hangingPunct="0">
-              <a:spcBef>
-                <a:spcPct val="0"/>
-              </a:spcBef>
-              <a:spcAft>
-                <a:spcPct val="0"/>
-              </a:spcAft>
-            </a:pPr>
-            <a:r>
-              <a:rPr lang="en-US" altLang="en-US" sz="1800" b="1" dirty="0">
-                <a:solidFill>
-                  <a:schemeClr val="tx1"/>
-                </a:solidFill>
-              </a:rPr>
-              <a:t>Objective:</a:t>
-            </a:r>
-          </a:p>
-          <a:p>
-            <a:pPr algn="l" eaLnBrk="0" fontAlgn="base" hangingPunct="0">
-              <a:spcBef>
-                <a:spcPct val="0"/>
-              </a:spcBef>
-              <a:spcAft>
-                <a:spcPct val="0"/>
-              </a:spcAft>
-            </a:pPr>
-            <a:r>
-              <a:rPr lang="en-US" altLang="en-US" sz="1800" dirty="0">
-                <a:solidFill>
-                  <a:schemeClr val="tx1"/>
-                </a:solidFill>
-              </a:rPr>
-              <a:t>To determine whether the </a:t>
-            </a:r>
-            <a:r>
-              <a:rPr lang="en-US" altLang="en-US" sz="1800" b="1" dirty="0">
-                <a:solidFill>
-                  <a:schemeClr val="tx1"/>
-                </a:solidFill>
-              </a:rPr>
-              <a:t>distribution of market size</a:t>
-            </a:r>
-            <a:r>
-              <a:rPr lang="en-US" altLang="en-US" sz="1800" dirty="0">
-                <a:solidFill>
-                  <a:schemeClr val="tx1"/>
-                </a:solidFill>
-              </a:rPr>
-              <a:t> (small, medium, or large) is </a:t>
-            </a:r>
-            <a:r>
-              <a:rPr lang="en-US" altLang="en-US" sz="1800" b="1" dirty="0">
-                <a:solidFill>
-                  <a:schemeClr val="tx1"/>
-                </a:solidFill>
-              </a:rPr>
-              <a:t>significantly different</a:t>
-            </a:r>
-            <a:r>
-              <a:rPr lang="en-US" altLang="en-US" sz="1800" dirty="0">
-                <a:solidFill>
-                  <a:schemeClr val="tx1"/>
-                </a:solidFill>
-              </a:rPr>
-              <a:t> across the three promotional campaigns.</a:t>
-            </a:r>
-          </a:p>
-          <a:p>
-            <a:pPr algn="l" eaLnBrk="0" fontAlgn="base" hangingPunct="0">
-              <a:spcBef>
-                <a:spcPct val="0"/>
-              </a:spcBef>
-              <a:spcAft>
-                <a:spcPct val="0"/>
-              </a:spcAft>
-            </a:pPr>
-            <a:endParaRPr lang="en-US" altLang="en-US" sz="1800" b="1" dirty="0">
-              <a:solidFill>
-                <a:schemeClr val="tx1"/>
-              </a:solidFill>
-            </a:endParaRPr>
-          </a:p>
-          <a:p>
-            <a:pPr algn="l" eaLnBrk="0" fontAlgn="base" hangingPunct="0">
-              <a:spcBef>
-                <a:spcPct val="0"/>
-              </a:spcBef>
-              <a:spcAft>
-                <a:spcPct val="0"/>
-              </a:spcAft>
-            </a:pPr>
-            <a:r>
-              <a:rPr lang="en-US" altLang="en-US" sz="1800" b="1" dirty="0">
-                <a:solidFill>
-                  <a:schemeClr val="tx1"/>
-                </a:solidFill>
-              </a:rPr>
-              <a:t>Null Hypothesis (H₀):</a:t>
-            </a:r>
-          </a:p>
-          <a:p>
-            <a:pPr algn="l" eaLnBrk="0" fontAlgn="base" hangingPunct="0">
-              <a:spcBef>
-                <a:spcPct val="0"/>
-              </a:spcBef>
-              <a:spcAft>
-                <a:spcPct val="0"/>
-              </a:spcAft>
-            </a:pPr>
-            <a:r>
-              <a:rPr lang="en-US" altLang="en-US" sz="1800" dirty="0">
-                <a:solidFill>
-                  <a:schemeClr val="tx1"/>
-                </a:solidFill>
-              </a:rPr>
-              <a:t>Market size distribution is the </a:t>
-            </a:r>
-            <a:r>
-              <a:rPr lang="en-US" altLang="en-US" sz="1800" b="1" dirty="0">
-                <a:solidFill>
-                  <a:schemeClr val="tx1"/>
-                </a:solidFill>
-              </a:rPr>
-              <a:t>same</a:t>
-            </a:r>
-            <a:r>
-              <a:rPr lang="en-US" altLang="en-US" sz="1800" dirty="0">
-                <a:solidFill>
-                  <a:schemeClr val="tx1"/>
-                </a:solidFill>
-              </a:rPr>
-              <a:t> across all promotions.</a:t>
-            </a:r>
-            <a:endParaRPr lang="en-US" altLang="en-US" sz="1800" b="1" dirty="0">
-              <a:solidFill>
-                <a:schemeClr val="tx1"/>
-              </a:solidFill>
-            </a:endParaRPr>
-          </a:p>
-          <a:p>
-            <a:pPr algn="l" eaLnBrk="0" fontAlgn="base" hangingPunct="0">
-              <a:spcBef>
-                <a:spcPct val="0"/>
-              </a:spcBef>
-              <a:spcAft>
-                <a:spcPct val="0"/>
-              </a:spcAft>
-            </a:pPr>
-            <a:r>
-              <a:rPr lang="en-US" altLang="en-US" sz="1800" b="1" dirty="0">
-                <a:solidFill>
-                  <a:schemeClr val="tx1"/>
-                </a:solidFill>
-              </a:rPr>
-              <a:t>Alternative Hypothesis (H₁):</a:t>
-            </a:r>
-          </a:p>
-          <a:p>
-            <a:pPr algn="l" eaLnBrk="0" fontAlgn="base" hangingPunct="0">
-              <a:spcBef>
-                <a:spcPct val="0"/>
-              </a:spcBef>
-              <a:spcAft>
-                <a:spcPct val="0"/>
-              </a:spcAft>
-            </a:pPr>
-            <a:r>
-              <a:rPr lang="en-US" altLang="en-US" sz="1800" dirty="0">
-                <a:solidFill>
-                  <a:schemeClr val="tx1"/>
-                </a:solidFill>
-              </a:rPr>
-              <a:t>Market size distribution </a:t>
-            </a:r>
-            <a:r>
-              <a:rPr lang="en-US" altLang="en-US" sz="1800" b="1" dirty="0">
-                <a:solidFill>
-                  <a:schemeClr val="tx1"/>
-                </a:solidFill>
-              </a:rPr>
-              <a:t>differs</a:t>
-            </a:r>
-            <a:r>
-              <a:rPr lang="en-US" altLang="en-US" sz="1800" dirty="0">
-                <a:solidFill>
-                  <a:schemeClr val="tx1"/>
-                </a:solidFill>
-              </a:rPr>
-              <a:t> across promotions.</a:t>
-            </a:r>
-          </a:p>
-          <a:p>
-            <a:pPr algn="l" eaLnBrk="0" fontAlgn="base" hangingPunct="0">
-              <a:spcBef>
-                <a:spcPct val="0"/>
-              </a:spcBef>
-              <a:spcAft>
-                <a:spcPct val="0"/>
-              </a:spcAft>
-            </a:pPr>
-            <a:endParaRPr lang="en-US" altLang="en-US" sz="1800" b="1" dirty="0">
-              <a:solidFill>
-                <a:schemeClr val="tx1"/>
-              </a:solidFill>
-            </a:endParaRPr>
-          </a:p>
-          <a:p>
-            <a:pPr algn="l" eaLnBrk="0" fontAlgn="base" hangingPunct="0">
-              <a:spcBef>
-                <a:spcPct val="0"/>
-              </a:spcBef>
-              <a:spcAft>
-                <a:spcPct val="0"/>
-              </a:spcAft>
-            </a:pPr>
-            <a:r>
-              <a:rPr lang="en-US" altLang="en-US" sz="1800" b="1" dirty="0">
-                <a:solidFill>
-                  <a:schemeClr val="tx1"/>
-                </a:solidFill>
-              </a:rPr>
-              <a:t>Results:</a:t>
-            </a:r>
-          </a:p>
-          <a:p>
-            <a:pPr algn="l" eaLnBrk="0" fontAlgn="base" hangingPunct="0">
-              <a:spcBef>
-                <a:spcPct val="0"/>
-              </a:spcBef>
-              <a:spcAft>
-                <a:spcPct val="0"/>
-              </a:spcAft>
-              <a:buFontTx/>
-              <a:buChar char="•"/>
-            </a:pPr>
-            <a:r>
-              <a:rPr lang="en-US" altLang="en-US" sz="1800" b="1" dirty="0">
-                <a:solidFill>
-                  <a:schemeClr val="tx1"/>
-                </a:solidFill>
-              </a:rPr>
-              <a:t>Chi-Square Statistic:</a:t>
-            </a:r>
-            <a:r>
-              <a:rPr lang="en-US" altLang="en-US" sz="1800" dirty="0">
-                <a:solidFill>
-                  <a:schemeClr val="tx1"/>
-                </a:solidFill>
-              </a:rPr>
-              <a:t> 4.7539 </a:t>
-            </a:r>
-          </a:p>
-          <a:p>
-            <a:pPr algn="l" eaLnBrk="0" fontAlgn="base" hangingPunct="0">
-              <a:spcBef>
-                <a:spcPct val="0"/>
-              </a:spcBef>
-              <a:spcAft>
-                <a:spcPct val="0"/>
-              </a:spcAft>
-              <a:buFontTx/>
-              <a:buChar char="•"/>
-            </a:pPr>
-            <a:r>
-              <a:rPr lang="en-US" altLang="en-US" sz="1800" b="1" dirty="0">
-                <a:solidFill>
-                  <a:schemeClr val="tx1"/>
-                </a:solidFill>
-              </a:rPr>
-              <a:t>p-value:</a:t>
-            </a:r>
-            <a:r>
-              <a:rPr lang="en-US" altLang="en-US" sz="1800" dirty="0">
-                <a:solidFill>
-                  <a:schemeClr val="tx1"/>
-                </a:solidFill>
-              </a:rPr>
-              <a:t> 0.3135 </a:t>
-            </a:r>
-          </a:p>
-          <a:p>
-            <a:pPr algn="l" eaLnBrk="0" fontAlgn="base" hangingPunct="0">
-              <a:spcBef>
-                <a:spcPct val="0"/>
-              </a:spcBef>
-              <a:spcAft>
-                <a:spcPct val="0"/>
-              </a:spcAft>
-              <a:buFontTx/>
-              <a:buChar char="•"/>
-            </a:pPr>
-            <a:endParaRPr lang="en-US" altLang="en-US" sz="1800" dirty="0">
-              <a:solidFill>
-                <a:schemeClr val="tx1"/>
-              </a:solidFill>
-            </a:endParaRPr>
-          </a:p>
-          <a:p>
-            <a:pPr algn="l" eaLnBrk="0" fontAlgn="base" hangingPunct="0">
-              <a:spcBef>
-                <a:spcPct val="0"/>
-              </a:spcBef>
-              <a:spcAft>
-                <a:spcPct val="0"/>
-              </a:spcAft>
-            </a:pPr>
-            <a:r>
-              <a:rPr lang="en-US" altLang="en-US" sz="1800" b="1" dirty="0">
-                <a:solidFill>
-                  <a:schemeClr val="tx1"/>
-                </a:solidFill>
-              </a:rPr>
-              <a:t>Interpretation:</a:t>
-            </a:r>
-          </a:p>
-          <a:p>
-            <a:pPr algn="l" eaLnBrk="0" fontAlgn="base" hangingPunct="0">
-              <a:spcBef>
-                <a:spcPct val="0"/>
-              </a:spcBef>
-              <a:spcAft>
-                <a:spcPct val="0"/>
-              </a:spcAft>
-            </a:pPr>
-            <a:r>
-              <a:rPr lang="en-US" altLang="en-US" sz="1800" dirty="0">
-                <a:solidFill>
-                  <a:schemeClr val="tx1"/>
-                </a:solidFill>
-              </a:rPr>
-              <a:t>Since </a:t>
-            </a:r>
-            <a:r>
-              <a:rPr lang="en-US" altLang="en-US" sz="1800" b="1" dirty="0">
-                <a:solidFill>
-                  <a:schemeClr val="tx1"/>
-                </a:solidFill>
-              </a:rPr>
-              <a:t>p-value (0.3135) &gt; 0.05</a:t>
-            </a:r>
-            <a:r>
-              <a:rPr lang="en-US" altLang="en-US" sz="1800" dirty="0">
-                <a:solidFill>
-                  <a:schemeClr val="tx1"/>
-                </a:solidFill>
-              </a:rPr>
-              <a:t>, we </a:t>
-            </a:r>
-            <a:r>
-              <a:rPr lang="en-US" altLang="en-US" sz="1800" b="1" dirty="0">
-                <a:solidFill>
-                  <a:schemeClr val="tx1"/>
-                </a:solidFill>
-              </a:rPr>
-              <a:t>fail to reject the null hypothesis</a:t>
-            </a:r>
-            <a:r>
-              <a:rPr lang="en-US" altLang="en-US" sz="1800" dirty="0">
-                <a:solidFill>
-                  <a:schemeClr val="tx1"/>
-                </a:solidFill>
-              </a:rPr>
-              <a:t>.</a:t>
-            </a:r>
-            <a:br>
-              <a:rPr lang="en-US" altLang="en-US" sz="1800" dirty="0">
-                <a:solidFill>
-                  <a:schemeClr val="tx1"/>
-                </a:solidFill>
-              </a:rPr>
-            </a:br>
-            <a:r>
-              <a:rPr lang="en-US" altLang="en-US" sz="1800" dirty="0">
-                <a:solidFill>
-                  <a:schemeClr val="tx1"/>
-                </a:solidFill>
-              </a:rPr>
-              <a:t>This means there is </a:t>
-            </a:r>
-            <a:r>
-              <a:rPr lang="en-US" altLang="en-US" sz="1800" b="1" dirty="0">
-                <a:solidFill>
-                  <a:schemeClr val="tx1"/>
-                </a:solidFill>
-              </a:rPr>
-              <a:t>no significant difference</a:t>
-            </a:r>
-            <a:r>
-              <a:rPr lang="en-US" altLang="en-US" sz="1800" dirty="0">
-                <a:solidFill>
-                  <a:schemeClr val="tx1"/>
-                </a:solidFill>
-              </a:rPr>
-              <a:t> in market size distribution across the three promotional campaigns.</a:t>
-            </a:r>
-          </a:p>
-          <a:p>
-            <a:pPr algn="l" eaLnBrk="0" fontAlgn="base" hangingPunct="0">
-              <a:spcBef>
-                <a:spcPct val="0"/>
-              </a:spcBef>
-              <a:spcAft>
-                <a:spcPct val="0"/>
-              </a:spcAft>
-            </a:pPr>
-            <a:endParaRPr lang="en-US" altLang="en-US" sz="1800" b="1" dirty="0">
-              <a:solidFill>
-                <a:schemeClr val="tx1"/>
-              </a:solidFill>
-            </a:endParaRPr>
-          </a:p>
-          <a:p>
-            <a:pPr algn="l" eaLnBrk="0" fontAlgn="base" hangingPunct="0">
-              <a:spcBef>
-                <a:spcPct val="0"/>
-              </a:spcBef>
-              <a:spcAft>
-                <a:spcPct val="0"/>
-              </a:spcAft>
-            </a:pPr>
-            <a:r>
-              <a:rPr lang="en-US" altLang="en-US" sz="1800" b="1" dirty="0">
-                <a:solidFill>
-                  <a:schemeClr val="tx1"/>
-                </a:solidFill>
-              </a:rPr>
-              <a:t>Implication for Analysis:</a:t>
-            </a:r>
-          </a:p>
-          <a:p>
-            <a:pPr algn="l" eaLnBrk="0" fontAlgn="base" hangingPunct="0">
-              <a:spcBef>
-                <a:spcPct val="0"/>
-              </a:spcBef>
-              <a:spcAft>
-                <a:spcPct val="0"/>
-              </a:spcAft>
-              <a:buFontTx/>
-              <a:buChar char="•"/>
-            </a:pPr>
-            <a:r>
-              <a:rPr lang="en-US" altLang="en-US" sz="1800" dirty="0">
-                <a:solidFill>
-                  <a:schemeClr val="tx1"/>
-                </a:solidFill>
-              </a:rPr>
-              <a:t>Market size is </a:t>
-            </a:r>
-            <a:r>
-              <a:rPr lang="en-US" altLang="en-US" sz="1800" b="1" dirty="0">
-                <a:solidFill>
-                  <a:schemeClr val="tx1"/>
-                </a:solidFill>
-              </a:rPr>
-              <a:t>evenly distributed</a:t>
-            </a:r>
-            <a:r>
-              <a:rPr lang="en-US" altLang="en-US" sz="1800" dirty="0">
-                <a:solidFill>
-                  <a:schemeClr val="tx1"/>
-                </a:solidFill>
-              </a:rPr>
-              <a:t> among the promotional groups, meaning that any sales differences observed are likely due to the </a:t>
-            </a:r>
-            <a:r>
-              <a:rPr lang="en-US" altLang="en-US" sz="1800" b="1" dirty="0">
-                <a:solidFill>
-                  <a:schemeClr val="tx1"/>
-                </a:solidFill>
-              </a:rPr>
-              <a:t>promotion itself</a:t>
-            </a:r>
-            <a:r>
-              <a:rPr lang="en-US" altLang="en-US" sz="1800" dirty="0">
-                <a:solidFill>
-                  <a:schemeClr val="tx1"/>
-                </a:solidFill>
-              </a:rPr>
-              <a:t> rather than an imbalance in market size. </a:t>
-            </a:r>
-          </a:p>
-          <a:p>
-            <a:pPr algn="l" eaLnBrk="0" fontAlgn="base" hangingPunct="0">
-              <a:spcBef>
-                <a:spcPct val="0"/>
-              </a:spcBef>
-              <a:spcAft>
-                <a:spcPct val="0"/>
-              </a:spcAft>
-              <a:buFontTx/>
-              <a:buChar char="•"/>
-            </a:pPr>
-            <a:r>
-              <a:rPr lang="en-US" altLang="en-US" sz="1800" dirty="0">
-                <a:solidFill>
-                  <a:schemeClr val="tx1"/>
-                </a:solidFill>
-              </a:rPr>
-              <a:t>This ensures that the comparison of promotions remains </a:t>
-            </a:r>
-            <a:r>
-              <a:rPr lang="en-US" altLang="en-US" sz="1800" b="1" dirty="0">
-                <a:solidFill>
-                  <a:schemeClr val="tx1"/>
-                </a:solidFill>
-              </a:rPr>
-              <a:t>fair and unbiased</a:t>
-            </a:r>
-            <a:r>
-              <a:rPr lang="en-US" altLang="en-US" sz="1800" dirty="0">
-                <a:solidFill>
-                  <a:schemeClr val="tx1"/>
-                </a:solidFill>
-              </a:rPr>
-              <a:t>, supporting the validity of further statistical tests like ANOVA and OLS regression. </a:t>
-            </a:r>
-          </a:p>
-          <a:p>
-            <a:pPr algn="l" eaLnBrk="0" fontAlgn="base" hangingPunct="0">
-              <a:spcBef>
-                <a:spcPct val="0"/>
-              </a:spcBef>
-              <a:spcAft>
-                <a:spcPct val="0"/>
-              </a:spcAft>
-            </a:pPr>
-            <a:endParaRPr lang="en-US" altLang="en-US" sz="1800" dirty="0">
-              <a:solidFill>
-                <a:schemeClr val="tx1"/>
-              </a:solidFill>
-            </a:endParaRPr>
-          </a:p>
-        </p:txBody>
-      </p:sp>
-    </p:spTree>
-    <p:extLst>
-      <p:ext uri="{BB962C8B-B14F-4D97-AF65-F5344CB8AC3E}">
-        <p14:creationId xmlns:p14="http://schemas.microsoft.com/office/powerpoint/2010/main" val="2184574355"/>
-      </p:ext>
-    </p:extLst>
-  </p:cSld>
-  <p:clrMapOvr>
-    <a:masterClrMapping/>
-  </p:clrMapOvr>
-</p:sld>
-</file>
-
-<file path=ppt/slides/slide15.xml><?xml version="1.0" encoding="utf-8"?>
-<p:sld xmlns:a="http://schemas.openxmlformats.org/drawingml/2006/main" xmlns:r="http://schemas.openxmlformats.org/officeDocument/2006/relationships" xmlns:p="http://schemas.openxmlformats.org/presentationml/2006/main">
-  <p:cSld>
-    <p:spTree>
-      <p:nvGrpSpPr>
-        <p:cNvPr id="1" name=""/>
-        <p:cNvGrpSpPr/>
-        <p:nvPr/>
-      </p:nvGrpSpPr>
-      <p:grpSpPr>
-        <a:xfrm>
-          <a:off x="0" y="0"/>
-          <a:ext cx="0" cy="0"/>
-          <a:chOff x="0" y="0"/>
-          <a:chExt cx="0" cy="0"/>
-        </a:xfrm>
-      </p:grpSpPr>
-      <p:sp>
-        <p:nvSpPr>
-          <p:cNvPr id="5" name="Slide Number Placeholder 4">
-            <a:extLst>
-              <a:ext uri="{FF2B5EF4-FFF2-40B4-BE49-F238E27FC236}">
-                <a16:creationId xmlns:a16="http://schemas.microsoft.com/office/drawing/2014/main" id="{4261BE30-873D-B27A-BA66-3F32EF6FE0C4}"/>
-              </a:ext>
-            </a:extLst>
-          </p:cNvPr>
-          <p:cNvSpPr>
-            <a:spLocks noGrp="1"/>
-          </p:cNvSpPr>
-          <p:nvPr>
-            <p:ph type="sldNum" sz="quarter" idx="12"/>
-          </p:nvPr>
-        </p:nvSpPr>
-        <p:spPr/>
-        <p:txBody>
-          <a:bodyPr/>
-          <a:lstStyle/>
-          <a:p>
-            <a:fld id="{5E80619E-9ABD-4901-846B-9B030806AFDE}" type="slidenum">
-              <a:rPr lang="en-IN" smtClean="0"/>
-              <a:t>15</a:t>
             </a:fld>
             <a:endParaRPr lang="en-IN"/>
           </a:p>
@@ -6906,6 +6732,397 @@
 </p:sld>
 </file>
 
+<file path=ppt/slides/slide15.xml><?xml version="1.0" encoding="utf-8"?>
+<p:sld xmlns:a="http://schemas.openxmlformats.org/drawingml/2006/main" xmlns:r="http://schemas.openxmlformats.org/officeDocument/2006/relationships" xmlns:p="http://schemas.openxmlformats.org/presentationml/2006/main">
+  <p:cSld>
+    <p:spTree>
+      <p:nvGrpSpPr>
+        <p:cNvPr id="1" name=""/>
+        <p:cNvGrpSpPr/>
+        <p:nvPr/>
+      </p:nvGrpSpPr>
+      <p:grpSpPr>
+        <a:xfrm>
+          <a:off x="0" y="0"/>
+          <a:ext cx="0" cy="0"/>
+          <a:chOff x="0" y="0"/>
+          <a:chExt cx="0" cy="0"/>
+        </a:xfrm>
+      </p:grpSpPr>
+      <p:sp>
+        <p:nvSpPr>
+          <p:cNvPr id="5" name="Slide Number Placeholder 4">
+            <a:extLst>
+              <a:ext uri="{FF2B5EF4-FFF2-40B4-BE49-F238E27FC236}">
+                <a16:creationId xmlns:a16="http://schemas.microsoft.com/office/drawing/2014/main" id="{F724671E-2868-F41A-7A5A-01B8AB96288D}"/>
+              </a:ext>
+            </a:extLst>
+          </p:cNvPr>
+          <p:cNvSpPr>
+            <a:spLocks noGrp="1"/>
+          </p:cNvSpPr>
+          <p:nvPr>
+            <p:ph type="sldNum" sz="quarter" idx="12"/>
+          </p:nvPr>
+        </p:nvSpPr>
+        <p:spPr/>
+        <p:txBody>
+          <a:bodyPr/>
+          <a:lstStyle/>
+          <a:p>
+            <a:fld id="{5E80619E-9ABD-4901-846B-9B030806AFDE}" type="slidenum">
+              <a:rPr lang="en-IN" smtClean="0"/>
+              <a:t>15</a:t>
+            </a:fld>
+            <a:endParaRPr lang="en-IN"/>
+          </a:p>
+        </p:txBody>
+      </p:sp>
+      <p:sp>
+        <p:nvSpPr>
+          <p:cNvPr id="6" name="Title 16">
+            <a:extLst>
+              <a:ext uri="{FF2B5EF4-FFF2-40B4-BE49-F238E27FC236}">
+                <a16:creationId xmlns:a16="http://schemas.microsoft.com/office/drawing/2014/main" id="{5B2EB3A1-9081-BFE4-10F9-55D76073FB32}"/>
+              </a:ext>
+            </a:extLst>
+          </p:cNvPr>
+          <p:cNvSpPr>
+            <a:spLocks noGrp="1"/>
+          </p:cNvSpPr>
+          <p:nvPr>
+            <p:ph type="title"/>
+          </p:nvPr>
+        </p:nvSpPr>
+        <p:spPr>
+          <a:xfrm>
+            <a:off x="0" y="0"/>
+            <a:ext cx="10500111" cy="914400"/>
+          </a:xfrm>
+        </p:spPr>
+        <p:txBody>
+          <a:bodyPr/>
+          <a:lstStyle/>
+          <a:p>
+            <a:r>
+              <a:rPr lang="en-IN" u="sng" dirty="0"/>
+              <a:t>Key Findings from Analysis</a:t>
+            </a:r>
+            <a:endParaRPr lang="en-US" u="sng" dirty="0"/>
+          </a:p>
+        </p:txBody>
+      </p:sp>
+      <p:sp>
+        <p:nvSpPr>
+          <p:cNvPr id="7" name="Content Placeholder 2">
+            <a:extLst>
+              <a:ext uri="{FF2B5EF4-FFF2-40B4-BE49-F238E27FC236}">
+                <a16:creationId xmlns:a16="http://schemas.microsoft.com/office/drawing/2014/main" id="{CCF49E24-9C22-07A4-CA40-0321247D7539}"/>
+              </a:ext>
+            </a:extLst>
+          </p:cNvPr>
+          <p:cNvSpPr txBox="1">
+            <a:spLocks/>
+          </p:cNvSpPr>
+          <p:nvPr/>
+        </p:nvSpPr>
+        <p:spPr>
+          <a:xfrm>
+            <a:off x="139958" y="0"/>
+            <a:ext cx="10613385" cy="5779007"/>
+          </a:xfrm>
+          <a:prstGeom prst="rect">
+            <a:avLst/>
+          </a:prstGeom>
+        </p:spPr>
+        <p:txBody>
+          <a:bodyPr vert="horz" lIns="91440" tIns="45720" rIns="91440" bIns="45720" rtlCol="0" anchor="ctr">
+            <a:noAutofit/>
+          </a:bodyPr>
+          <a:lstStyle>
+            <a:defPPr>
+              <a:defRPr lang="en-US"/>
+            </a:defPPr>
+            <a:lvl1pPr marL="0" algn="r" defTabSz="914400" rtl="0" eaLnBrk="1" latinLnBrk="0" hangingPunct="1">
+              <a:defRPr sz="1200" kern="1200">
+                <a:solidFill>
+                  <a:schemeClr val="tx1">
+                    <a:tint val="75000"/>
+                  </a:schemeClr>
+                </a:solidFill>
+                <a:latin typeface="+mn-lt"/>
+                <a:ea typeface="+mn-ea"/>
+                <a:cs typeface="+mn-cs"/>
+              </a:defRPr>
+            </a:lvl1pPr>
+            <a:lvl2pPr marL="457200" algn="l" defTabSz="914400" rtl="0" eaLnBrk="1" latinLnBrk="0" hangingPunct="1">
+              <a:defRPr sz="1800" kern="1200">
+                <a:solidFill>
+                  <a:schemeClr val="tx1"/>
+                </a:solidFill>
+                <a:latin typeface="+mn-lt"/>
+                <a:ea typeface="+mn-ea"/>
+                <a:cs typeface="+mn-cs"/>
+              </a:defRPr>
+            </a:lvl2pPr>
+            <a:lvl3pPr marL="914400" algn="l" defTabSz="914400" rtl="0" eaLnBrk="1" latinLnBrk="0" hangingPunct="1">
+              <a:defRPr sz="1800" kern="1200">
+                <a:solidFill>
+                  <a:schemeClr val="tx1"/>
+                </a:solidFill>
+                <a:latin typeface="+mn-lt"/>
+                <a:ea typeface="+mn-ea"/>
+                <a:cs typeface="+mn-cs"/>
+              </a:defRPr>
+            </a:lvl3pPr>
+            <a:lvl4pPr marL="1371600" algn="l" defTabSz="914400" rtl="0" eaLnBrk="1" latinLnBrk="0" hangingPunct="1">
+              <a:defRPr sz="1800" kern="1200">
+                <a:solidFill>
+                  <a:schemeClr val="tx1"/>
+                </a:solidFill>
+                <a:latin typeface="+mn-lt"/>
+                <a:ea typeface="+mn-ea"/>
+                <a:cs typeface="+mn-cs"/>
+              </a:defRPr>
+            </a:lvl4pPr>
+            <a:lvl5pPr marL="1828800" algn="l" defTabSz="914400" rtl="0" eaLnBrk="1" latinLnBrk="0" hangingPunct="1">
+              <a:defRPr sz="1800" kern="1200">
+                <a:solidFill>
+                  <a:schemeClr val="tx1"/>
+                </a:solidFill>
+                <a:latin typeface="+mn-lt"/>
+                <a:ea typeface="+mn-ea"/>
+                <a:cs typeface="+mn-cs"/>
+              </a:defRPr>
+            </a:lvl5pPr>
+            <a:lvl6pPr marL="2286000" algn="l" defTabSz="914400" rtl="0" eaLnBrk="1" latinLnBrk="0" hangingPunct="1">
+              <a:defRPr sz="1800" kern="1200">
+                <a:solidFill>
+                  <a:schemeClr val="tx1"/>
+                </a:solidFill>
+                <a:latin typeface="+mn-lt"/>
+                <a:ea typeface="+mn-ea"/>
+                <a:cs typeface="+mn-cs"/>
+              </a:defRPr>
+            </a:lvl6pPr>
+            <a:lvl7pPr marL="2743200" algn="l" defTabSz="914400" rtl="0" eaLnBrk="1" latinLnBrk="0" hangingPunct="1">
+              <a:defRPr sz="1800" kern="1200">
+                <a:solidFill>
+                  <a:schemeClr val="tx1"/>
+                </a:solidFill>
+                <a:latin typeface="+mn-lt"/>
+                <a:ea typeface="+mn-ea"/>
+                <a:cs typeface="+mn-cs"/>
+              </a:defRPr>
+            </a:lvl7pPr>
+            <a:lvl8pPr marL="3200400" algn="l" defTabSz="914400" rtl="0" eaLnBrk="1" latinLnBrk="0" hangingPunct="1">
+              <a:defRPr sz="1800" kern="1200">
+                <a:solidFill>
+                  <a:schemeClr val="tx1"/>
+                </a:solidFill>
+                <a:latin typeface="+mn-lt"/>
+                <a:ea typeface="+mn-ea"/>
+                <a:cs typeface="+mn-cs"/>
+              </a:defRPr>
+            </a:lvl8pPr>
+            <a:lvl9pPr marL="3657600" algn="l" defTabSz="914400" rtl="0" eaLnBrk="1" latinLnBrk="0" hangingPunct="1">
+              <a:defRPr sz="1800" kern="1200">
+                <a:solidFill>
+                  <a:schemeClr val="tx1"/>
+                </a:solidFill>
+                <a:latin typeface="+mn-lt"/>
+                <a:ea typeface="+mn-ea"/>
+                <a:cs typeface="+mn-cs"/>
+              </a:defRPr>
+            </a:lvl9pPr>
+          </a:lstStyle>
+          <a:p>
+            <a:pPr algn="l">
+              <a:buFont typeface="+mj-lt"/>
+              <a:buAutoNum type="arabicPeriod"/>
+            </a:pPr>
+            <a:r>
+              <a:rPr lang="en-US" sz="2000" b="1" dirty="0">
+                <a:solidFill>
+                  <a:schemeClr val="tx1"/>
+                </a:solidFill>
+              </a:rPr>
+              <a:t>Promotion Effectiveness:</a:t>
+            </a:r>
+            <a:endParaRPr lang="en-US" sz="2000" dirty="0">
+              <a:solidFill>
+                <a:schemeClr val="tx1"/>
+              </a:solidFill>
+            </a:endParaRPr>
+          </a:p>
+          <a:p>
+            <a:pPr marL="742950" lvl="1" indent="-285750">
+              <a:buFont typeface="+mj-lt"/>
+              <a:buAutoNum type="arabicPeriod"/>
+            </a:pPr>
+            <a:r>
+              <a:rPr lang="en-US" b="1" dirty="0"/>
+              <a:t>Promotion 1 performs best.</a:t>
+            </a:r>
+            <a:endParaRPr lang="en-US" dirty="0"/>
+          </a:p>
+          <a:p>
+            <a:pPr marL="742950" lvl="1" indent="-285750">
+              <a:buFont typeface="+mj-lt"/>
+              <a:buAutoNum type="arabicPeriod"/>
+            </a:pPr>
+            <a:r>
+              <a:rPr lang="en-US" b="1" dirty="0"/>
+              <a:t>Promotion 2 significantly lowers sales.</a:t>
+            </a:r>
+            <a:endParaRPr lang="en-US" dirty="0"/>
+          </a:p>
+          <a:p>
+            <a:pPr marL="742950" lvl="1" indent="-285750">
+              <a:buFont typeface="+mj-lt"/>
+              <a:buAutoNum type="arabicPeriod"/>
+            </a:pPr>
+            <a:r>
+              <a:rPr lang="en-US" b="1" dirty="0"/>
+              <a:t>Promotion 3 has no significant effect.</a:t>
+            </a:r>
+            <a:endParaRPr lang="en-US" dirty="0"/>
+          </a:p>
+          <a:p>
+            <a:pPr algn="l">
+              <a:buFont typeface="+mj-lt"/>
+              <a:buAutoNum type="arabicPeriod"/>
+            </a:pPr>
+            <a:r>
+              <a:rPr lang="en-US" sz="2000" b="1" dirty="0">
+                <a:solidFill>
+                  <a:schemeClr val="tx1"/>
+                </a:solidFill>
+              </a:rPr>
+              <a:t>Market Size Influence:</a:t>
+            </a:r>
+            <a:endParaRPr lang="en-US" sz="2000" dirty="0">
+              <a:solidFill>
+                <a:schemeClr val="tx1"/>
+              </a:solidFill>
+            </a:endParaRPr>
+          </a:p>
+          <a:p>
+            <a:pPr marL="742950" lvl="1" indent="-285750">
+              <a:buFont typeface="+mj-lt"/>
+              <a:buAutoNum type="arabicPeriod"/>
+            </a:pPr>
+            <a:r>
+              <a:rPr lang="en-US" b="1" dirty="0"/>
+              <a:t>Larger markets drive higher sales.</a:t>
+            </a:r>
+            <a:endParaRPr lang="en-US" dirty="0"/>
+          </a:p>
+          <a:p>
+            <a:pPr marL="742950" lvl="1" indent="-285750">
+              <a:buFont typeface="+mj-lt"/>
+              <a:buAutoNum type="arabicPeriod"/>
+            </a:pPr>
+            <a:r>
+              <a:rPr lang="en-US" dirty="0"/>
+              <a:t>Medium and small markets also show a positive effect.</a:t>
+            </a:r>
+          </a:p>
+          <a:p>
+            <a:pPr algn="l">
+              <a:buFont typeface="+mj-lt"/>
+              <a:buAutoNum type="arabicPeriod"/>
+            </a:pPr>
+            <a:r>
+              <a:rPr lang="en-US" sz="2000" b="1" dirty="0">
+                <a:solidFill>
+                  <a:schemeClr val="tx1"/>
+                </a:solidFill>
+              </a:rPr>
+              <a:t>Store Age:</a:t>
+            </a:r>
+            <a:endParaRPr lang="en-US" sz="2000" dirty="0">
+              <a:solidFill>
+                <a:schemeClr val="tx1"/>
+              </a:solidFill>
+            </a:endParaRPr>
+          </a:p>
+          <a:p>
+            <a:pPr marL="742950" lvl="1" indent="-285750">
+              <a:buFont typeface="+mj-lt"/>
+              <a:buAutoNum type="arabicPeriod"/>
+            </a:pPr>
+            <a:r>
+              <a:rPr lang="en-US" b="1" dirty="0"/>
+              <a:t>Minimal effect on sales</a:t>
+            </a:r>
+            <a:r>
+              <a:rPr lang="en-US" dirty="0"/>
+              <a:t> → Older stores do not necessarily perform better.</a:t>
+            </a:r>
+          </a:p>
+          <a:p>
+            <a:pPr algn="l">
+              <a:buFont typeface="+mj-lt"/>
+              <a:buAutoNum type="arabicPeriod"/>
+            </a:pPr>
+            <a:r>
+              <a:rPr lang="en-US" sz="2000" b="1" dirty="0">
+                <a:solidFill>
+                  <a:schemeClr val="tx1"/>
+                </a:solidFill>
+              </a:rPr>
+              <a:t>Regression Insights:</a:t>
+            </a:r>
+            <a:endParaRPr lang="en-US" sz="2000" dirty="0">
+              <a:solidFill>
+                <a:schemeClr val="tx1"/>
+              </a:solidFill>
+            </a:endParaRPr>
+          </a:p>
+          <a:p>
+            <a:pPr marL="742950" lvl="1" indent="-285750">
+              <a:buFont typeface="+mj-lt"/>
+              <a:buAutoNum type="arabicPeriod"/>
+            </a:pPr>
+            <a:r>
+              <a:rPr lang="en-US" dirty="0"/>
+              <a:t>The model explains </a:t>
+            </a:r>
+            <a:r>
+              <a:rPr lang="en-US" b="1" dirty="0"/>
+              <a:t>58.2% of the variation in sales</a:t>
+            </a:r>
+            <a:r>
+              <a:rPr lang="en-US" dirty="0"/>
+              <a:t> (R² = 0.582).</a:t>
+            </a:r>
+          </a:p>
+          <a:p>
+            <a:pPr marL="742950" lvl="1" indent="-285750">
+              <a:buFont typeface="+mj-lt"/>
+              <a:buAutoNum type="arabicPeriod"/>
+            </a:pPr>
+            <a:r>
+              <a:rPr lang="en-US" dirty="0"/>
+              <a:t>Additional factors (seasonality, competitor actions) may improve predictive power.</a:t>
+            </a:r>
+          </a:p>
+        </p:txBody>
+      </p:sp>
+    </p:spTree>
+    <p:extLst>
+      <p:ext uri="{BB962C8B-B14F-4D97-AF65-F5344CB8AC3E}">
+        <p14:creationId xmlns:p14="http://schemas.microsoft.com/office/powerpoint/2010/main" val="3335650727"/>
+      </p:ext>
+    </p:extLst>
+  </p:cSld>
+  <p:clrMapOvr>
+    <a:masterClrMapping/>
+  </p:clrMapOvr>
+</p:sld>
+</file>
+
 <file path=ppt/slides/slide16.xml><?xml version="1.0" encoding="utf-8"?>
 <p:sld xmlns:a="http://schemas.openxmlformats.org/drawingml/2006/main" xmlns:r="http://schemas.openxmlformats.org/officeDocument/2006/relationships" xmlns:p="http://schemas.openxmlformats.org/presentationml/2006/main">
   <p:cSld>
@@ -6925,10 +7142,290 @@
       </p:grpSpPr>
       <p:sp>
         <p:nvSpPr>
+          <p:cNvPr id="2" name="Title 1">
+            <a:extLst>
+              <a:ext uri="{FF2B5EF4-FFF2-40B4-BE49-F238E27FC236}">
+                <a16:creationId xmlns:a16="http://schemas.microsoft.com/office/drawing/2014/main" id="{D299E5E6-F344-64F7-64C3-972A960028AB}"/>
+              </a:ext>
+            </a:extLst>
+          </p:cNvPr>
+          <p:cNvSpPr>
+            <a:spLocks noGrp="1"/>
+          </p:cNvSpPr>
+          <p:nvPr>
+            <p:ph type="title"/>
+          </p:nvPr>
+        </p:nvSpPr>
+        <p:spPr>
+          <a:xfrm>
+            <a:off x="106680" y="236132"/>
+            <a:ext cx="11378184" cy="581359"/>
+          </a:xfrm>
+        </p:spPr>
+        <p:txBody>
+          <a:bodyPr>
+            <a:normAutofit fontScale="90000"/>
+          </a:bodyPr>
+          <a:lstStyle/>
+          <a:p>
+            <a:r>
+              <a:rPr lang="en-US" dirty="0"/>
+              <a:t>Model Deployment: Sales Prediction Web App</a:t>
+            </a:r>
+            <a:endParaRPr lang="en-IN" dirty="0"/>
+          </a:p>
+        </p:txBody>
+      </p:sp>
+      <p:sp>
+        <p:nvSpPr>
+          <p:cNvPr id="3" name="Content Placeholder 2">
+            <a:extLst>
+              <a:ext uri="{FF2B5EF4-FFF2-40B4-BE49-F238E27FC236}">
+                <a16:creationId xmlns:a16="http://schemas.microsoft.com/office/drawing/2014/main" id="{3B9EB7FB-EA68-31AE-94BB-13384E621B38}"/>
+              </a:ext>
+            </a:extLst>
+          </p:cNvPr>
+          <p:cNvSpPr>
+            <a:spLocks noGrp="1"/>
+          </p:cNvSpPr>
+          <p:nvPr>
+            <p:ph idx="1"/>
+          </p:nvPr>
+        </p:nvSpPr>
+        <p:spPr>
+          <a:xfrm>
+            <a:off x="365760" y="1179576"/>
+            <a:ext cx="10860024" cy="5074920"/>
+          </a:xfrm>
+        </p:spPr>
+        <p:txBody>
+          <a:bodyPr>
+            <a:normAutofit fontScale="62500" lnSpcReduction="20000"/>
+          </a:bodyPr>
+          <a:lstStyle/>
+          <a:p>
+            <a:pPr>
+              <a:buNone/>
+            </a:pPr>
+            <a:r>
+              <a:rPr lang="en-US" dirty="0"/>
+              <a:t>To enable practical use of our analysis, we developed an </a:t>
+            </a:r>
+            <a:r>
+              <a:rPr lang="en-US" b="1" dirty="0"/>
+              <a:t>interactive web application</a:t>
+            </a:r>
+            <a:r>
+              <a:rPr lang="en-US" dirty="0"/>
+              <a:t> using </a:t>
+            </a:r>
+            <a:r>
+              <a:rPr lang="en-US" b="1" dirty="0" err="1"/>
+              <a:t>Streamlit</a:t>
+            </a:r>
+            <a:r>
+              <a:rPr lang="en-US" dirty="0"/>
+              <a:t>. This app allows users to input store-specific parameters and receive </a:t>
+            </a:r>
+            <a:r>
+              <a:rPr lang="en-US" b="1" dirty="0"/>
+              <a:t>real-time sales predictions</a:t>
+            </a:r>
+            <a:r>
+              <a:rPr lang="en-US" dirty="0"/>
+              <a:t>.</a:t>
+            </a:r>
+          </a:p>
+          <a:p>
+            <a:pPr>
+              <a:buNone/>
+            </a:pPr>
+            <a:r>
+              <a:rPr lang="en-US" b="1" dirty="0"/>
+              <a:t>🔧 Features:</a:t>
+            </a:r>
+          </a:p>
+          <a:p>
+            <a:pPr>
+              <a:buFont typeface="Arial" panose="020B0604020202020204" pitchFamily="34" charset="0"/>
+              <a:buChar char="•"/>
+            </a:pPr>
+            <a:r>
+              <a:rPr lang="en-US" b="1" dirty="0"/>
+              <a:t>Market Size</a:t>
+            </a:r>
+            <a:r>
+              <a:rPr lang="en-US" dirty="0"/>
+              <a:t>: Select from Small, Medium, or Large.</a:t>
+            </a:r>
+          </a:p>
+          <a:p>
+            <a:pPr>
+              <a:buFont typeface="Arial" panose="020B0604020202020204" pitchFamily="34" charset="0"/>
+              <a:buChar char="•"/>
+            </a:pPr>
+            <a:r>
+              <a:rPr lang="en-US" b="1" dirty="0"/>
+              <a:t>Promotion Level</a:t>
+            </a:r>
+            <a:r>
+              <a:rPr lang="en-US" dirty="0"/>
+              <a:t>: Input promotional effort (1 to 3).</a:t>
+            </a:r>
+          </a:p>
+          <a:p>
+            <a:pPr>
+              <a:buFont typeface="Arial" panose="020B0604020202020204" pitchFamily="34" charset="0"/>
+              <a:buChar char="•"/>
+            </a:pPr>
+            <a:r>
+              <a:rPr lang="en-US" b="1" dirty="0"/>
+              <a:t>Store Age</a:t>
+            </a:r>
+            <a:r>
+              <a:rPr lang="en-US" dirty="0"/>
+              <a:t>: Years since the store opened.</a:t>
+            </a:r>
+          </a:p>
+          <a:p>
+            <a:pPr>
+              <a:buFont typeface="Arial" panose="020B0604020202020204" pitchFamily="34" charset="0"/>
+              <a:buChar char="•"/>
+            </a:pPr>
+            <a:r>
+              <a:rPr lang="en-US" b="1" dirty="0"/>
+              <a:t>Week</a:t>
+            </a:r>
+            <a:r>
+              <a:rPr lang="en-US" dirty="0"/>
+              <a:t>: Choose the week for which prediction is needed.</a:t>
+            </a:r>
+          </a:p>
+          <a:p>
+            <a:pPr>
+              <a:buNone/>
+            </a:pPr>
+            <a:r>
+              <a:rPr lang="en-US" b="1" dirty="0"/>
+              <a:t>🎯 Purpose:</a:t>
+            </a:r>
+          </a:p>
+          <a:p>
+            <a:pPr>
+              <a:buNone/>
+            </a:pPr>
+            <a:r>
+              <a:rPr lang="en-US" dirty="0"/>
+              <a:t>This tool empowers decision-makers to:</a:t>
+            </a:r>
+          </a:p>
+          <a:p>
+            <a:pPr>
+              <a:buFont typeface="Arial" panose="020B0604020202020204" pitchFamily="34" charset="0"/>
+              <a:buChar char="•"/>
+            </a:pPr>
+            <a:r>
+              <a:rPr lang="en-US" dirty="0"/>
+              <a:t>Simulate outcomes of different promotional strategies.</a:t>
+            </a:r>
+          </a:p>
+          <a:p>
+            <a:pPr>
+              <a:buFont typeface="Arial" panose="020B0604020202020204" pitchFamily="34" charset="0"/>
+              <a:buChar char="•"/>
+            </a:pPr>
+            <a:r>
+              <a:rPr lang="en-US" dirty="0"/>
+              <a:t>Compare campaign effectiveness across varying market conditions.</a:t>
+            </a:r>
+          </a:p>
+          <a:p>
+            <a:pPr>
+              <a:buFont typeface="Arial" panose="020B0604020202020204" pitchFamily="34" charset="0"/>
+              <a:buChar char="•"/>
+            </a:pPr>
+            <a:r>
+              <a:rPr lang="en-US" dirty="0"/>
+              <a:t>Make data-driven marketing decisions based on predicted sales.</a:t>
+            </a:r>
+          </a:p>
+          <a:p>
+            <a:pPr>
+              <a:buNone/>
+            </a:pPr>
+            <a:r>
+              <a:rPr lang="en-US" dirty="0"/>
+              <a:t>👉 </a:t>
+            </a:r>
+            <a:r>
+              <a:rPr lang="en-US" b="1" dirty="0"/>
+              <a:t>Technologies Used</a:t>
+            </a:r>
+            <a:r>
+              <a:rPr lang="en-US" dirty="0"/>
+              <a:t>:</a:t>
+            </a:r>
+          </a:p>
+          <a:p>
+            <a:pPr>
+              <a:buFont typeface="Arial" panose="020B0604020202020204" pitchFamily="34" charset="0"/>
+              <a:buChar char="•"/>
+            </a:pPr>
+            <a:r>
+              <a:rPr lang="en-US" b="1" dirty="0" err="1"/>
+              <a:t>Streamlit</a:t>
+            </a:r>
+            <a:r>
+              <a:rPr lang="en-US" dirty="0"/>
+              <a:t> for front-end interface</a:t>
+            </a:r>
+          </a:p>
+          <a:p>
+            <a:pPr>
+              <a:buFont typeface="Arial" panose="020B0604020202020204" pitchFamily="34" charset="0"/>
+              <a:buChar char="•"/>
+            </a:pPr>
+            <a:r>
+              <a:rPr lang="en-US" b="1" dirty="0"/>
+              <a:t>Scikit-learn</a:t>
+            </a:r>
+            <a:r>
+              <a:rPr lang="en-US" dirty="0"/>
+              <a:t> for model inference</a:t>
+            </a:r>
+          </a:p>
+          <a:p>
+            <a:pPr>
+              <a:buFont typeface="Arial" panose="020B0604020202020204" pitchFamily="34" charset="0"/>
+              <a:buChar char="•"/>
+            </a:pPr>
+            <a:r>
+              <a:rPr lang="en-US" b="1" dirty="0"/>
+              <a:t>Pandas/</a:t>
+            </a:r>
+            <a:r>
+              <a:rPr lang="en-US" b="1" dirty="0" err="1"/>
+              <a:t>Numpy</a:t>
+            </a:r>
+            <a:r>
+              <a:rPr lang="en-US" dirty="0"/>
+              <a:t> for data processing</a:t>
+            </a:r>
+          </a:p>
+          <a:p>
+            <a:pPr marL="0" indent="0">
+              <a:buNone/>
+            </a:pPr>
+            <a:endParaRPr lang="en-IN" dirty="0"/>
+          </a:p>
+        </p:txBody>
+      </p:sp>
+      <p:sp>
+        <p:nvSpPr>
           <p:cNvPr id="5" name="Slide Number Placeholder 4">
             <a:extLst>
               <a:ext uri="{FF2B5EF4-FFF2-40B4-BE49-F238E27FC236}">
-                <a16:creationId xmlns:a16="http://schemas.microsoft.com/office/drawing/2014/main" id="{F724671E-2868-F41A-7A5A-01B8AB96288D}"/>
+                <a16:creationId xmlns:a16="http://schemas.microsoft.com/office/drawing/2014/main" id="{FC4BFFD7-9C06-DFE4-64F9-7C0EF1D003A9}"/>
               </a:ext>
             </a:extLst>
           </p:cNvPr>
@@ -6952,342 +7449,10 @@
           </a:p>
         </p:txBody>
       </p:sp>
-      <p:sp>
-        <p:nvSpPr>
-          <p:cNvPr id="6" name="Title 16">
-            <a:extLst>
-              <a:ext uri="{FF2B5EF4-FFF2-40B4-BE49-F238E27FC236}">
-                <a16:creationId xmlns:a16="http://schemas.microsoft.com/office/drawing/2014/main" id="{5B2EB3A1-9081-BFE4-10F9-55D76073FB32}"/>
-              </a:ext>
-            </a:extLst>
-          </p:cNvPr>
-          <p:cNvSpPr>
-            <a:spLocks noGrp="1"/>
-          </p:cNvSpPr>
-          <p:nvPr>
-            <p:ph type="title"/>
-          </p:nvPr>
-        </p:nvSpPr>
-        <p:spPr>
-          <a:xfrm>
-            <a:off x="0" y="0"/>
-            <a:ext cx="10500111" cy="914400"/>
-          </a:xfrm>
-        </p:spPr>
-        <p:txBody>
-          <a:bodyPr/>
-          <a:lstStyle/>
-          <a:p>
-            <a:r>
-              <a:rPr lang="en-IN" u="sng" dirty="0"/>
-              <a:t>Key Findings from Analysis</a:t>
-            </a:r>
-            <a:endParaRPr lang="en-US" u="sng" dirty="0"/>
-          </a:p>
-        </p:txBody>
-      </p:sp>
-      <p:sp>
-        <p:nvSpPr>
-          <p:cNvPr id="7" name="Content Placeholder 2">
-            <a:extLst>
-              <a:ext uri="{FF2B5EF4-FFF2-40B4-BE49-F238E27FC236}">
-                <a16:creationId xmlns:a16="http://schemas.microsoft.com/office/drawing/2014/main" id="{CCF49E24-9C22-07A4-CA40-0321247D7539}"/>
-              </a:ext>
-            </a:extLst>
-          </p:cNvPr>
-          <p:cNvSpPr txBox="1">
-            <a:spLocks/>
-          </p:cNvSpPr>
-          <p:nvPr/>
-        </p:nvSpPr>
-        <p:spPr>
-          <a:xfrm>
-            <a:off x="139958" y="0"/>
-            <a:ext cx="10613385" cy="5779007"/>
-          </a:xfrm>
-          <a:prstGeom prst="rect">
-            <a:avLst/>
-          </a:prstGeom>
-        </p:spPr>
-        <p:txBody>
-          <a:bodyPr vert="horz" lIns="91440" tIns="45720" rIns="91440" bIns="45720" rtlCol="0" anchor="ctr">
-            <a:noAutofit/>
-          </a:bodyPr>
-          <a:lstStyle>
-            <a:defPPr>
-              <a:defRPr lang="en-US"/>
-            </a:defPPr>
-            <a:lvl1pPr marL="0" algn="r" defTabSz="914400" rtl="0" eaLnBrk="1" latinLnBrk="0" hangingPunct="1">
-              <a:defRPr sz="1200" kern="1200">
-                <a:solidFill>
-                  <a:schemeClr val="tx1">
-                    <a:tint val="75000"/>
-                  </a:schemeClr>
-                </a:solidFill>
-                <a:latin typeface="+mn-lt"/>
-                <a:ea typeface="+mn-ea"/>
-                <a:cs typeface="+mn-cs"/>
-              </a:defRPr>
-            </a:lvl1pPr>
-            <a:lvl2pPr marL="457200" algn="l" defTabSz="914400" rtl="0" eaLnBrk="1" latinLnBrk="0" hangingPunct="1">
-              <a:defRPr sz="1800" kern="1200">
-                <a:solidFill>
-                  <a:schemeClr val="tx1"/>
-                </a:solidFill>
-                <a:latin typeface="+mn-lt"/>
-                <a:ea typeface="+mn-ea"/>
-                <a:cs typeface="+mn-cs"/>
-              </a:defRPr>
-            </a:lvl2pPr>
-            <a:lvl3pPr marL="914400" algn="l" defTabSz="914400" rtl="0" eaLnBrk="1" latinLnBrk="0" hangingPunct="1">
-              <a:defRPr sz="1800" kern="1200">
-                <a:solidFill>
-                  <a:schemeClr val="tx1"/>
-                </a:solidFill>
-                <a:latin typeface="+mn-lt"/>
-                <a:ea typeface="+mn-ea"/>
-                <a:cs typeface="+mn-cs"/>
-              </a:defRPr>
-            </a:lvl3pPr>
-            <a:lvl4pPr marL="1371600" algn="l" defTabSz="914400" rtl="0" eaLnBrk="1" latinLnBrk="0" hangingPunct="1">
-              <a:defRPr sz="1800" kern="1200">
-                <a:solidFill>
-                  <a:schemeClr val="tx1"/>
-                </a:solidFill>
-                <a:latin typeface="+mn-lt"/>
-                <a:ea typeface="+mn-ea"/>
-                <a:cs typeface="+mn-cs"/>
-              </a:defRPr>
-            </a:lvl4pPr>
-            <a:lvl5pPr marL="1828800" algn="l" defTabSz="914400" rtl="0" eaLnBrk="1" latinLnBrk="0" hangingPunct="1">
-              <a:defRPr sz="1800" kern="1200">
-                <a:solidFill>
-                  <a:schemeClr val="tx1"/>
-                </a:solidFill>
-                <a:latin typeface="+mn-lt"/>
-                <a:ea typeface="+mn-ea"/>
-                <a:cs typeface="+mn-cs"/>
-              </a:defRPr>
-            </a:lvl5pPr>
-            <a:lvl6pPr marL="2286000" algn="l" defTabSz="914400" rtl="0" eaLnBrk="1" latinLnBrk="0" hangingPunct="1">
-              <a:defRPr sz="1800" kern="1200">
-                <a:solidFill>
-                  <a:schemeClr val="tx1"/>
-                </a:solidFill>
-                <a:latin typeface="+mn-lt"/>
-                <a:ea typeface="+mn-ea"/>
-                <a:cs typeface="+mn-cs"/>
-              </a:defRPr>
-            </a:lvl6pPr>
-            <a:lvl7pPr marL="2743200" algn="l" defTabSz="914400" rtl="0" eaLnBrk="1" latinLnBrk="0" hangingPunct="1">
-              <a:defRPr sz="1800" kern="1200">
-                <a:solidFill>
-                  <a:schemeClr val="tx1"/>
-                </a:solidFill>
-                <a:latin typeface="+mn-lt"/>
-                <a:ea typeface="+mn-ea"/>
-                <a:cs typeface="+mn-cs"/>
-              </a:defRPr>
-            </a:lvl7pPr>
-            <a:lvl8pPr marL="3200400" algn="l" defTabSz="914400" rtl="0" eaLnBrk="1" latinLnBrk="0" hangingPunct="1">
-              <a:defRPr sz="1800" kern="1200">
-                <a:solidFill>
-                  <a:schemeClr val="tx1"/>
-                </a:solidFill>
-                <a:latin typeface="+mn-lt"/>
-                <a:ea typeface="+mn-ea"/>
-                <a:cs typeface="+mn-cs"/>
-              </a:defRPr>
-            </a:lvl8pPr>
-            <a:lvl9pPr marL="3657600" algn="l" defTabSz="914400" rtl="0" eaLnBrk="1" latinLnBrk="0" hangingPunct="1">
-              <a:defRPr sz="1800" kern="1200">
-                <a:solidFill>
-                  <a:schemeClr val="tx1"/>
-                </a:solidFill>
-                <a:latin typeface="+mn-lt"/>
-                <a:ea typeface="+mn-ea"/>
-                <a:cs typeface="+mn-cs"/>
-              </a:defRPr>
-            </a:lvl9pPr>
-          </a:lstStyle>
-          <a:p>
-            <a:pPr algn="l">
-              <a:buFont typeface="+mj-lt"/>
-              <a:buAutoNum type="arabicPeriod"/>
-            </a:pPr>
-            <a:r>
-              <a:rPr lang="en-US" sz="2000" b="1" dirty="0">
-                <a:solidFill>
-                  <a:schemeClr val="tx1"/>
-                </a:solidFill>
-              </a:rPr>
-              <a:t>Promotion Effectiveness:</a:t>
-            </a:r>
-            <a:endParaRPr lang="en-US" sz="2000" dirty="0">
-              <a:solidFill>
-                <a:schemeClr val="tx1"/>
-              </a:solidFill>
-            </a:endParaRPr>
-          </a:p>
-          <a:p>
-            <a:pPr marL="742950" lvl="1" indent="-285750">
-              <a:buFont typeface="+mj-lt"/>
-              <a:buAutoNum type="arabicPeriod"/>
-            </a:pPr>
-            <a:r>
-              <a:rPr lang="en-US" b="1" dirty="0"/>
-              <a:t>Promotion 1 performs best.</a:t>
-            </a:r>
-            <a:endParaRPr lang="en-US" dirty="0"/>
-          </a:p>
-          <a:p>
-            <a:pPr marL="742950" lvl="1" indent="-285750">
-              <a:buFont typeface="+mj-lt"/>
-              <a:buAutoNum type="arabicPeriod"/>
-            </a:pPr>
-            <a:r>
-              <a:rPr lang="en-US" b="1" dirty="0"/>
-              <a:t>Promotion 2 significantly lowers sales.</a:t>
-            </a:r>
-            <a:endParaRPr lang="en-US" dirty="0"/>
-          </a:p>
-          <a:p>
-            <a:pPr marL="742950" lvl="1" indent="-285750">
-              <a:buFont typeface="+mj-lt"/>
-              <a:buAutoNum type="arabicPeriod"/>
-            </a:pPr>
-            <a:r>
-              <a:rPr lang="en-US" b="1" dirty="0"/>
-              <a:t>Promotion 3 has no significant effect.</a:t>
-            </a:r>
-            <a:endParaRPr lang="en-US" dirty="0"/>
-          </a:p>
-          <a:p>
-            <a:pPr algn="l">
-              <a:buFont typeface="+mj-lt"/>
-              <a:buAutoNum type="arabicPeriod"/>
-            </a:pPr>
-            <a:r>
-              <a:rPr lang="en-US" sz="2000" b="1" dirty="0">
-                <a:solidFill>
-                  <a:schemeClr val="tx1"/>
-                </a:solidFill>
-              </a:rPr>
-              <a:t>Market Size Influence:</a:t>
-            </a:r>
-            <a:endParaRPr lang="en-US" sz="2000" dirty="0">
-              <a:solidFill>
-                <a:schemeClr val="tx1"/>
-              </a:solidFill>
-            </a:endParaRPr>
-          </a:p>
-          <a:p>
-            <a:pPr marL="742950" lvl="1" indent="-285750">
-              <a:buFont typeface="+mj-lt"/>
-              <a:buAutoNum type="arabicPeriod"/>
-            </a:pPr>
-            <a:r>
-              <a:rPr lang="en-US" b="1" dirty="0"/>
-              <a:t>Larger markets drive higher sales.</a:t>
-            </a:r>
-            <a:endParaRPr lang="en-US" dirty="0"/>
-          </a:p>
-          <a:p>
-            <a:pPr marL="742950" lvl="1" indent="-285750">
-              <a:buFont typeface="+mj-lt"/>
-              <a:buAutoNum type="arabicPeriod"/>
-            </a:pPr>
-            <a:r>
-              <a:rPr lang="en-US" dirty="0"/>
-              <a:t>Medium and small markets also show a positive effect.</a:t>
-            </a:r>
-          </a:p>
-          <a:p>
-            <a:pPr algn="l">
-              <a:buFont typeface="+mj-lt"/>
-              <a:buAutoNum type="arabicPeriod"/>
-            </a:pPr>
-            <a:r>
-              <a:rPr lang="en-US" sz="2000" b="1" dirty="0">
-                <a:solidFill>
-                  <a:schemeClr val="tx1"/>
-                </a:solidFill>
-              </a:rPr>
-              <a:t>Store Age:</a:t>
-            </a:r>
-            <a:endParaRPr lang="en-US" sz="2000" dirty="0">
-              <a:solidFill>
-                <a:schemeClr val="tx1"/>
-              </a:solidFill>
-            </a:endParaRPr>
-          </a:p>
-          <a:p>
-            <a:pPr marL="742950" lvl="1" indent="-285750">
-              <a:buFont typeface="+mj-lt"/>
-              <a:buAutoNum type="arabicPeriod"/>
-            </a:pPr>
-            <a:r>
-              <a:rPr lang="en-US" b="1" dirty="0"/>
-              <a:t>Minimal effect on sales</a:t>
-            </a:r>
-            <a:r>
-              <a:rPr lang="en-US" dirty="0"/>
-              <a:t> → Older stores do not necessarily perform better.</a:t>
-            </a:r>
-          </a:p>
-          <a:p>
-            <a:pPr algn="l">
-              <a:buFont typeface="+mj-lt"/>
-              <a:buAutoNum type="arabicPeriod"/>
-            </a:pPr>
-            <a:r>
-              <a:rPr lang="en-US" sz="2000" b="1" dirty="0">
-                <a:solidFill>
-                  <a:schemeClr val="tx1"/>
-                </a:solidFill>
-              </a:rPr>
-              <a:t>Regression Insights:</a:t>
-            </a:r>
-            <a:endParaRPr lang="en-US" sz="2000" dirty="0">
-              <a:solidFill>
-                <a:schemeClr val="tx1"/>
-              </a:solidFill>
-            </a:endParaRPr>
-          </a:p>
-          <a:p>
-            <a:pPr marL="742950" lvl="1" indent="-285750">
-              <a:buFont typeface="+mj-lt"/>
-              <a:buAutoNum type="arabicPeriod"/>
-            </a:pPr>
-            <a:r>
-              <a:rPr lang="en-US" dirty="0"/>
-              <a:t>The model explains </a:t>
-            </a:r>
-            <a:r>
-              <a:rPr lang="en-US" b="1" dirty="0"/>
-              <a:t>58.2% of the variation in sales</a:t>
-            </a:r>
-            <a:r>
-              <a:rPr lang="en-US" dirty="0"/>
-              <a:t> (R² = 0.582).</a:t>
-            </a:r>
-          </a:p>
-          <a:p>
-            <a:pPr marL="742950" lvl="1" indent="-285750">
-              <a:buFont typeface="+mj-lt"/>
-              <a:buAutoNum type="arabicPeriod"/>
-            </a:pPr>
-            <a:r>
-              <a:rPr lang="en-US" dirty="0"/>
-              <a:t>Additional factors (seasonality, competitor actions) may improve predictive power.</a:t>
-            </a:r>
-          </a:p>
-        </p:txBody>
-      </p:sp>
     </p:spTree>
     <p:extLst>
       <p:ext uri="{BB962C8B-B14F-4D97-AF65-F5344CB8AC3E}">
-        <p14:creationId xmlns:p14="http://schemas.microsoft.com/office/powerpoint/2010/main" val="3335650727"/>
+        <p14:creationId xmlns:p14="http://schemas.microsoft.com/office/powerpoint/2010/main" val="14418113"/>
       </p:ext>
     </p:extLst>
   </p:cSld>
@@ -7319,7 +7484,7 @@
           <p:cNvPr id="2" name="Title 1">
             <a:extLst>
               <a:ext uri="{FF2B5EF4-FFF2-40B4-BE49-F238E27FC236}">
-                <a16:creationId xmlns:a16="http://schemas.microsoft.com/office/drawing/2014/main" id="{D299E5E6-F344-64F7-64C3-972A960028AB}"/>
+                <a16:creationId xmlns:a16="http://schemas.microsoft.com/office/drawing/2014/main" id="{CC5D4F47-E9A5-9D21-F944-482380D17272}"/>
               </a:ext>
             </a:extLst>
           </p:cNvPr>
@@ -7332,8 +7497,8 @@
         </p:nvSpPr>
         <p:spPr>
           <a:xfrm>
-            <a:off x="106680" y="236132"/>
-            <a:ext cx="11378184" cy="581359"/>
+            <a:off x="143719" y="136525"/>
+            <a:ext cx="9147048" cy="558419"/>
           </a:xfrm>
         </p:spPr>
         <p:txBody>
@@ -7343,263 +7508,47 @@
           <a:lstStyle/>
           <a:p>
             <a:r>
-              <a:rPr lang="en-US" dirty="0"/>
-              <a:t>🛰️ Model Deployment: Sales Prediction Web App</a:t>
-            </a:r>
-            <a:endParaRPr lang="en-IN" dirty="0"/>
-          </a:p>
-        </p:txBody>
-      </p:sp>
-      <p:sp>
-        <p:nvSpPr>
-          <p:cNvPr id="3" name="Content Placeholder 2">
-            <a:extLst>
-              <a:ext uri="{FF2B5EF4-FFF2-40B4-BE49-F238E27FC236}">
-                <a16:creationId xmlns:a16="http://schemas.microsoft.com/office/drawing/2014/main" id="{3B9EB7FB-EA68-31AE-94BB-13384E621B38}"/>
-              </a:ext>
-            </a:extLst>
-          </p:cNvPr>
-          <p:cNvSpPr>
-            <a:spLocks noGrp="1"/>
-          </p:cNvSpPr>
+              <a:rPr lang="en-IN" dirty="0"/>
+              <a:t>Interface Preview:</a:t>
+            </a:r>
+          </a:p>
+        </p:txBody>
+      </p:sp>
+      <p:pic>
+        <p:nvPicPr>
+          <p:cNvPr id="7" name="Content Placeholder 6">
+            <a:extLst>
+              <a:ext uri="{FF2B5EF4-FFF2-40B4-BE49-F238E27FC236}">
+                <a16:creationId xmlns:a16="http://schemas.microsoft.com/office/drawing/2014/main" id="{D1198A24-2CFA-B67A-B473-CBB14CB126CE}"/>
+              </a:ext>
+            </a:extLst>
+          </p:cNvPr>
+          <p:cNvPicPr>
+            <a:picLocks noGrp="1" noChangeAspect="1"/>
+          </p:cNvPicPr>
           <p:nvPr>
             <p:ph idx="1"/>
           </p:nvPr>
-        </p:nvSpPr>
+        </p:nvPicPr>
+        <p:blipFill>
+          <a:blip r:embed="rId2"/>
+          <a:stretch>
+            <a:fillRect/>
+          </a:stretch>
+        </p:blipFill>
         <p:spPr>
           <a:xfrm>
-            <a:off x="365760" y="1179576"/>
-            <a:ext cx="10860024" cy="5074920"/>
+            <a:off x="1543368" y="1006034"/>
+            <a:ext cx="8650223" cy="5715441"/>
           </a:xfrm>
         </p:spPr>
-        <p:txBody>
-          <a:bodyPr>
-            <a:normAutofit fontScale="62500" lnSpcReduction="20000"/>
-          </a:bodyPr>
-          <a:lstStyle/>
-          <a:p>
-            <a:pPr>
-              <a:buNone/>
-            </a:pPr>
-            <a:r>
-              <a:rPr lang="en-US" dirty="0"/>
-              <a:t>To enable practical use of our analysis, we developed an </a:t>
-            </a:r>
-            <a:r>
-              <a:rPr lang="en-US" b="1" dirty="0"/>
-              <a:t>interactive web application</a:t>
-            </a:r>
-            <a:r>
-              <a:rPr lang="en-US" dirty="0"/>
-              <a:t> using </a:t>
-            </a:r>
-            <a:r>
-              <a:rPr lang="en-US" b="1" dirty="0" err="1"/>
-              <a:t>Streamlit</a:t>
-            </a:r>
-            <a:r>
-              <a:rPr lang="en-US" dirty="0"/>
-              <a:t>. This app allows users to input store-specific parameters and receive </a:t>
-            </a:r>
-            <a:r>
-              <a:rPr lang="en-US" b="1" dirty="0"/>
-              <a:t>real-time sales predictions</a:t>
-            </a:r>
-            <a:r>
-              <a:rPr lang="en-US" dirty="0"/>
-              <a:t>.</a:t>
-            </a:r>
-          </a:p>
-          <a:p>
-            <a:pPr>
-              <a:buNone/>
-            </a:pPr>
-            <a:r>
-              <a:rPr lang="en-US" b="1" dirty="0"/>
-              <a:t>🔧 Features:</a:t>
-            </a:r>
-          </a:p>
-          <a:p>
-            <a:pPr>
-              <a:buFont typeface="Arial" panose="020B0604020202020204" pitchFamily="34" charset="0"/>
-              <a:buChar char="•"/>
-            </a:pPr>
-            <a:r>
-              <a:rPr lang="en-US" b="1" dirty="0"/>
-              <a:t>Market Size</a:t>
-            </a:r>
-            <a:r>
-              <a:rPr lang="en-US" dirty="0"/>
-              <a:t>: Select from Small, Medium, or Large.</a:t>
-            </a:r>
-          </a:p>
-          <a:p>
-            <a:pPr>
-              <a:buFont typeface="Arial" panose="020B0604020202020204" pitchFamily="34" charset="0"/>
-              <a:buChar char="•"/>
-            </a:pPr>
-            <a:r>
-              <a:rPr lang="en-US" b="1" dirty="0"/>
-              <a:t>Promotion Level</a:t>
-            </a:r>
-            <a:r>
-              <a:rPr lang="en-US" dirty="0"/>
-              <a:t>: Input promotional effort (1 to 3).</a:t>
-            </a:r>
-          </a:p>
-          <a:p>
-            <a:pPr>
-              <a:buFont typeface="Arial" panose="020B0604020202020204" pitchFamily="34" charset="0"/>
-              <a:buChar char="•"/>
-            </a:pPr>
-            <a:r>
-              <a:rPr lang="en-US" b="1" dirty="0"/>
-              <a:t>Store Age</a:t>
-            </a:r>
-            <a:r>
-              <a:rPr lang="en-US" dirty="0"/>
-              <a:t>: Years since the store opened.</a:t>
-            </a:r>
-          </a:p>
-          <a:p>
-            <a:pPr>
-              <a:buFont typeface="Arial" panose="020B0604020202020204" pitchFamily="34" charset="0"/>
-              <a:buChar char="•"/>
-            </a:pPr>
-            <a:r>
-              <a:rPr lang="en-US" b="1" dirty="0"/>
-              <a:t>Week</a:t>
-            </a:r>
-            <a:r>
-              <a:rPr lang="en-US" dirty="0"/>
-              <a:t>: Choose the week for which prediction is needed.</a:t>
-            </a:r>
-          </a:p>
-          <a:p>
-            <a:pPr>
-              <a:buNone/>
-            </a:pPr>
-            <a:r>
-              <a:rPr lang="en-US" b="1" dirty="0"/>
-              <a:t>🎯 Purpose:</a:t>
-            </a:r>
-          </a:p>
-          <a:p>
-            <a:pPr>
-              <a:buNone/>
-            </a:pPr>
-            <a:r>
-              <a:rPr lang="en-US" dirty="0"/>
-              <a:t>This tool empowers decision-makers to:</a:t>
-            </a:r>
-          </a:p>
-          <a:p>
-            <a:pPr>
-              <a:buFont typeface="Arial" panose="020B0604020202020204" pitchFamily="34" charset="0"/>
-              <a:buChar char="•"/>
-            </a:pPr>
-            <a:r>
-              <a:rPr lang="en-US" dirty="0"/>
-              <a:t>Simulate outcomes of different promotional strategies.</a:t>
-            </a:r>
-          </a:p>
-          <a:p>
-            <a:pPr>
-              <a:buFont typeface="Arial" panose="020B0604020202020204" pitchFamily="34" charset="0"/>
-              <a:buChar char="•"/>
-            </a:pPr>
-            <a:r>
-              <a:rPr lang="en-US" dirty="0"/>
-              <a:t>Compare campaign effectiveness across varying market conditions.</a:t>
-            </a:r>
-          </a:p>
-          <a:p>
-            <a:pPr>
-              <a:buFont typeface="Arial" panose="020B0604020202020204" pitchFamily="34" charset="0"/>
-              <a:buChar char="•"/>
-            </a:pPr>
-            <a:r>
-              <a:rPr lang="en-US" dirty="0"/>
-              <a:t>Make data-driven marketing decisions based on predicted sales.</a:t>
-            </a:r>
-          </a:p>
-          <a:p>
-            <a:pPr>
-              <a:buNone/>
-            </a:pPr>
-            <a:r>
-              <a:rPr lang="en-US" dirty="0"/>
-              <a:t>👉 </a:t>
-            </a:r>
-            <a:r>
-              <a:rPr lang="en-US" b="1" dirty="0"/>
-              <a:t>Technologies Used</a:t>
-            </a:r>
-            <a:r>
-              <a:rPr lang="en-US" dirty="0"/>
-              <a:t>:</a:t>
-            </a:r>
-          </a:p>
-          <a:p>
-            <a:pPr>
-              <a:buFont typeface="Arial" panose="020B0604020202020204" pitchFamily="34" charset="0"/>
-              <a:buChar char="•"/>
-            </a:pPr>
-            <a:r>
-              <a:rPr lang="en-US" b="1" dirty="0" err="1"/>
-              <a:t>Streamlit</a:t>
-            </a:r>
-            <a:r>
-              <a:rPr lang="en-US" dirty="0"/>
-              <a:t> for front-end interface</a:t>
-            </a:r>
-          </a:p>
-          <a:p>
-            <a:pPr>
-              <a:buFont typeface="Arial" panose="020B0604020202020204" pitchFamily="34" charset="0"/>
-              <a:buChar char="•"/>
-            </a:pPr>
-            <a:r>
-              <a:rPr lang="en-US" b="1" dirty="0"/>
-              <a:t>Scikit-learn</a:t>
-            </a:r>
-            <a:r>
-              <a:rPr lang="en-US" dirty="0"/>
-              <a:t> for model inference</a:t>
-            </a:r>
-          </a:p>
-          <a:p>
-            <a:pPr>
-              <a:buFont typeface="Arial" panose="020B0604020202020204" pitchFamily="34" charset="0"/>
-              <a:buChar char="•"/>
-            </a:pPr>
-            <a:r>
-              <a:rPr lang="en-US" b="1" dirty="0"/>
-              <a:t>Pandas/</a:t>
-            </a:r>
-            <a:r>
-              <a:rPr lang="en-US" b="1" dirty="0" err="1"/>
-              <a:t>Numpy</a:t>
-            </a:r>
-            <a:r>
-              <a:rPr lang="en-US" dirty="0"/>
-              <a:t> for data processing</a:t>
-            </a:r>
-          </a:p>
-          <a:p>
-            <a:pPr marL="0" indent="0">
-              <a:buNone/>
-            </a:pPr>
-            <a:endParaRPr lang="en-IN" dirty="0"/>
-          </a:p>
-        </p:txBody>
-      </p:sp>
+      </p:pic>
       <p:sp>
         <p:nvSpPr>
           <p:cNvPr id="5" name="Slide Number Placeholder 4">
             <a:extLst>
               <a:ext uri="{FF2B5EF4-FFF2-40B4-BE49-F238E27FC236}">
-                <a16:creationId xmlns:a16="http://schemas.microsoft.com/office/drawing/2014/main" id="{FC4BFFD7-9C06-DFE4-64F9-7C0EF1D003A9}"/>
+                <a16:creationId xmlns:a16="http://schemas.microsoft.com/office/drawing/2014/main" id="{3AB373F4-C2BB-103C-5F66-BBEABA62F216}"/>
               </a:ext>
             </a:extLst>
           </p:cNvPr>
@@ -7626,7 +7575,7 @@
     </p:spTree>
     <p:extLst>
       <p:ext uri="{BB962C8B-B14F-4D97-AF65-F5344CB8AC3E}">
-        <p14:creationId xmlns:p14="http://schemas.microsoft.com/office/powerpoint/2010/main" val="14418113"/>
+        <p14:creationId xmlns:p14="http://schemas.microsoft.com/office/powerpoint/2010/main" val="2231404096"/>
       </p:ext>
     </p:extLst>
   </p:cSld>
@@ -7655,10 +7604,39 @@
       </p:grpSpPr>
       <p:sp>
         <p:nvSpPr>
-          <p:cNvPr id="2" name="Title 1">
-            <a:extLst>
-              <a:ext uri="{FF2B5EF4-FFF2-40B4-BE49-F238E27FC236}">
-                <a16:creationId xmlns:a16="http://schemas.microsoft.com/office/drawing/2014/main" id="{CC5D4F47-E9A5-9D21-F944-482380D17272}"/>
+          <p:cNvPr id="5" name="Slide Number Placeholder 4">
+            <a:extLst>
+              <a:ext uri="{FF2B5EF4-FFF2-40B4-BE49-F238E27FC236}">
+                <a16:creationId xmlns:a16="http://schemas.microsoft.com/office/drawing/2014/main" id="{9779E104-F900-1044-B42E-F3FFEE27855B}"/>
+              </a:ext>
+            </a:extLst>
+          </p:cNvPr>
+          <p:cNvSpPr>
+            <a:spLocks noGrp="1"/>
+          </p:cNvSpPr>
+          <p:nvPr>
+            <p:ph type="sldNum" sz="quarter" idx="12"/>
+          </p:nvPr>
+        </p:nvSpPr>
+        <p:spPr/>
+        <p:txBody>
+          <a:bodyPr/>
+          <a:lstStyle/>
+          <a:p>
+            <a:fld id="{5E80619E-9ABD-4901-846B-9B030806AFDE}" type="slidenum">
+              <a:rPr lang="en-IN" smtClean="0"/>
+              <a:t>18</a:t>
+            </a:fld>
+            <a:endParaRPr lang="en-IN"/>
+          </a:p>
+        </p:txBody>
+      </p:sp>
+      <p:sp>
+        <p:nvSpPr>
+          <p:cNvPr id="6" name="Title 8">
+            <a:extLst>
+              <a:ext uri="{FF2B5EF4-FFF2-40B4-BE49-F238E27FC236}">
+                <a16:creationId xmlns:a16="http://schemas.microsoft.com/office/drawing/2014/main" id="{95010354-1F6B-DD13-05D4-D6CD65BEA24B}"/>
               </a:ext>
             </a:extLst>
           </p:cNvPr>
@@ -7671,85 +7649,806 @@
         </p:nvSpPr>
         <p:spPr>
           <a:xfrm>
-            <a:off x="838200" y="365125"/>
-            <a:ext cx="9147048" cy="558419"/>
+            <a:off x="0" y="0"/>
+            <a:ext cx="10360152" cy="914400"/>
           </a:xfrm>
         </p:spPr>
         <p:txBody>
-          <a:bodyPr>
-            <a:normAutofit fontScale="90000"/>
-          </a:bodyPr>
+          <a:bodyPr/>
           <a:lstStyle/>
           <a:p>
             <a:r>
-              <a:rPr lang="en-IN" dirty="0"/>
-              <a:t>🖼️ Interface Preview:</a:t>
-            </a:r>
-          </a:p>
-        </p:txBody>
-      </p:sp>
-      <p:pic>
-        <p:nvPicPr>
-          <p:cNvPr id="7" name="Content Placeholder 6">
-            <a:extLst>
-              <a:ext uri="{FF2B5EF4-FFF2-40B4-BE49-F238E27FC236}">
-                <a16:creationId xmlns:a16="http://schemas.microsoft.com/office/drawing/2014/main" id="{D1198A24-2CFA-B67A-B473-CBB14CB126CE}"/>
-              </a:ext>
-            </a:extLst>
-          </p:cNvPr>
-          <p:cNvPicPr>
-            <a:picLocks noGrp="1" noChangeAspect="1"/>
-          </p:cNvPicPr>
-          <p:nvPr>
-            <p:ph idx="1"/>
-          </p:nvPr>
-        </p:nvPicPr>
-        <p:blipFill>
-          <a:blip r:embed="rId2"/>
-          <a:stretch>
-            <a:fillRect/>
-          </a:stretch>
-        </p:blipFill>
+              <a:rPr lang="en-IN" u="sng" dirty="0"/>
+              <a:t>Conclusion</a:t>
+            </a:r>
+            <a:endParaRPr lang="en-US" u="sng" dirty="0"/>
+          </a:p>
+        </p:txBody>
+      </p:sp>
+      <p:sp>
+        <p:nvSpPr>
+          <p:cNvPr id="7" name="Slide Number Placeholder 3">
+            <a:extLst>
+              <a:ext uri="{FF2B5EF4-FFF2-40B4-BE49-F238E27FC236}">
+                <a16:creationId xmlns:a16="http://schemas.microsoft.com/office/drawing/2014/main" id="{DCC47D2B-6572-EF79-26AE-C93AB813C717}"/>
+              </a:ext>
+            </a:extLst>
+          </p:cNvPr>
+          <p:cNvSpPr txBox="1">
+            <a:spLocks/>
+          </p:cNvSpPr>
+          <p:nvPr/>
+        </p:nvSpPr>
         <p:spPr>
           <a:xfrm>
-            <a:off x="1335025" y="1006034"/>
-            <a:ext cx="8650223" cy="5715441"/>
+            <a:off x="11353800" y="5879804"/>
+            <a:ext cx="661416" cy="895899"/>
           </a:xfrm>
+          <a:prstGeom prst="rect">
+            <a:avLst/>
+          </a:prstGeom>
         </p:spPr>
-      </p:pic>
-      <p:sp>
-        <p:nvSpPr>
-          <p:cNvPr id="5" name="Slide Number Placeholder 4">
-            <a:extLst>
-              <a:ext uri="{FF2B5EF4-FFF2-40B4-BE49-F238E27FC236}">
-                <a16:creationId xmlns:a16="http://schemas.microsoft.com/office/drawing/2014/main" id="{3AB373F4-C2BB-103C-5F66-BBEABA62F216}"/>
-              </a:ext>
-            </a:extLst>
-          </p:cNvPr>
-          <p:cNvSpPr>
-            <a:spLocks noGrp="1"/>
-          </p:cNvSpPr>
-          <p:nvPr>
-            <p:ph type="sldNum" sz="quarter" idx="12"/>
-          </p:nvPr>
-        </p:nvSpPr>
-        <p:spPr/>
         <p:txBody>
           <a:bodyPr/>
-          <a:lstStyle/>
-          <a:p>
-            <a:fld id="{5E80619E-9ABD-4901-846B-9B030806AFDE}" type="slidenum">
-              <a:rPr lang="en-IN" smtClean="0"/>
+          <a:lstStyle>
+            <a:defPPr>
+              <a:defRPr lang="en-US"/>
+            </a:defPPr>
+            <a:lvl1pPr marL="0" algn="l" defTabSz="914400" rtl="0" eaLnBrk="1" latinLnBrk="0" hangingPunct="1">
+              <a:defRPr sz="1800" kern="1200">
+                <a:solidFill>
+                  <a:schemeClr val="tx1"/>
+                </a:solidFill>
+                <a:latin typeface="+mn-lt"/>
+                <a:ea typeface="+mn-ea"/>
+                <a:cs typeface="+mn-cs"/>
+              </a:defRPr>
+            </a:lvl1pPr>
+            <a:lvl2pPr marL="457200" algn="l" defTabSz="914400" rtl="0" eaLnBrk="1" latinLnBrk="0" hangingPunct="1">
+              <a:defRPr sz="1800" kern="1200">
+                <a:solidFill>
+                  <a:schemeClr val="tx1"/>
+                </a:solidFill>
+                <a:latin typeface="+mn-lt"/>
+                <a:ea typeface="+mn-ea"/>
+                <a:cs typeface="+mn-cs"/>
+              </a:defRPr>
+            </a:lvl2pPr>
+            <a:lvl3pPr marL="914400" algn="l" defTabSz="914400" rtl="0" eaLnBrk="1" latinLnBrk="0" hangingPunct="1">
+              <a:defRPr sz="1800" kern="1200">
+                <a:solidFill>
+                  <a:schemeClr val="tx1"/>
+                </a:solidFill>
+                <a:latin typeface="+mn-lt"/>
+                <a:ea typeface="+mn-ea"/>
+                <a:cs typeface="+mn-cs"/>
+              </a:defRPr>
+            </a:lvl3pPr>
+            <a:lvl4pPr marL="1371600" algn="l" defTabSz="914400" rtl="0" eaLnBrk="1" latinLnBrk="0" hangingPunct="1">
+              <a:defRPr sz="1800" kern="1200">
+                <a:solidFill>
+                  <a:schemeClr val="tx1"/>
+                </a:solidFill>
+                <a:latin typeface="+mn-lt"/>
+                <a:ea typeface="+mn-ea"/>
+                <a:cs typeface="+mn-cs"/>
+              </a:defRPr>
+            </a:lvl4pPr>
+            <a:lvl5pPr marL="1828800" algn="l" defTabSz="914400" rtl="0" eaLnBrk="1" latinLnBrk="0" hangingPunct="1">
+              <a:defRPr sz="1800" kern="1200">
+                <a:solidFill>
+                  <a:schemeClr val="tx1"/>
+                </a:solidFill>
+                <a:latin typeface="+mn-lt"/>
+                <a:ea typeface="+mn-ea"/>
+                <a:cs typeface="+mn-cs"/>
+              </a:defRPr>
+            </a:lvl5pPr>
+            <a:lvl6pPr marL="2286000" algn="l" defTabSz="914400" rtl="0" eaLnBrk="1" latinLnBrk="0" hangingPunct="1">
+              <a:defRPr sz="1800" kern="1200">
+                <a:solidFill>
+                  <a:schemeClr val="tx1"/>
+                </a:solidFill>
+                <a:latin typeface="+mn-lt"/>
+                <a:ea typeface="+mn-ea"/>
+                <a:cs typeface="+mn-cs"/>
+              </a:defRPr>
+            </a:lvl6pPr>
+            <a:lvl7pPr marL="2743200" algn="l" defTabSz="914400" rtl="0" eaLnBrk="1" latinLnBrk="0" hangingPunct="1">
+              <a:defRPr sz="1800" kern="1200">
+                <a:solidFill>
+                  <a:schemeClr val="tx1"/>
+                </a:solidFill>
+                <a:latin typeface="+mn-lt"/>
+                <a:ea typeface="+mn-ea"/>
+                <a:cs typeface="+mn-cs"/>
+              </a:defRPr>
+            </a:lvl7pPr>
+            <a:lvl8pPr marL="3200400" algn="l" defTabSz="914400" rtl="0" eaLnBrk="1" latinLnBrk="0" hangingPunct="1">
+              <a:defRPr sz="1800" kern="1200">
+                <a:solidFill>
+                  <a:schemeClr val="tx1"/>
+                </a:solidFill>
+                <a:latin typeface="+mn-lt"/>
+                <a:ea typeface="+mn-ea"/>
+                <a:cs typeface="+mn-cs"/>
+              </a:defRPr>
+            </a:lvl8pPr>
+            <a:lvl9pPr marL="3657600" algn="l" defTabSz="914400" rtl="0" eaLnBrk="1" latinLnBrk="0" hangingPunct="1">
+              <a:defRPr sz="1800" kern="1200">
+                <a:solidFill>
+                  <a:schemeClr val="tx1"/>
+                </a:solidFill>
+                <a:latin typeface="+mn-lt"/>
+                <a:ea typeface="+mn-ea"/>
+                <a:cs typeface="+mn-cs"/>
+              </a:defRPr>
+            </a:lvl9pPr>
+          </a:lstStyle>
+          <a:p>
+            <a:fld id="{58FB4751-880F-D840-AAA9-3A15815CC996}" type="slidenum">
+              <a:rPr lang="en-US" smtClean="0"/>
+              <a:pPr/>
               <a:t>18</a:t>
             </a:fld>
-            <a:endParaRPr lang="en-IN"/>
+            <a:endParaRPr lang="en-US" dirty="0"/>
+          </a:p>
+        </p:txBody>
+      </p:sp>
+      <p:sp>
+        <p:nvSpPr>
+          <p:cNvPr id="8" name="Rectangle 2">
+            <a:extLst>
+              <a:ext uri="{FF2B5EF4-FFF2-40B4-BE49-F238E27FC236}">
+                <a16:creationId xmlns:a16="http://schemas.microsoft.com/office/drawing/2014/main" id="{92E8A5E6-3C6B-8AA2-9ACD-2584302B2B88}"/>
+              </a:ext>
+            </a:extLst>
+          </p:cNvPr>
+          <p:cNvSpPr txBox="1">
+            <a:spLocks noChangeArrowheads="1"/>
+          </p:cNvSpPr>
+          <p:nvPr/>
+        </p:nvSpPr>
+        <p:spPr bwMode="auto">
+          <a:xfrm>
+            <a:off x="581611" y="940054"/>
+            <a:ext cx="6872848" cy="1200329"/>
+          </a:xfrm>
+          <a:prstGeom prst="rect">
+            <a:avLst/>
+          </a:prstGeom>
+          <a:noFill/>
+          <a:ln>
+            <a:noFill/>
+          </a:ln>
+          <a:effectLst/>
+          <a:extLst>
+            <a:ext uri="{909E8E84-426E-40DD-AFC4-6F175D3DCCD1}">
+              <a14:hiddenFill xmlns:a14="http://schemas.microsoft.com/office/drawing/2010/main">
+                <a:solidFill>
+                  <a:schemeClr val="accent1"/>
+                </a:solidFill>
+              </a14:hiddenFill>
+            </a:ext>
+            <a:ext uri="{91240B29-F687-4F45-9708-019B960494DF}">
+              <a14:hiddenLine xmlns:a14="http://schemas.microsoft.com/office/drawing/2010/main" w="9525">
+                <a:solidFill>
+                  <a:schemeClr val="tx1"/>
+                </a:solidFill>
+                <a:miter lim="800000"/>
+                <a:headEnd/>
+                <a:tailEnd/>
+              </a14:hiddenLine>
+            </a:ext>
+            <a:ext uri="{AF507438-7753-43E0-B8FC-AC1667EBCBE1}">
+              <a14:hiddenEffects xmlns:a14="http://schemas.microsoft.com/office/drawing/2010/main">
+                <a:effectLst>
+                  <a:outerShdw dist="35921" dir="2700000" algn="ctr" rotWithShape="0">
+                    <a:schemeClr val="bg2"/>
+                  </a:outerShdw>
+                </a:effectLst>
+              </a14:hiddenEffects>
+            </a:ext>
+          </a:extLst>
+        </p:spPr>
+        <p:txBody>
+          <a:bodyPr vert="horz" wrap="square" lIns="91440" tIns="45720" rIns="91440" bIns="45720" numCol="1" anchor="ctr" anchorCtr="0" compatLnSpc="1">
+            <a:prstTxWarp prst="textNoShape">
+              <a:avLst/>
+            </a:prstTxWarp>
+            <a:spAutoFit/>
+          </a:bodyPr>
+          <a:lstStyle>
+            <a:lvl1pPr marL="228600" indent="-228600" algn="l" defTabSz="914400" rtl="0" eaLnBrk="1" latinLnBrk="0" hangingPunct="1">
+              <a:lnSpc>
+                <a:spcPct val="90000"/>
+              </a:lnSpc>
+              <a:spcBef>
+                <a:spcPts val="1000"/>
+              </a:spcBef>
+              <a:buFont typeface="Arial" panose="020B0604020202020204" pitchFamily="34" charset="0"/>
+              <a:buChar char="•"/>
+              <a:defRPr sz="2800" kern="1200">
+                <a:solidFill>
+                  <a:schemeClr val="tx1"/>
+                </a:solidFill>
+                <a:latin typeface="+mn-lt"/>
+                <a:ea typeface="+mn-ea"/>
+                <a:cs typeface="+mn-cs"/>
+              </a:defRPr>
+            </a:lvl1pPr>
+            <a:lvl2pPr marL="685800" indent="-228600" algn="l" defTabSz="914400" rtl="0" eaLnBrk="1" latinLnBrk="0" hangingPunct="1">
+              <a:lnSpc>
+                <a:spcPct val="90000"/>
+              </a:lnSpc>
+              <a:spcBef>
+                <a:spcPts val="500"/>
+              </a:spcBef>
+              <a:buFont typeface="Arial" panose="020B0604020202020204" pitchFamily="34" charset="0"/>
+              <a:buChar char="•"/>
+              <a:defRPr sz="2400" kern="1200">
+                <a:solidFill>
+                  <a:schemeClr val="tx1"/>
+                </a:solidFill>
+                <a:latin typeface="+mn-lt"/>
+                <a:ea typeface="+mn-ea"/>
+                <a:cs typeface="+mn-cs"/>
+              </a:defRPr>
+            </a:lvl2pPr>
+            <a:lvl3pPr marL="1143000" indent="-228600" algn="l" defTabSz="914400" rtl="0" eaLnBrk="1" latinLnBrk="0" hangingPunct="1">
+              <a:lnSpc>
+                <a:spcPct val="90000"/>
+              </a:lnSpc>
+              <a:spcBef>
+                <a:spcPts val="500"/>
+              </a:spcBef>
+              <a:buFont typeface="Arial" panose="020B0604020202020204" pitchFamily="34" charset="0"/>
+              <a:buChar char="•"/>
+              <a:defRPr sz="2000" kern="1200">
+                <a:solidFill>
+                  <a:schemeClr val="tx1"/>
+                </a:solidFill>
+                <a:latin typeface="+mn-lt"/>
+                <a:ea typeface="+mn-ea"/>
+                <a:cs typeface="+mn-cs"/>
+              </a:defRPr>
+            </a:lvl3pPr>
+            <a:lvl4pPr marL="1600200" indent="-228600" algn="l" defTabSz="914400" rtl="0" eaLnBrk="1" latinLnBrk="0" hangingPunct="1">
+              <a:lnSpc>
+                <a:spcPct val="90000"/>
+              </a:lnSpc>
+              <a:spcBef>
+                <a:spcPts val="500"/>
+              </a:spcBef>
+              <a:buFont typeface="Arial" panose="020B0604020202020204" pitchFamily="34" charset="0"/>
+              <a:buChar char="•"/>
+              <a:defRPr sz="1800" kern="1200">
+                <a:solidFill>
+                  <a:schemeClr val="tx1"/>
+                </a:solidFill>
+                <a:latin typeface="+mn-lt"/>
+                <a:ea typeface="+mn-ea"/>
+                <a:cs typeface="+mn-cs"/>
+              </a:defRPr>
+            </a:lvl4pPr>
+            <a:lvl5pPr marL="2057400" indent="-228600" algn="l" defTabSz="914400" rtl="0" eaLnBrk="1" latinLnBrk="0" hangingPunct="1">
+              <a:lnSpc>
+                <a:spcPct val="90000"/>
+              </a:lnSpc>
+              <a:spcBef>
+                <a:spcPts val="500"/>
+              </a:spcBef>
+              <a:buFont typeface="Arial" panose="020B0604020202020204" pitchFamily="34" charset="0"/>
+              <a:buChar char="•"/>
+              <a:defRPr sz="1800" kern="1200">
+                <a:solidFill>
+                  <a:schemeClr val="tx1"/>
+                </a:solidFill>
+                <a:latin typeface="+mn-lt"/>
+                <a:ea typeface="+mn-ea"/>
+                <a:cs typeface="+mn-cs"/>
+              </a:defRPr>
+            </a:lvl5pPr>
+            <a:lvl6pPr marL="2514600" indent="-228600" algn="l" defTabSz="914400" rtl="0" eaLnBrk="1" latinLnBrk="0" hangingPunct="1">
+              <a:lnSpc>
+                <a:spcPct val="90000"/>
+              </a:lnSpc>
+              <a:spcBef>
+                <a:spcPts val="500"/>
+              </a:spcBef>
+              <a:buFont typeface="Arial" panose="020B0604020202020204" pitchFamily="34" charset="0"/>
+              <a:buChar char="•"/>
+              <a:defRPr sz="1800" kern="1200">
+                <a:solidFill>
+                  <a:schemeClr val="tx1"/>
+                </a:solidFill>
+                <a:latin typeface="+mn-lt"/>
+                <a:ea typeface="+mn-ea"/>
+                <a:cs typeface="+mn-cs"/>
+              </a:defRPr>
+            </a:lvl6pPr>
+            <a:lvl7pPr marL="2971800" indent="-228600" algn="l" defTabSz="914400" rtl="0" eaLnBrk="1" latinLnBrk="0" hangingPunct="1">
+              <a:lnSpc>
+                <a:spcPct val="90000"/>
+              </a:lnSpc>
+              <a:spcBef>
+                <a:spcPts val="500"/>
+              </a:spcBef>
+              <a:buFont typeface="Arial" panose="020B0604020202020204" pitchFamily="34" charset="0"/>
+              <a:buChar char="•"/>
+              <a:defRPr sz="1800" kern="1200">
+                <a:solidFill>
+                  <a:schemeClr val="tx1"/>
+                </a:solidFill>
+                <a:latin typeface="+mn-lt"/>
+                <a:ea typeface="+mn-ea"/>
+                <a:cs typeface="+mn-cs"/>
+              </a:defRPr>
+            </a:lvl7pPr>
+            <a:lvl8pPr marL="3429000" indent="-228600" algn="l" defTabSz="914400" rtl="0" eaLnBrk="1" latinLnBrk="0" hangingPunct="1">
+              <a:lnSpc>
+                <a:spcPct val="90000"/>
+              </a:lnSpc>
+              <a:spcBef>
+                <a:spcPts val="500"/>
+              </a:spcBef>
+              <a:buFont typeface="Arial" panose="020B0604020202020204" pitchFamily="34" charset="0"/>
+              <a:buChar char="•"/>
+              <a:defRPr sz="1800" kern="1200">
+                <a:solidFill>
+                  <a:schemeClr val="tx1"/>
+                </a:solidFill>
+                <a:latin typeface="+mn-lt"/>
+                <a:ea typeface="+mn-ea"/>
+                <a:cs typeface="+mn-cs"/>
+              </a:defRPr>
+            </a:lvl8pPr>
+            <a:lvl9pPr marL="3886200" indent="-228600" algn="l" defTabSz="914400" rtl="0" eaLnBrk="1" latinLnBrk="0" hangingPunct="1">
+              <a:lnSpc>
+                <a:spcPct val="90000"/>
+              </a:lnSpc>
+              <a:spcBef>
+                <a:spcPts val="500"/>
+              </a:spcBef>
+              <a:buFont typeface="Arial" panose="020B0604020202020204" pitchFamily="34" charset="0"/>
+              <a:buChar char="•"/>
+              <a:defRPr sz="1800" kern="1200">
+                <a:solidFill>
+                  <a:schemeClr val="tx1"/>
+                </a:solidFill>
+                <a:latin typeface="+mn-lt"/>
+                <a:ea typeface="+mn-ea"/>
+                <a:cs typeface="+mn-cs"/>
+              </a:defRPr>
+            </a:lvl9pPr>
+          </a:lstStyle>
+          <a:p>
+            <a:pPr marL="0" indent="0" eaLnBrk="0" fontAlgn="base" hangingPunct="0">
+              <a:lnSpc>
+                <a:spcPct val="100000"/>
+              </a:lnSpc>
+              <a:spcBef>
+                <a:spcPct val="0"/>
+              </a:spcBef>
+              <a:spcAft>
+                <a:spcPct val="0"/>
+              </a:spcAft>
+              <a:buFontTx/>
+              <a:buChar char="•"/>
+            </a:pPr>
+            <a:r>
+              <a:rPr lang="en-US" altLang="en-US" sz="1800" b="1" dirty="0"/>
+              <a:t>Promotion 1 is the most effective.</a:t>
+            </a:r>
+            <a:r>
+              <a:rPr lang="en-US" altLang="en-US" sz="1800" dirty="0"/>
+              <a:t> </a:t>
+            </a:r>
+          </a:p>
+          <a:p>
+            <a:pPr marL="0" indent="0" eaLnBrk="0" fontAlgn="base" hangingPunct="0">
+              <a:lnSpc>
+                <a:spcPct val="100000"/>
+              </a:lnSpc>
+              <a:spcBef>
+                <a:spcPct val="0"/>
+              </a:spcBef>
+              <a:spcAft>
+                <a:spcPct val="0"/>
+              </a:spcAft>
+              <a:buFontTx/>
+              <a:buChar char="•"/>
+            </a:pPr>
+            <a:r>
+              <a:rPr lang="en-US" altLang="en-US" sz="1800" b="1" dirty="0"/>
+              <a:t>Promotion 2 should be restructured or removed.</a:t>
+            </a:r>
+            <a:r>
+              <a:rPr lang="en-US" altLang="en-US" sz="1800" dirty="0"/>
+              <a:t> </a:t>
+            </a:r>
+          </a:p>
+          <a:p>
+            <a:pPr marL="0" indent="0" eaLnBrk="0" fontAlgn="base" hangingPunct="0">
+              <a:lnSpc>
+                <a:spcPct val="100000"/>
+              </a:lnSpc>
+              <a:spcBef>
+                <a:spcPct val="0"/>
+              </a:spcBef>
+              <a:spcAft>
+                <a:spcPct val="0"/>
+              </a:spcAft>
+              <a:buFontTx/>
+              <a:buChar char="•"/>
+            </a:pPr>
+            <a:r>
+              <a:rPr lang="en-US" altLang="en-US" sz="1800" b="1" dirty="0"/>
+              <a:t>Market size plays a significant role in sales performance.</a:t>
+            </a:r>
+            <a:r>
+              <a:rPr lang="en-US" altLang="en-US" sz="1800" dirty="0"/>
+              <a:t> </a:t>
+            </a:r>
+          </a:p>
+          <a:p>
+            <a:pPr marL="0" indent="0" eaLnBrk="0" fontAlgn="base" hangingPunct="0">
+              <a:lnSpc>
+                <a:spcPct val="100000"/>
+              </a:lnSpc>
+              <a:spcBef>
+                <a:spcPct val="0"/>
+              </a:spcBef>
+              <a:spcAft>
+                <a:spcPct val="0"/>
+              </a:spcAft>
+              <a:buFontTx/>
+              <a:buChar char="•"/>
+            </a:pPr>
+            <a:r>
+              <a:rPr lang="en-US" altLang="en-US" sz="1800" b="1" dirty="0"/>
+              <a:t>Store age does not influence sales significantly.</a:t>
+            </a:r>
+            <a:r>
+              <a:rPr lang="en-US" altLang="en-US" sz="1800" dirty="0"/>
+              <a:t> </a:t>
+            </a:r>
+          </a:p>
+        </p:txBody>
+      </p:sp>
+      <p:sp>
+        <p:nvSpPr>
+          <p:cNvPr id="9" name="Rectangle 5">
+            <a:extLst>
+              <a:ext uri="{FF2B5EF4-FFF2-40B4-BE49-F238E27FC236}">
+                <a16:creationId xmlns:a16="http://schemas.microsoft.com/office/drawing/2014/main" id="{5A8F0426-7733-080B-E2EA-9D8B605FC536}"/>
+              </a:ext>
+            </a:extLst>
+          </p:cNvPr>
+          <p:cNvSpPr txBox="1">
+            <a:spLocks noChangeArrowheads="1"/>
+          </p:cNvSpPr>
+          <p:nvPr/>
+        </p:nvSpPr>
+        <p:spPr bwMode="auto">
+          <a:xfrm>
+            <a:off x="581611" y="3869656"/>
+            <a:ext cx="7442716" cy="1200329"/>
+          </a:xfrm>
+          <a:prstGeom prst="rect">
+            <a:avLst/>
+          </a:prstGeom>
+          <a:noFill/>
+          <a:ln>
+            <a:noFill/>
+          </a:ln>
+          <a:effectLst/>
+          <a:extLst>
+            <a:ext uri="{909E8E84-426E-40DD-AFC4-6F175D3DCCD1}">
+              <a14:hiddenFill xmlns:a14="http://schemas.microsoft.com/office/drawing/2010/main">
+                <a:solidFill>
+                  <a:schemeClr val="accent1"/>
+                </a:solidFill>
+              </a14:hiddenFill>
+            </a:ext>
+            <a:ext uri="{91240B29-F687-4F45-9708-019B960494DF}">
+              <a14:hiddenLine xmlns:a14="http://schemas.microsoft.com/office/drawing/2010/main" w="9525">
+                <a:solidFill>
+                  <a:schemeClr val="tx1"/>
+                </a:solidFill>
+                <a:miter lim="800000"/>
+                <a:headEnd/>
+                <a:tailEnd/>
+              </a14:hiddenLine>
+            </a:ext>
+            <a:ext uri="{AF507438-7753-43E0-B8FC-AC1667EBCBE1}">
+              <a14:hiddenEffects xmlns:a14="http://schemas.microsoft.com/office/drawing/2010/main">
+                <a:effectLst>
+                  <a:outerShdw dist="35921" dir="2700000" algn="ctr" rotWithShape="0">
+                    <a:schemeClr val="bg2"/>
+                  </a:outerShdw>
+                </a:effectLst>
+              </a14:hiddenEffects>
+            </a:ext>
+          </a:extLst>
+        </p:spPr>
+        <p:txBody>
+          <a:bodyPr vert="horz" wrap="square" lIns="91440" tIns="45720" rIns="91440" bIns="45720" numCol="1" rtlCol="0" anchor="ctr" anchorCtr="0" compatLnSpc="1">
+            <a:prstTxWarp prst="textNoShape">
+              <a:avLst/>
+            </a:prstTxWarp>
+            <a:spAutoFit/>
+          </a:bodyPr>
+          <a:lstStyle>
+            <a:defPPr>
+              <a:defRPr lang="en-US"/>
+            </a:defPPr>
+            <a:lvl1pPr marL="0" algn="r" defTabSz="914400" rtl="0" eaLnBrk="1" latinLnBrk="0" hangingPunct="1">
+              <a:defRPr sz="1200" kern="1200">
+                <a:solidFill>
+                  <a:schemeClr val="tx1">
+                    <a:tint val="75000"/>
+                  </a:schemeClr>
+                </a:solidFill>
+                <a:latin typeface="+mn-lt"/>
+                <a:ea typeface="+mn-ea"/>
+                <a:cs typeface="+mn-cs"/>
+              </a:defRPr>
+            </a:lvl1pPr>
+            <a:lvl2pPr marL="457200" algn="l" defTabSz="914400" rtl="0" eaLnBrk="1" latinLnBrk="0" hangingPunct="1">
+              <a:defRPr sz="1800" kern="1200">
+                <a:solidFill>
+                  <a:schemeClr val="tx1"/>
+                </a:solidFill>
+                <a:latin typeface="+mn-lt"/>
+                <a:ea typeface="+mn-ea"/>
+                <a:cs typeface="+mn-cs"/>
+              </a:defRPr>
+            </a:lvl2pPr>
+            <a:lvl3pPr marL="914400" algn="l" defTabSz="914400" rtl="0" eaLnBrk="1" latinLnBrk="0" hangingPunct="1">
+              <a:defRPr sz="1800" kern="1200">
+                <a:solidFill>
+                  <a:schemeClr val="tx1"/>
+                </a:solidFill>
+                <a:latin typeface="+mn-lt"/>
+                <a:ea typeface="+mn-ea"/>
+                <a:cs typeface="+mn-cs"/>
+              </a:defRPr>
+            </a:lvl3pPr>
+            <a:lvl4pPr marL="1371600" algn="l" defTabSz="914400" rtl="0" eaLnBrk="1" latinLnBrk="0" hangingPunct="1">
+              <a:defRPr sz="1800" kern="1200">
+                <a:solidFill>
+                  <a:schemeClr val="tx1"/>
+                </a:solidFill>
+                <a:latin typeface="+mn-lt"/>
+                <a:ea typeface="+mn-ea"/>
+                <a:cs typeface="+mn-cs"/>
+              </a:defRPr>
+            </a:lvl4pPr>
+            <a:lvl5pPr marL="1828800" algn="l" defTabSz="914400" rtl="0" eaLnBrk="1" latinLnBrk="0" hangingPunct="1">
+              <a:defRPr sz="1800" kern="1200">
+                <a:solidFill>
+                  <a:schemeClr val="tx1"/>
+                </a:solidFill>
+                <a:latin typeface="+mn-lt"/>
+                <a:ea typeface="+mn-ea"/>
+                <a:cs typeface="+mn-cs"/>
+              </a:defRPr>
+            </a:lvl5pPr>
+            <a:lvl6pPr marL="2286000" algn="l" defTabSz="914400" rtl="0" eaLnBrk="1" latinLnBrk="0" hangingPunct="1">
+              <a:defRPr sz="1800" kern="1200">
+                <a:solidFill>
+                  <a:schemeClr val="tx1"/>
+                </a:solidFill>
+                <a:latin typeface="+mn-lt"/>
+                <a:ea typeface="+mn-ea"/>
+                <a:cs typeface="+mn-cs"/>
+              </a:defRPr>
+            </a:lvl6pPr>
+            <a:lvl7pPr marL="2743200" algn="l" defTabSz="914400" rtl="0" eaLnBrk="1" latinLnBrk="0" hangingPunct="1">
+              <a:defRPr sz="1800" kern="1200">
+                <a:solidFill>
+                  <a:schemeClr val="tx1"/>
+                </a:solidFill>
+                <a:latin typeface="+mn-lt"/>
+                <a:ea typeface="+mn-ea"/>
+                <a:cs typeface="+mn-cs"/>
+              </a:defRPr>
+            </a:lvl7pPr>
+            <a:lvl8pPr marL="3200400" algn="l" defTabSz="914400" rtl="0" eaLnBrk="1" latinLnBrk="0" hangingPunct="1">
+              <a:defRPr sz="1800" kern="1200">
+                <a:solidFill>
+                  <a:schemeClr val="tx1"/>
+                </a:solidFill>
+                <a:latin typeface="+mn-lt"/>
+                <a:ea typeface="+mn-ea"/>
+                <a:cs typeface="+mn-cs"/>
+              </a:defRPr>
+            </a:lvl8pPr>
+            <a:lvl9pPr marL="3657600" algn="l" defTabSz="914400" rtl="0" eaLnBrk="1" latinLnBrk="0" hangingPunct="1">
+              <a:defRPr sz="1800" kern="1200">
+                <a:solidFill>
+                  <a:schemeClr val="tx1"/>
+                </a:solidFill>
+                <a:latin typeface="+mn-lt"/>
+                <a:ea typeface="+mn-ea"/>
+                <a:cs typeface="+mn-cs"/>
+              </a:defRPr>
+            </a:lvl9pPr>
+          </a:lstStyle>
+          <a:p>
+            <a:pPr algn="l" eaLnBrk="0" fontAlgn="base" hangingPunct="0">
+              <a:spcBef>
+                <a:spcPct val="0"/>
+              </a:spcBef>
+              <a:spcAft>
+                <a:spcPct val="0"/>
+              </a:spcAft>
+              <a:buFontTx/>
+              <a:buChar char="•"/>
+            </a:pPr>
+            <a:r>
+              <a:rPr lang="en-US" altLang="en-US" sz="1800" b="1" dirty="0">
+                <a:solidFill>
+                  <a:schemeClr val="tx1"/>
+                </a:solidFill>
+              </a:rPr>
+              <a:t>Prioritize Promotion 1</a:t>
+            </a:r>
+            <a:r>
+              <a:rPr lang="en-US" altLang="en-US" sz="1800" dirty="0">
+                <a:solidFill>
+                  <a:schemeClr val="tx1"/>
+                </a:solidFill>
+              </a:rPr>
+              <a:t> in future marketing campaigns. </a:t>
+            </a:r>
+          </a:p>
+          <a:p>
+            <a:pPr algn="l" eaLnBrk="0" fontAlgn="base" hangingPunct="0">
+              <a:spcBef>
+                <a:spcPct val="0"/>
+              </a:spcBef>
+              <a:spcAft>
+                <a:spcPct val="0"/>
+              </a:spcAft>
+              <a:buFontTx/>
+              <a:buChar char="•"/>
+            </a:pPr>
+            <a:r>
+              <a:rPr lang="en-US" altLang="en-US" sz="1800" b="1" dirty="0">
+                <a:solidFill>
+                  <a:schemeClr val="tx1"/>
+                </a:solidFill>
+              </a:rPr>
+              <a:t>Revise Promotion 2 </a:t>
+            </a:r>
+            <a:r>
+              <a:rPr lang="en-US" altLang="en-US" sz="1800" dirty="0">
+                <a:solidFill>
+                  <a:schemeClr val="tx1"/>
+                </a:solidFill>
+              </a:rPr>
+              <a:t>to improve its impact. </a:t>
+            </a:r>
+          </a:p>
+          <a:p>
+            <a:pPr algn="l" eaLnBrk="0" fontAlgn="base" hangingPunct="0">
+              <a:spcBef>
+                <a:spcPct val="0"/>
+              </a:spcBef>
+              <a:spcAft>
+                <a:spcPct val="0"/>
+              </a:spcAft>
+              <a:buFontTx/>
+              <a:buChar char="•"/>
+            </a:pPr>
+            <a:r>
+              <a:rPr lang="en-US" altLang="en-US" sz="1800" b="1" dirty="0">
+                <a:solidFill>
+                  <a:schemeClr val="tx1"/>
+                </a:solidFill>
+              </a:rPr>
+              <a:t>Focus on large and medium markets</a:t>
+            </a:r>
+            <a:r>
+              <a:rPr lang="en-US" altLang="en-US" sz="1800" dirty="0">
+                <a:solidFill>
+                  <a:schemeClr val="tx1"/>
+                </a:solidFill>
+              </a:rPr>
+              <a:t> for the highest return. </a:t>
+            </a:r>
+          </a:p>
+          <a:p>
+            <a:pPr algn="l" eaLnBrk="0" fontAlgn="base" hangingPunct="0">
+              <a:spcBef>
+                <a:spcPct val="0"/>
+              </a:spcBef>
+              <a:spcAft>
+                <a:spcPct val="0"/>
+              </a:spcAft>
+              <a:buFontTx/>
+              <a:buChar char="•"/>
+            </a:pPr>
+            <a:r>
+              <a:rPr lang="en-US" altLang="en-US" sz="1800" b="1" dirty="0">
+                <a:solidFill>
+                  <a:schemeClr val="tx1"/>
+                </a:solidFill>
+              </a:rPr>
+              <a:t>Further explore additional factors</a:t>
+            </a:r>
+            <a:r>
+              <a:rPr lang="en-US" altLang="en-US" sz="1800" dirty="0">
+                <a:solidFill>
+                  <a:schemeClr val="tx1"/>
+                </a:solidFill>
+              </a:rPr>
+              <a:t> (e.g., pricing, competition). </a:t>
+            </a:r>
+          </a:p>
+        </p:txBody>
+      </p:sp>
+      <p:sp>
+        <p:nvSpPr>
+          <p:cNvPr id="10" name="Title 8">
+            <a:extLst>
+              <a:ext uri="{FF2B5EF4-FFF2-40B4-BE49-F238E27FC236}">
+                <a16:creationId xmlns:a16="http://schemas.microsoft.com/office/drawing/2014/main" id="{6D559D3A-3275-A6FF-AF4C-E8855A0127CF}"/>
+              </a:ext>
+            </a:extLst>
+          </p:cNvPr>
+          <p:cNvSpPr txBox="1">
+            <a:spLocks/>
+          </p:cNvSpPr>
+          <p:nvPr/>
+        </p:nvSpPr>
+        <p:spPr>
+          <a:xfrm>
+            <a:off x="0" y="2643673"/>
+            <a:ext cx="10360152" cy="914400"/>
+          </a:xfrm>
+          <a:prstGeom prst="rect">
+            <a:avLst/>
+          </a:prstGeom>
+        </p:spPr>
+        <p:txBody>
+          <a:bodyPr vert="horz" lIns="91440" tIns="45720" rIns="91440" bIns="45720" rtlCol="0" anchor="b" anchorCtr="0">
+            <a:noAutofit/>
+          </a:bodyPr>
+          <a:lstStyle>
+            <a:lvl1pPr algn="l" defTabSz="914400" rtl="0" eaLnBrk="1" latinLnBrk="0" hangingPunct="1">
+              <a:lnSpc>
+                <a:spcPct val="90000"/>
+              </a:lnSpc>
+              <a:spcBef>
+                <a:spcPct val="0"/>
+              </a:spcBef>
+              <a:buNone/>
+              <a:defRPr sz="3200" kern="1200">
+                <a:solidFill>
+                  <a:schemeClr val="tx1"/>
+                </a:solidFill>
+                <a:latin typeface="+mj-lt"/>
+                <a:ea typeface="+mj-ea"/>
+                <a:cs typeface="+mj-cs"/>
+              </a:defRPr>
+            </a:lvl1pPr>
+          </a:lstStyle>
+          <a:p>
+            <a:r>
+              <a:rPr lang="en-IN" u="sng" dirty="0"/>
+              <a:t>Recommendations</a:t>
+            </a:r>
+            <a:endParaRPr lang="en-US" u="sng" dirty="0"/>
           </a:p>
         </p:txBody>
       </p:sp>
     </p:spTree>
     <p:extLst>
       <p:ext uri="{BB962C8B-B14F-4D97-AF65-F5344CB8AC3E}">
-        <p14:creationId xmlns:p14="http://schemas.microsoft.com/office/powerpoint/2010/main" val="2231404096"/>
+        <p14:creationId xmlns:p14="http://schemas.microsoft.com/office/powerpoint/2010/main" val="2886027172"/>
       </p:ext>
     </p:extLst>
   </p:cSld>
@@ -7781,7 +8480,7 @@
           <p:cNvPr id="5" name="Slide Number Placeholder 4">
             <a:extLst>
               <a:ext uri="{FF2B5EF4-FFF2-40B4-BE49-F238E27FC236}">
-                <a16:creationId xmlns:a16="http://schemas.microsoft.com/office/drawing/2014/main" id="{9779E104-F900-1044-B42E-F3FFEE27855B}"/>
+                <a16:creationId xmlns:a16="http://schemas.microsoft.com/office/drawing/2014/main" id="{4EC3AC48-C60B-98C8-EDFB-906468CE0C6A}"/>
               </a:ext>
             </a:extLst>
           </p:cNvPr>
@@ -7807,44 +8506,10 @@
       </p:sp>
       <p:sp>
         <p:nvSpPr>
-          <p:cNvPr id="6" name="Title 8">
-            <a:extLst>
-              <a:ext uri="{FF2B5EF4-FFF2-40B4-BE49-F238E27FC236}">
-                <a16:creationId xmlns:a16="http://schemas.microsoft.com/office/drawing/2014/main" id="{95010354-1F6B-DD13-05D4-D6CD65BEA24B}"/>
-              </a:ext>
-            </a:extLst>
-          </p:cNvPr>
-          <p:cNvSpPr>
-            <a:spLocks noGrp="1"/>
-          </p:cNvSpPr>
-          <p:nvPr>
-            <p:ph type="title"/>
-          </p:nvPr>
-        </p:nvSpPr>
-        <p:spPr>
-          <a:xfrm>
-            <a:off x="0" y="0"/>
-            <a:ext cx="10360152" cy="914400"/>
-          </a:xfrm>
-        </p:spPr>
-        <p:txBody>
-          <a:bodyPr/>
-          <a:lstStyle/>
-          <a:p>
-            <a:r>
-              <a:rPr lang="en-IN" u="sng" dirty="0"/>
-              <a:t>Conclusion</a:t>
-            </a:r>
-            <a:endParaRPr lang="en-US" u="sng" dirty="0"/>
-          </a:p>
-        </p:txBody>
-      </p:sp>
-      <p:sp>
-        <p:nvSpPr>
-          <p:cNvPr id="7" name="Slide Number Placeholder 3">
-            <a:extLst>
-              <a:ext uri="{FF2B5EF4-FFF2-40B4-BE49-F238E27FC236}">
-                <a16:creationId xmlns:a16="http://schemas.microsoft.com/office/drawing/2014/main" id="{DCC47D2B-6572-EF79-26AE-C93AB813C717}"/>
+          <p:cNvPr id="6" name="Title 5">
+            <a:extLst>
+              <a:ext uri="{FF2B5EF4-FFF2-40B4-BE49-F238E27FC236}">
+                <a16:creationId xmlns:a16="http://schemas.microsoft.com/office/drawing/2014/main" id="{1FFC1F4B-52DE-7F06-E161-D393D28F52EE}"/>
               </a:ext>
             </a:extLst>
           </p:cNvPr>
@@ -7855,765 +8520,16 @@
         </p:nvSpPr>
         <p:spPr>
           <a:xfrm>
-            <a:off x="11353800" y="5879804"/>
-            <a:ext cx="661416" cy="895899"/>
+            <a:off x="4675803" y="914400"/>
+            <a:ext cx="5641848" cy="5029200"/>
           </a:xfrm>
           <a:prstGeom prst="rect">
             <a:avLst/>
           </a:prstGeom>
         </p:spPr>
         <p:txBody>
-          <a:bodyPr/>
-          <a:lstStyle>
-            <a:defPPr>
-              <a:defRPr lang="en-US"/>
-            </a:defPPr>
-            <a:lvl1pPr marL="0" algn="l" defTabSz="914400" rtl="0" eaLnBrk="1" latinLnBrk="0" hangingPunct="1">
-              <a:defRPr sz="1800" kern="1200">
-                <a:solidFill>
-                  <a:schemeClr val="tx1"/>
-                </a:solidFill>
-                <a:latin typeface="+mn-lt"/>
-                <a:ea typeface="+mn-ea"/>
-                <a:cs typeface="+mn-cs"/>
-              </a:defRPr>
-            </a:lvl1pPr>
-            <a:lvl2pPr marL="457200" algn="l" defTabSz="914400" rtl="0" eaLnBrk="1" latinLnBrk="0" hangingPunct="1">
-              <a:defRPr sz="1800" kern="1200">
-                <a:solidFill>
-                  <a:schemeClr val="tx1"/>
-                </a:solidFill>
-                <a:latin typeface="+mn-lt"/>
-                <a:ea typeface="+mn-ea"/>
-                <a:cs typeface="+mn-cs"/>
-              </a:defRPr>
-            </a:lvl2pPr>
-            <a:lvl3pPr marL="914400" algn="l" defTabSz="914400" rtl="0" eaLnBrk="1" latinLnBrk="0" hangingPunct="1">
-              <a:defRPr sz="1800" kern="1200">
-                <a:solidFill>
-                  <a:schemeClr val="tx1"/>
-                </a:solidFill>
-                <a:latin typeface="+mn-lt"/>
-                <a:ea typeface="+mn-ea"/>
-                <a:cs typeface="+mn-cs"/>
-              </a:defRPr>
-            </a:lvl3pPr>
-            <a:lvl4pPr marL="1371600" algn="l" defTabSz="914400" rtl="0" eaLnBrk="1" latinLnBrk="0" hangingPunct="1">
-              <a:defRPr sz="1800" kern="1200">
-                <a:solidFill>
-                  <a:schemeClr val="tx1"/>
-                </a:solidFill>
-                <a:latin typeface="+mn-lt"/>
-                <a:ea typeface="+mn-ea"/>
-                <a:cs typeface="+mn-cs"/>
-              </a:defRPr>
-            </a:lvl4pPr>
-            <a:lvl5pPr marL="1828800" algn="l" defTabSz="914400" rtl="0" eaLnBrk="1" latinLnBrk="0" hangingPunct="1">
-              <a:defRPr sz="1800" kern="1200">
-                <a:solidFill>
-                  <a:schemeClr val="tx1"/>
-                </a:solidFill>
-                <a:latin typeface="+mn-lt"/>
-                <a:ea typeface="+mn-ea"/>
-                <a:cs typeface="+mn-cs"/>
-              </a:defRPr>
-            </a:lvl5pPr>
-            <a:lvl6pPr marL="2286000" algn="l" defTabSz="914400" rtl="0" eaLnBrk="1" latinLnBrk="0" hangingPunct="1">
-              <a:defRPr sz="1800" kern="1200">
-                <a:solidFill>
-                  <a:schemeClr val="tx1"/>
-                </a:solidFill>
-                <a:latin typeface="+mn-lt"/>
-                <a:ea typeface="+mn-ea"/>
-                <a:cs typeface="+mn-cs"/>
-              </a:defRPr>
-            </a:lvl6pPr>
-            <a:lvl7pPr marL="2743200" algn="l" defTabSz="914400" rtl="0" eaLnBrk="1" latinLnBrk="0" hangingPunct="1">
-              <a:defRPr sz="1800" kern="1200">
-                <a:solidFill>
-                  <a:schemeClr val="tx1"/>
-                </a:solidFill>
-                <a:latin typeface="+mn-lt"/>
-                <a:ea typeface="+mn-ea"/>
-                <a:cs typeface="+mn-cs"/>
-              </a:defRPr>
-            </a:lvl7pPr>
-            <a:lvl8pPr marL="3200400" algn="l" defTabSz="914400" rtl="0" eaLnBrk="1" latinLnBrk="0" hangingPunct="1">
-              <a:defRPr sz="1800" kern="1200">
-                <a:solidFill>
-                  <a:schemeClr val="tx1"/>
-                </a:solidFill>
-                <a:latin typeface="+mn-lt"/>
-                <a:ea typeface="+mn-ea"/>
-                <a:cs typeface="+mn-cs"/>
-              </a:defRPr>
-            </a:lvl8pPr>
-            <a:lvl9pPr marL="3657600" algn="l" defTabSz="914400" rtl="0" eaLnBrk="1" latinLnBrk="0" hangingPunct="1">
-              <a:defRPr sz="1800" kern="1200">
-                <a:solidFill>
-                  <a:schemeClr val="tx1"/>
-                </a:solidFill>
-                <a:latin typeface="+mn-lt"/>
-                <a:ea typeface="+mn-ea"/>
-                <a:cs typeface="+mn-cs"/>
-              </a:defRPr>
-            </a:lvl9pPr>
-          </a:lstStyle>
-          <a:p>
-            <a:fld id="{58FB4751-880F-D840-AAA9-3A15815CC996}" type="slidenum">
-              <a:rPr lang="en-US" smtClean="0"/>
-              <a:pPr/>
-              <a:t>19</a:t>
-            </a:fld>
-            <a:endParaRPr lang="en-US" dirty="0"/>
-          </a:p>
-        </p:txBody>
-      </p:sp>
-      <p:sp>
-        <p:nvSpPr>
-          <p:cNvPr id="8" name="Rectangle 2">
-            <a:extLst>
-              <a:ext uri="{FF2B5EF4-FFF2-40B4-BE49-F238E27FC236}">
-                <a16:creationId xmlns:a16="http://schemas.microsoft.com/office/drawing/2014/main" id="{92E8A5E6-3C6B-8AA2-9ACD-2584302B2B88}"/>
-              </a:ext>
-            </a:extLst>
-          </p:cNvPr>
-          <p:cNvSpPr txBox="1">
-            <a:spLocks noChangeArrowheads="1"/>
-          </p:cNvSpPr>
-          <p:nvPr/>
-        </p:nvSpPr>
-        <p:spPr bwMode="auto">
-          <a:xfrm>
-            <a:off x="581611" y="940054"/>
-            <a:ext cx="6872848" cy="1200329"/>
-          </a:xfrm>
-          <a:prstGeom prst="rect">
-            <a:avLst/>
-          </a:prstGeom>
-          <a:noFill/>
-          <a:ln>
-            <a:noFill/>
-          </a:ln>
-          <a:effectLst/>
-          <a:extLst>
-            <a:ext uri="{909E8E84-426E-40DD-AFC4-6F175D3DCCD1}">
-              <a14:hiddenFill xmlns:a14="http://schemas.microsoft.com/office/drawing/2010/main">
-                <a:solidFill>
-                  <a:schemeClr val="accent1"/>
-                </a:solidFill>
-              </a14:hiddenFill>
-            </a:ext>
-            <a:ext uri="{91240B29-F687-4F45-9708-019B960494DF}">
-              <a14:hiddenLine xmlns:a14="http://schemas.microsoft.com/office/drawing/2010/main" w="9525">
-                <a:solidFill>
-                  <a:schemeClr val="tx1"/>
-                </a:solidFill>
-                <a:miter lim="800000"/>
-                <a:headEnd/>
-                <a:tailEnd/>
-              </a14:hiddenLine>
-            </a:ext>
-            <a:ext uri="{AF507438-7753-43E0-B8FC-AC1667EBCBE1}">
-              <a14:hiddenEffects xmlns:a14="http://schemas.microsoft.com/office/drawing/2010/main">
-                <a:effectLst>
-                  <a:outerShdw dist="35921" dir="2700000" algn="ctr" rotWithShape="0">
-                    <a:schemeClr val="bg2"/>
-                  </a:outerShdw>
-                </a:effectLst>
-              </a14:hiddenEffects>
-            </a:ext>
-          </a:extLst>
-        </p:spPr>
-        <p:txBody>
-          <a:bodyPr vert="horz" wrap="square" lIns="91440" tIns="45720" rIns="91440" bIns="45720" numCol="1" anchor="ctr" anchorCtr="0" compatLnSpc="1">
-            <a:prstTxWarp prst="textNoShape">
-              <a:avLst/>
-            </a:prstTxWarp>
-            <a:spAutoFit/>
-          </a:bodyPr>
-          <a:lstStyle>
-            <a:lvl1pPr marL="228600" indent="-228600" algn="l" defTabSz="914400" rtl="0" eaLnBrk="1" latinLnBrk="0" hangingPunct="1">
-              <a:lnSpc>
-                <a:spcPct val="90000"/>
-              </a:lnSpc>
-              <a:spcBef>
-                <a:spcPts val="1000"/>
-              </a:spcBef>
-              <a:buFont typeface="Arial" panose="020B0604020202020204" pitchFamily="34" charset="0"/>
-              <a:buChar char="•"/>
-              <a:defRPr sz="2800" kern="1200">
-                <a:solidFill>
-                  <a:schemeClr val="tx1"/>
-                </a:solidFill>
-                <a:latin typeface="+mn-lt"/>
-                <a:ea typeface="+mn-ea"/>
-                <a:cs typeface="+mn-cs"/>
-              </a:defRPr>
-            </a:lvl1pPr>
-            <a:lvl2pPr marL="685800" indent="-228600" algn="l" defTabSz="914400" rtl="0" eaLnBrk="1" latinLnBrk="0" hangingPunct="1">
-              <a:lnSpc>
-                <a:spcPct val="90000"/>
-              </a:lnSpc>
-              <a:spcBef>
-                <a:spcPts val="500"/>
-              </a:spcBef>
-              <a:buFont typeface="Arial" panose="020B0604020202020204" pitchFamily="34" charset="0"/>
-              <a:buChar char="•"/>
-              <a:defRPr sz="2400" kern="1200">
-                <a:solidFill>
-                  <a:schemeClr val="tx1"/>
-                </a:solidFill>
-                <a:latin typeface="+mn-lt"/>
-                <a:ea typeface="+mn-ea"/>
-                <a:cs typeface="+mn-cs"/>
-              </a:defRPr>
-            </a:lvl2pPr>
-            <a:lvl3pPr marL="1143000" indent="-228600" algn="l" defTabSz="914400" rtl="0" eaLnBrk="1" latinLnBrk="0" hangingPunct="1">
-              <a:lnSpc>
-                <a:spcPct val="90000"/>
-              </a:lnSpc>
-              <a:spcBef>
-                <a:spcPts val="500"/>
-              </a:spcBef>
-              <a:buFont typeface="Arial" panose="020B0604020202020204" pitchFamily="34" charset="0"/>
-              <a:buChar char="•"/>
-              <a:defRPr sz="2000" kern="1200">
-                <a:solidFill>
-                  <a:schemeClr val="tx1"/>
-                </a:solidFill>
-                <a:latin typeface="+mn-lt"/>
-                <a:ea typeface="+mn-ea"/>
-                <a:cs typeface="+mn-cs"/>
-              </a:defRPr>
-            </a:lvl3pPr>
-            <a:lvl4pPr marL="1600200" indent="-228600" algn="l" defTabSz="914400" rtl="0" eaLnBrk="1" latinLnBrk="0" hangingPunct="1">
-              <a:lnSpc>
-                <a:spcPct val="90000"/>
-              </a:lnSpc>
-              <a:spcBef>
-                <a:spcPts val="500"/>
-              </a:spcBef>
-              <a:buFont typeface="Arial" panose="020B0604020202020204" pitchFamily="34" charset="0"/>
-              <a:buChar char="•"/>
-              <a:defRPr sz="1800" kern="1200">
-                <a:solidFill>
-                  <a:schemeClr val="tx1"/>
-                </a:solidFill>
-                <a:latin typeface="+mn-lt"/>
-                <a:ea typeface="+mn-ea"/>
-                <a:cs typeface="+mn-cs"/>
-              </a:defRPr>
-            </a:lvl4pPr>
-            <a:lvl5pPr marL="2057400" indent="-228600" algn="l" defTabSz="914400" rtl="0" eaLnBrk="1" latinLnBrk="0" hangingPunct="1">
-              <a:lnSpc>
-                <a:spcPct val="90000"/>
-              </a:lnSpc>
-              <a:spcBef>
-                <a:spcPts val="500"/>
-              </a:spcBef>
-              <a:buFont typeface="Arial" panose="020B0604020202020204" pitchFamily="34" charset="0"/>
-              <a:buChar char="•"/>
-              <a:defRPr sz="1800" kern="1200">
-                <a:solidFill>
-                  <a:schemeClr val="tx1"/>
-                </a:solidFill>
-                <a:latin typeface="+mn-lt"/>
-                <a:ea typeface="+mn-ea"/>
-                <a:cs typeface="+mn-cs"/>
-              </a:defRPr>
-            </a:lvl5pPr>
-            <a:lvl6pPr marL="2514600" indent="-228600" algn="l" defTabSz="914400" rtl="0" eaLnBrk="1" latinLnBrk="0" hangingPunct="1">
-              <a:lnSpc>
-                <a:spcPct val="90000"/>
-              </a:lnSpc>
-              <a:spcBef>
-                <a:spcPts val="500"/>
-              </a:spcBef>
-              <a:buFont typeface="Arial" panose="020B0604020202020204" pitchFamily="34" charset="0"/>
-              <a:buChar char="•"/>
-              <a:defRPr sz="1800" kern="1200">
-                <a:solidFill>
-                  <a:schemeClr val="tx1"/>
-                </a:solidFill>
-                <a:latin typeface="+mn-lt"/>
-                <a:ea typeface="+mn-ea"/>
-                <a:cs typeface="+mn-cs"/>
-              </a:defRPr>
-            </a:lvl6pPr>
-            <a:lvl7pPr marL="2971800" indent="-228600" algn="l" defTabSz="914400" rtl="0" eaLnBrk="1" latinLnBrk="0" hangingPunct="1">
-              <a:lnSpc>
-                <a:spcPct val="90000"/>
-              </a:lnSpc>
-              <a:spcBef>
-                <a:spcPts val="500"/>
-              </a:spcBef>
-              <a:buFont typeface="Arial" panose="020B0604020202020204" pitchFamily="34" charset="0"/>
-              <a:buChar char="•"/>
-              <a:defRPr sz="1800" kern="1200">
-                <a:solidFill>
-                  <a:schemeClr val="tx1"/>
-                </a:solidFill>
-                <a:latin typeface="+mn-lt"/>
-                <a:ea typeface="+mn-ea"/>
-                <a:cs typeface="+mn-cs"/>
-              </a:defRPr>
-            </a:lvl7pPr>
-            <a:lvl8pPr marL="3429000" indent="-228600" algn="l" defTabSz="914400" rtl="0" eaLnBrk="1" latinLnBrk="0" hangingPunct="1">
-              <a:lnSpc>
-                <a:spcPct val="90000"/>
-              </a:lnSpc>
-              <a:spcBef>
-                <a:spcPts val="500"/>
-              </a:spcBef>
-              <a:buFont typeface="Arial" panose="020B0604020202020204" pitchFamily="34" charset="0"/>
-              <a:buChar char="•"/>
-              <a:defRPr sz="1800" kern="1200">
-                <a:solidFill>
-                  <a:schemeClr val="tx1"/>
-                </a:solidFill>
-                <a:latin typeface="+mn-lt"/>
-                <a:ea typeface="+mn-ea"/>
-                <a:cs typeface="+mn-cs"/>
-              </a:defRPr>
-            </a:lvl8pPr>
-            <a:lvl9pPr marL="3886200" indent="-228600" algn="l" defTabSz="914400" rtl="0" eaLnBrk="1" latinLnBrk="0" hangingPunct="1">
-              <a:lnSpc>
-                <a:spcPct val="90000"/>
-              </a:lnSpc>
-              <a:spcBef>
-                <a:spcPts val="500"/>
-              </a:spcBef>
-              <a:buFont typeface="Arial" panose="020B0604020202020204" pitchFamily="34" charset="0"/>
-              <a:buChar char="•"/>
-              <a:defRPr sz="1800" kern="1200">
-                <a:solidFill>
-                  <a:schemeClr val="tx1"/>
-                </a:solidFill>
-                <a:latin typeface="+mn-lt"/>
-                <a:ea typeface="+mn-ea"/>
-                <a:cs typeface="+mn-cs"/>
-              </a:defRPr>
-            </a:lvl9pPr>
-          </a:lstStyle>
-          <a:p>
-            <a:pPr marL="0" indent="0" eaLnBrk="0" fontAlgn="base" hangingPunct="0">
-              <a:lnSpc>
-                <a:spcPct val="100000"/>
-              </a:lnSpc>
-              <a:spcBef>
-                <a:spcPct val="0"/>
-              </a:spcBef>
-              <a:spcAft>
-                <a:spcPct val="0"/>
-              </a:spcAft>
-              <a:buFontTx/>
-              <a:buChar char="•"/>
-            </a:pPr>
-            <a:r>
-              <a:rPr lang="en-US" altLang="en-US" sz="1800" b="1" dirty="0">
-                <a:latin typeface="Arial" panose="020B0604020202020204" pitchFamily="34" charset="0"/>
-              </a:rPr>
-              <a:t>Promotion 1 is the most effective.</a:t>
-            </a:r>
-            <a:r>
-              <a:rPr lang="en-US" altLang="en-US" sz="1800" dirty="0">
-                <a:latin typeface="Arial" panose="020B0604020202020204" pitchFamily="34" charset="0"/>
-              </a:rPr>
-              <a:t> </a:t>
-            </a:r>
-          </a:p>
-          <a:p>
-            <a:pPr marL="0" indent="0" eaLnBrk="0" fontAlgn="base" hangingPunct="0">
-              <a:lnSpc>
-                <a:spcPct val="100000"/>
-              </a:lnSpc>
-              <a:spcBef>
-                <a:spcPct val="0"/>
-              </a:spcBef>
-              <a:spcAft>
-                <a:spcPct val="0"/>
-              </a:spcAft>
-              <a:buFontTx/>
-              <a:buChar char="•"/>
-            </a:pPr>
-            <a:r>
-              <a:rPr lang="en-US" altLang="en-US" sz="1800" b="1" dirty="0">
-                <a:latin typeface="Arial" panose="020B0604020202020204" pitchFamily="34" charset="0"/>
-              </a:rPr>
-              <a:t>Promotion 2 should be restructured or removed.</a:t>
-            </a:r>
-            <a:r>
-              <a:rPr lang="en-US" altLang="en-US" sz="1800" dirty="0">
-                <a:latin typeface="Arial" panose="020B0604020202020204" pitchFamily="34" charset="0"/>
-              </a:rPr>
-              <a:t> </a:t>
-            </a:r>
-          </a:p>
-          <a:p>
-            <a:pPr marL="0" indent="0" eaLnBrk="0" fontAlgn="base" hangingPunct="0">
-              <a:lnSpc>
-                <a:spcPct val="100000"/>
-              </a:lnSpc>
-              <a:spcBef>
-                <a:spcPct val="0"/>
-              </a:spcBef>
-              <a:spcAft>
-                <a:spcPct val="0"/>
-              </a:spcAft>
-              <a:buFontTx/>
-              <a:buChar char="•"/>
-            </a:pPr>
-            <a:r>
-              <a:rPr lang="en-US" altLang="en-US" sz="1800" b="1" dirty="0">
-                <a:latin typeface="Arial" panose="020B0604020202020204" pitchFamily="34" charset="0"/>
-              </a:rPr>
-              <a:t>Market size plays a significant role in sales performance.</a:t>
-            </a:r>
-            <a:r>
-              <a:rPr lang="en-US" altLang="en-US" sz="1800" dirty="0">
-                <a:latin typeface="Arial" panose="020B0604020202020204" pitchFamily="34" charset="0"/>
-              </a:rPr>
-              <a:t> </a:t>
-            </a:r>
-          </a:p>
-          <a:p>
-            <a:pPr marL="0" indent="0" eaLnBrk="0" fontAlgn="base" hangingPunct="0">
-              <a:lnSpc>
-                <a:spcPct val="100000"/>
-              </a:lnSpc>
-              <a:spcBef>
-                <a:spcPct val="0"/>
-              </a:spcBef>
-              <a:spcAft>
-                <a:spcPct val="0"/>
-              </a:spcAft>
-              <a:buFontTx/>
-              <a:buChar char="•"/>
-            </a:pPr>
-            <a:r>
-              <a:rPr lang="en-US" altLang="en-US" sz="1800" b="1" dirty="0">
-                <a:latin typeface="Arial" panose="020B0604020202020204" pitchFamily="34" charset="0"/>
-              </a:rPr>
-              <a:t>Store age does not influence sales significantly.</a:t>
-            </a:r>
-            <a:r>
-              <a:rPr lang="en-US" altLang="en-US" sz="1800" dirty="0">
-                <a:latin typeface="Arial" panose="020B0604020202020204" pitchFamily="34" charset="0"/>
-              </a:rPr>
-              <a:t> </a:t>
-            </a:r>
-          </a:p>
-        </p:txBody>
-      </p:sp>
-      <p:sp>
-        <p:nvSpPr>
-          <p:cNvPr id="9" name="Rectangle 5">
-            <a:extLst>
-              <a:ext uri="{FF2B5EF4-FFF2-40B4-BE49-F238E27FC236}">
-                <a16:creationId xmlns:a16="http://schemas.microsoft.com/office/drawing/2014/main" id="{5A8F0426-7733-080B-E2EA-9D8B605FC536}"/>
-              </a:ext>
-            </a:extLst>
-          </p:cNvPr>
-          <p:cNvSpPr txBox="1">
-            <a:spLocks noChangeArrowheads="1"/>
-          </p:cNvSpPr>
-          <p:nvPr/>
-        </p:nvSpPr>
-        <p:spPr bwMode="auto">
-          <a:xfrm>
-            <a:off x="581611" y="3869656"/>
-            <a:ext cx="7442716" cy="1200329"/>
-          </a:xfrm>
-          <a:prstGeom prst="rect">
-            <a:avLst/>
-          </a:prstGeom>
-          <a:noFill/>
-          <a:ln>
-            <a:noFill/>
-          </a:ln>
-          <a:effectLst/>
-          <a:extLst>
-            <a:ext uri="{909E8E84-426E-40DD-AFC4-6F175D3DCCD1}">
-              <a14:hiddenFill xmlns:a14="http://schemas.microsoft.com/office/drawing/2010/main">
-                <a:solidFill>
-                  <a:schemeClr val="accent1"/>
-                </a:solidFill>
-              </a14:hiddenFill>
-            </a:ext>
-            <a:ext uri="{91240B29-F687-4F45-9708-019B960494DF}">
-              <a14:hiddenLine xmlns:a14="http://schemas.microsoft.com/office/drawing/2010/main" w="9525">
-                <a:solidFill>
-                  <a:schemeClr val="tx1"/>
-                </a:solidFill>
-                <a:miter lim="800000"/>
-                <a:headEnd/>
-                <a:tailEnd/>
-              </a14:hiddenLine>
-            </a:ext>
-            <a:ext uri="{AF507438-7753-43E0-B8FC-AC1667EBCBE1}">
-              <a14:hiddenEffects xmlns:a14="http://schemas.microsoft.com/office/drawing/2010/main">
-                <a:effectLst>
-                  <a:outerShdw dist="35921" dir="2700000" algn="ctr" rotWithShape="0">
-                    <a:schemeClr val="bg2"/>
-                  </a:outerShdw>
-                </a:effectLst>
-              </a14:hiddenEffects>
-            </a:ext>
-          </a:extLst>
-        </p:spPr>
-        <p:txBody>
-          <a:bodyPr vert="horz" wrap="square" lIns="91440" tIns="45720" rIns="91440" bIns="45720" numCol="1" rtlCol="0" anchor="ctr" anchorCtr="0" compatLnSpc="1">
-            <a:prstTxWarp prst="textNoShape">
-              <a:avLst/>
-            </a:prstTxWarp>
-            <a:spAutoFit/>
-          </a:bodyPr>
-          <a:lstStyle>
-            <a:defPPr>
-              <a:defRPr lang="en-US"/>
-            </a:defPPr>
-            <a:lvl1pPr marL="0" algn="r" defTabSz="914400" rtl="0" eaLnBrk="1" latinLnBrk="0" hangingPunct="1">
-              <a:defRPr sz="1200" kern="1200">
-                <a:solidFill>
-                  <a:schemeClr val="tx1">
-                    <a:tint val="75000"/>
-                  </a:schemeClr>
-                </a:solidFill>
-                <a:latin typeface="+mn-lt"/>
-                <a:ea typeface="+mn-ea"/>
-                <a:cs typeface="+mn-cs"/>
-              </a:defRPr>
-            </a:lvl1pPr>
-            <a:lvl2pPr marL="457200" algn="l" defTabSz="914400" rtl="0" eaLnBrk="1" latinLnBrk="0" hangingPunct="1">
-              <a:defRPr sz="1800" kern="1200">
-                <a:solidFill>
-                  <a:schemeClr val="tx1"/>
-                </a:solidFill>
-                <a:latin typeface="+mn-lt"/>
-                <a:ea typeface="+mn-ea"/>
-                <a:cs typeface="+mn-cs"/>
-              </a:defRPr>
-            </a:lvl2pPr>
-            <a:lvl3pPr marL="914400" algn="l" defTabSz="914400" rtl="0" eaLnBrk="1" latinLnBrk="0" hangingPunct="1">
-              <a:defRPr sz="1800" kern="1200">
-                <a:solidFill>
-                  <a:schemeClr val="tx1"/>
-                </a:solidFill>
-                <a:latin typeface="+mn-lt"/>
-                <a:ea typeface="+mn-ea"/>
-                <a:cs typeface="+mn-cs"/>
-              </a:defRPr>
-            </a:lvl3pPr>
-            <a:lvl4pPr marL="1371600" algn="l" defTabSz="914400" rtl="0" eaLnBrk="1" latinLnBrk="0" hangingPunct="1">
-              <a:defRPr sz="1800" kern="1200">
-                <a:solidFill>
-                  <a:schemeClr val="tx1"/>
-                </a:solidFill>
-                <a:latin typeface="+mn-lt"/>
-                <a:ea typeface="+mn-ea"/>
-                <a:cs typeface="+mn-cs"/>
-              </a:defRPr>
-            </a:lvl4pPr>
-            <a:lvl5pPr marL="1828800" algn="l" defTabSz="914400" rtl="0" eaLnBrk="1" latinLnBrk="0" hangingPunct="1">
-              <a:defRPr sz="1800" kern="1200">
-                <a:solidFill>
-                  <a:schemeClr val="tx1"/>
-                </a:solidFill>
-                <a:latin typeface="+mn-lt"/>
-                <a:ea typeface="+mn-ea"/>
-                <a:cs typeface="+mn-cs"/>
-              </a:defRPr>
-            </a:lvl5pPr>
-            <a:lvl6pPr marL="2286000" algn="l" defTabSz="914400" rtl="0" eaLnBrk="1" latinLnBrk="0" hangingPunct="1">
-              <a:defRPr sz="1800" kern="1200">
-                <a:solidFill>
-                  <a:schemeClr val="tx1"/>
-                </a:solidFill>
-                <a:latin typeface="+mn-lt"/>
-                <a:ea typeface="+mn-ea"/>
-                <a:cs typeface="+mn-cs"/>
-              </a:defRPr>
-            </a:lvl6pPr>
-            <a:lvl7pPr marL="2743200" algn="l" defTabSz="914400" rtl="0" eaLnBrk="1" latinLnBrk="0" hangingPunct="1">
-              <a:defRPr sz="1800" kern="1200">
-                <a:solidFill>
-                  <a:schemeClr val="tx1"/>
-                </a:solidFill>
-                <a:latin typeface="+mn-lt"/>
-                <a:ea typeface="+mn-ea"/>
-                <a:cs typeface="+mn-cs"/>
-              </a:defRPr>
-            </a:lvl7pPr>
-            <a:lvl8pPr marL="3200400" algn="l" defTabSz="914400" rtl="0" eaLnBrk="1" latinLnBrk="0" hangingPunct="1">
-              <a:defRPr sz="1800" kern="1200">
-                <a:solidFill>
-                  <a:schemeClr val="tx1"/>
-                </a:solidFill>
-                <a:latin typeface="+mn-lt"/>
-                <a:ea typeface="+mn-ea"/>
-                <a:cs typeface="+mn-cs"/>
-              </a:defRPr>
-            </a:lvl8pPr>
-            <a:lvl9pPr marL="3657600" algn="l" defTabSz="914400" rtl="0" eaLnBrk="1" latinLnBrk="0" hangingPunct="1">
-              <a:defRPr sz="1800" kern="1200">
-                <a:solidFill>
-                  <a:schemeClr val="tx1"/>
-                </a:solidFill>
-                <a:latin typeface="+mn-lt"/>
-                <a:ea typeface="+mn-ea"/>
-                <a:cs typeface="+mn-cs"/>
-              </a:defRPr>
-            </a:lvl9pPr>
-          </a:lstStyle>
-          <a:p>
-            <a:pPr algn="l" eaLnBrk="0" fontAlgn="base" hangingPunct="0">
-              <a:spcBef>
-                <a:spcPct val="0"/>
-              </a:spcBef>
-              <a:spcAft>
-                <a:spcPct val="0"/>
-              </a:spcAft>
-              <a:buFontTx/>
-              <a:buChar char="•"/>
-            </a:pPr>
-            <a:r>
-              <a:rPr lang="en-US" altLang="en-US" sz="1800" b="1" dirty="0">
-                <a:solidFill>
-                  <a:schemeClr val="tx1"/>
-                </a:solidFill>
-                <a:latin typeface="Arial" panose="020B0604020202020204" pitchFamily="34" charset="0"/>
-              </a:rPr>
-              <a:t>Prioritize Promotion 1</a:t>
-            </a:r>
-            <a:r>
-              <a:rPr lang="en-US" altLang="en-US" sz="1800" dirty="0">
-                <a:solidFill>
-                  <a:schemeClr val="tx1"/>
-                </a:solidFill>
-                <a:latin typeface="Arial" panose="020B0604020202020204" pitchFamily="34" charset="0"/>
-              </a:rPr>
-              <a:t> in future marketing campaigns. </a:t>
-            </a:r>
-          </a:p>
-          <a:p>
-            <a:pPr algn="l" eaLnBrk="0" fontAlgn="base" hangingPunct="0">
-              <a:spcBef>
-                <a:spcPct val="0"/>
-              </a:spcBef>
-              <a:spcAft>
-                <a:spcPct val="0"/>
-              </a:spcAft>
-              <a:buFontTx/>
-              <a:buChar char="•"/>
-            </a:pPr>
-            <a:r>
-              <a:rPr lang="en-US" altLang="en-US" sz="1800" b="1" dirty="0">
-                <a:solidFill>
-                  <a:schemeClr val="tx1"/>
-                </a:solidFill>
-                <a:latin typeface="Arial" panose="020B0604020202020204" pitchFamily="34" charset="0"/>
-              </a:rPr>
-              <a:t>Revise Promotion 2 </a:t>
-            </a:r>
-            <a:r>
-              <a:rPr lang="en-US" altLang="en-US" sz="1800" dirty="0">
-                <a:solidFill>
-                  <a:schemeClr val="tx1"/>
-                </a:solidFill>
-                <a:latin typeface="Arial" panose="020B0604020202020204" pitchFamily="34" charset="0"/>
-              </a:rPr>
-              <a:t>to improve its impact. </a:t>
-            </a:r>
-          </a:p>
-          <a:p>
-            <a:pPr algn="l" eaLnBrk="0" fontAlgn="base" hangingPunct="0">
-              <a:spcBef>
-                <a:spcPct val="0"/>
-              </a:spcBef>
-              <a:spcAft>
-                <a:spcPct val="0"/>
-              </a:spcAft>
-              <a:buFontTx/>
-              <a:buChar char="•"/>
-            </a:pPr>
-            <a:r>
-              <a:rPr lang="en-US" altLang="en-US" sz="1800" b="1" dirty="0">
-                <a:solidFill>
-                  <a:schemeClr val="tx1"/>
-                </a:solidFill>
-                <a:latin typeface="Arial" panose="020B0604020202020204" pitchFamily="34" charset="0"/>
-              </a:rPr>
-              <a:t>Focus on large and medium markets</a:t>
-            </a:r>
-            <a:r>
-              <a:rPr lang="en-US" altLang="en-US" sz="1800" dirty="0">
-                <a:solidFill>
-                  <a:schemeClr val="tx1"/>
-                </a:solidFill>
-                <a:latin typeface="Arial" panose="020B0604020202020204" pitchFamily="34" charset="0"/>
-              </a:rPr>
-              <a:t> for the highest return. </a:t>
-            </a:r>
-          </a:p>
-          <a:p>
-            <a:pPr algn="l" eaLnBrk="0" fontAlgn="base" hangingPunct="0">
-              <a:spcBef>
-                <a:spcPct val="0"/>
-              </a:spcBef>
-              <a:spcAft>
-                <a:spcPct val="0"/>
-              </a:spcAft>
-              <a:buFontTx/>
-              <a:buChar char="•"/>
-            </a:pPr>
-            <a:r>
-              <a:rPr lang="en-US" altLang="en-US" sz="1800" b="1" dirty="0">
-                <a:solidFill>
-                  <a:schemeClr val="tx1"/>
-                </a:solidFill>
-                <a:latin typeface="Arial" panose="020B0604020202020204" pitchFamily="34" charset="0"/>
-              </a:rPr>
-              <a:t>Further explore additional factors</a:t>
-            </a:r>
-            <a:r>
-              <a:rPr lang="en-US" altLang="en-US" sz="1800" dirty="0">
-                <a:solidFill>
-                  <a:schemeClr val="tx1"/>
-                </a:solidFill>
-                <a:latin typeface="Arial" panose="020B0604020202020204" pitchFamily="34" charset="0"/>
-              </a:rPr>
-              <a:t> (e.g., pricing, competition). </a:t>
-            </a:r>
-          </a:p>
-        </p:txBody>
-      </p:sp>
-      <p:sp>
-        <p:nvSpPr>
-          <p:cNvPr id="10" name="Title 8">
-            <a:extLst>
-              <a:ext uri="{FF2B5EF4-FFF2-40B4-BE49-F238E27FC236}">
-                <a16:creationId xmlns:a16="http://schemas.microsoft.com/office/drawing/2014/main" id="{6D559D3A-3275-A6FF-AF4C-E8855A0127CF}"/>
-              </a:ext>
-            </a:extLst>
-          </p:cNvPr>
-          <p:cNvSpPr txBox="1">
-            <a:spLocks/>
-          </p:cNvSpPr>
-          <p:nvPr/>
-        </p:nvSpPr>
-        <p:spPr>
-          <a:xfrm>
-            <a:off x="0" y="2643673"/>
-            <a:ext cx="10360152" cy="914400"/>
-          </a:xfrm>
-          <a:prstGeom prst="rect">
-            <a:avLst/>
-          </a:prstGeom>
-        </p:spPr>
-        <p:txBody>
-          <a:bodyPr vert="horz" lIns="91440" tIns="45720" rIns="91440" bIns="45720" rtlCol="0" anchor="b" anchorCtr="0">
-            <a:noAutofit/>
+          <a:bodyPr vert="horz" lIns="91440" tIns="45720" rIns="91440" bIns="45720" rtlCol="0" anchor="ctr">
+            <a:normAutofit/>
           </a:bodyPr>
           <a:lstStyle>
             <a:lvl1pPr algn="l" defTabSz="914400" rtl="0" eaLnBrk="1" latinLnBrk="0" hangingPunct="1">
@@ -8624,7 +8540,7 @@
                 <a:spcPct val="0"/>
               </a:spcBef>
               <a:buNone/>
-              <a:defRPr sz="3200" kern="1200">
+              <a:defRPr sz="4400" kern="1200">
                 <a:solidFill>
                   <a:schemeClr val="tx1"/>
                 </a:solidFill>
@@ -8636,17 +8552,16 @@
           </a:lstStyle>
           <a:p>
             <a:r>
-              <a:rPr lang="en-IN" u="sng" dirty="0"/>
-              <a:t>Recommendations</a:t>
-            </a:r>
-            <a:endParaRPr lang="en-US" u="sng" dirty="0"/>
+              <a:rPr lang="en-US" dirty="0"/>
+              <a:t>Thank you</a:t>
+            </a:r>
           </a:p>
         </p:txBody>
       </p:sp>
     </p:spTree>
     <p:extLst>
       <p:ext uri="{BB962C8B-B14F-4D97-AF65-F5344CB8AC3E}">
-        <p14:creationId xmlns:p14="http://schemas.microsoft.com/office/powerpoint/2010/main" val="2886027172"/>
+        <p14:creationId xmlns:p14="http://schemas.microsoft.com/office/powerpoint/2010/main" val="7942268"/>
       </p:ext>
     </p:extLst>
   </p:cSld>
@@ -8783,119 +8698,6 @@
 </p:sld>
 </file>
 
-<file path=ppt/slides/slide20.xml><?xml version="1.0" encoding="utf-8"?>
-<p:sld xmlns:a="http://schemas.openxmlformats.org/drawingml/2006/main" xmlns:r="http://schemas.openxmlformats.org/officeDocument/2006/relationships" xmlns:p="http://schemas.openxmlformats.org/presentationml/2006/main">
-  <p:cSld>
-    <p:spTree>
-      <p:nvGrpSpPr>
-        <p:cNvPr id="1" name=""/>
-        <p:cNvGrpSpPr/>
-        <p:nvPr/>
-      </p:nvGrpSpPr>
-      <p:grpSpPr>
-        <a:xfrm>
-          <a:off x="0" y="0"/>
-          <a:ext cx="0" cy="0"/>
-          <a:chOff x="0" y="0"/>
-          <a:chExt cx="0" cy="0"/>
-        </a:xfrm>
-      </p:grpSpPr>
-      <p:sp>
-        <p:nvSpPr>
-          <p:cNvPr id="5" name="Slide Number Placeholder 4">
-            <a:extLst>
-              <a:ext uri="{FF2B5EF4-FFF2-40B4-BE49-F238E27FC236}">
-                <a16:creationId xmlns:a16="http://schemas.microsoft.com/office/drawing/2014/main" id="{4EC3AC48-C60B-98C8-EDFB-906468CE0C6A}"/>
-              </a:ext>
-            </a:extLst>
-          </p:cNvPr>
-          <p:cNvSpPr>
-            <a:spLocks noGrp="1"/>
-          </p:cNvSpPr>
-          <p:nvPr>
-            <p:ph type="sldNum" sz="quarter" idx="12"/>
-          </p:nvPr>
-        </p:nvSpPr>
-        <p:spPr/>
-        <p:txBody>
-          <a:bodyPr/>
-          <a:lstStyle/>
-          <a:p>
-            <a:fld id="{5E80619E-9ABD-4901-846B-9B030806AFDE}" type="slidenum">
-              <a:rPr lang="en-IN" smtClean="0"/>
-              <a:t>20</a:t>
-            </a:fld>
-            <a:endParaRPr lang="en-IN"/>
-          </a:p>
-        </p:txBody>
-      </p:sp>
-      <p:sp>
-        <p:nvSpPr>
-          <p:cNvPr id="6" name="Title 5">
-            <a:extLst>
-              <a:ext uri="{FF2B5EF4-FFF2-40B4-BE49-F238E27FC236}">
-                <a16:creationId xmlns:a16="http://schemas.microsoft.com/office/drawing/2014/main" id="{1FFC1F4B-52DE-7F06-E161-D393D28F52EE}"/>
-              </a:ext>
-            </a:extLst>
-          </p:cNvPr>
-          <p:cNvSpPr txBox="1">
-            <a:spLocks/>
-          </p:cNvSpPr>
-          <p:nvPr/>
-        </p:nvSpPr>
-        <p:spPr>
-          <a:xfrm>
-            <a:off x="4675803" y="914400"/>
-            <a:ext cx="5641848" cy="5029200"/>
-          </a:xfrm>
-          <a:prstGeom prst="rect">
-            <a:avLst/>
-          </a:prstGeom>
-        </p:spPr>
-        <p:txBody>
-          <a:bodyPr vert="horz" lIns="91440" tIns="45720" rIns="91440" bIns="45720" rtlCol="0" anchor="ctr">
-            <a:normAutofit/>
-          </a:bodyPr>
-          <a:lstStyle>
-            <a:lvl1pPr algn="l" defTabSz="914400" rtl="0" eaLnBrk="1" latinLnBrk="0" hangingPunct="1">
-              <a:lnSpc>
-                <a:spcPct val="90000"/>
-              </a:lnSpc>
-              <a:spcBef>
-                <a:spcPct val="0"/>
-              </a:spcBef>
-              <a:buNone/>
-              <a:defRPr sz="4400" kern="1200">
-                <a:solidFill>
-                  <a:schemeClr val="tx1"/>
-                </a:solidFill>
-                <a:latin typeface="+mj-lt"/>
-                <a:ea typeface="+mj-ea"/>
-                <a:cs typeface="+mj-cs"/>
-              </a:defRPr>
-            </a:lvl1pPr>
-          </a:lstStyle>
-          <a:p>
-            <a:r>
-              <a:rPr lang="en-US" dirty="0"/>
-              <a:t>Thank you</a:t>
-            </a:r>
-          </a:p>
-        </p:txBody>
-      </p:sp>
-    </p:spTree>
-    <p:extLst>
-      <p:ext uri="{BB962C8B-B14F-4D97-AF65-F5344CB8AC3E}">
-        <p14:creationId xmlns:p14="http://schemas.microsoft.com/office/powerpoint/2010/main" val="7942268"/>
-      </p:ext>
-    </p:extLst>
-  </p:cSld>
-  <p:clrMapOvr>
-    <a:masterClrMapping/>
-  </p:clrMapOvr>
-</p:sld>
-</file>
-
 <file path=ppt/slides/slide3.xml><?xml version="1.0" encoding="utf-8"?>
 <p:sld xmlns:a="http://schemas.openxmlformats.org/drawingml/2006/main" xmlns:r="http://schemas.openxmlformats.org/officeDocument/2006/relationships" xmlns:p="http://schemas.openxmlformats.org/presentationml/2006/main">
   <p:cSld>
@@ -8992,8 +8794,8 @@
         </p:nvSpPr>
         <p:spPr>
           <a:xfrm>
-            <a:off x="417095" y="1445677"/>
-            <a:ext cx="7261411" cy="4324261"/>
+            <a:off x="102135" y="1323757"/>
+            <a:ext cx="6669505" cy="3477875"/>
           </a:xfrm>
           <a:prstGeom prst="rect">
             <a:avLst/>
@@ -9011,7 +8813,7 @@
               <a:buChar char="•"/>
             </a:pPr>
             <a:r>
-              <a:rPr lang="en-US" sz="2500" dirty="0"/>
+              <a:rPr lang="en-US" sz="2000" dirty="0"/>
               <a:t>This study analyzes a marketing experiment conducted by a fast-food chain.</a:t>
             </a:r>
           </a:p>
@@ -9021,7 +8823,7 @@
               <a:buChar char="•"/>
             </a:pPr>
             <a:r>
-              <a:rPr lang="en-US" sz="2500" dirty="0"/>
+              <a:rPr lang="en-US" sz="2000" dirty="0"/>
               <a:t>Objective: To determine the most effective promotional campaign for Sale</a:t>
             </a:r>
           </a:p>
@@ -9031,7 +8833,7 @@
               <a:buChar char="•"/>
             </a:pPr>
             <a:r>
-              <a:rPr lang="en-US" sz="2500" dirty="0"/>
+              <a:rPr lang="en-US" sz="2000" dirty="0"/>
               <a:t>Data includes: </a:t>
             </a:r>
           </a:p>
@@ -9041,7 +8843,7 @@
               <a:buChar char="•"/>
             </a:pPr>
             <a:r>
-              <a:rPr lang="en-US" sz="2500" dirty="0"/>
+              <a:rPr lang="en-US" sz="2000" dirty="0"/>
               <a:t>Weekly sales figures across multiple locations.</a:t>
             </a:r>
           </a:p>
@@ -9051,7 +8853,7 @@
               <a:buChar char="•"/>
             </a:pPr>
             <a:r>
-              <a:rPr lang="en-US" sz="2500" dirty="0"/>
+              <a:rPr lang="en-US" sz="2000" dirty="0"/>
               <a:t>Stores assigned to one of three marketing campaigns (1, 2, or 3).</a:t>
             </a:r>
           </a:p>
@@ -9061,7 +8863,7 @@
               <a:buChar char="•"/>
             </a:pPr>
             <a:r>
-              <a:rPr lang="en-US" sz="2500" dirty="0"/>
+              <a:rPr lang="en-US" sz="2000" dirty="0"/>
               <a:t>Different market sizes and store ages.</a:t>
             </a:r>
           </a:p>
@@ -9071,12 +8873,12 @@
               <a:buChar char="•"/>
             </a:pPr>
             <a:r>
-              <a:rPr lang="en-US" sz="2500" dirty="0"/>
+              <a:rPr lang="en-US" sz="2000" dirty="0"/>
               <a:t>Data spans over four weeks.</a:t>
             </a:r>
           </a:p>
           <a:p>
-            <a:endParaRPr lang="en-IN" sz="2500" dirty="0"/>
+            <a:endParaRPr lang="en-IN" sz="2000" dirty="0"/>
           </a:p>
         </p:txBody>
       </p:sp>
@@ -9236,8 +9038,8 @@
         </p:nvSpPr>
         <p:spPr>
           <a:xfrm>
-            <a:off x="0" y="1061721"/>
-            <a:ext cx="10802471" cy="4216539"/>
+            <a:off x="152401" y="970281"/>
+            <a:ext cx="7991856" cy="3785652"/>
           </a:xfrm>
           <a:prstGeom prst="rect">
             <a:avLst/>
@@ -9267,12 +9069,10 @@
               <a:tabLst/>
             </a:pPr>
             <a:r>
-              <a:rPr lang="en-US" altLang="en-US" sz="2500" dirty="0">
-                <a:latin typeface="Gill Sans Nova Light (Body)"/>
-              </a:rPr>
+              <a:rPr lang="en-US" altLang="en-US" sz="2000" dirty="0"/>
               <a:t>Variables in the dataset:</a:t>
             </a:r>
-            <a:endParaRPr lang="en-US" sz="2500" dirty="0"/>
+            <a:endParaRPr lang="en-US" sz="2000" dirty="0"/>
           </a:p>
           <a:p>
             <a:pPr marL="742950" lvl="1" indent="-285750">
@@ -9280,15 +9080,15 @@
               <a:buChar char="•"/>
             </a:pPr>
             <a:r>
-              <a:rPr lang="en-US" sz="2500" b="1" dirty="0" err="1"/>
+              <a:rPr lang="en-US" sz="2000" b="1" dirty="0" err="1"/>
               <a:t>MarketID</a:t>
             </a:r>
             <a:r>
-              <a:rPr lang="en-US" sz="2500" b="1" dirty="0"/>
+              <a:rPr lang="en-US" sz="2000" b="1" dirty="0"/>
               <a:t>: </a:t>
             </a:r>
             <a:r>
-              <a:rPr lang="en-US" sz="2500" dirty="0"/>
+              <a:rPr lang="en-US" sz="2000" dirty="0"/>
               <a:t>unique identifier for market</a:t>
             </a:r>
           </a:p>
@@ -9298,15 +9098,15 @@
               <a:buChar char="•"/>
             </a:pPr>
             <a:r>
-              <a:rPr lang="en-US" sz="2500" b="1" dirty="0" err="1"/>
+              <a:rPr lang="en-US" sz="2000" b="1" dirty="0" err="1"/>
               <a:t>MarketSize</a:t>
             </a:r>
             <a:r>
-              <a:rPr lang="en-US" sz="2500" b="1" dirty="0"/>
+              <a:rPr lang="en-US" sz="2000" b="1" dirty="0"/>
               <a:t>: </a:t>
             </a:r>
             <a:r>
-              <a:rPr lang="en-US" sz="2500" dirty="0"/>
+              <a:rPr lang="en-US" sz="2000" dirty="0"/>
               <a:t>size of market area by sales</a:t>
             </a:r>
           </a:p>
@@ -9316,15 +9116,15 @@
               <a:buChar char="•"/>
             </a:pPr>
             <a:r>
-              <a:rPr lang="en-US" sz="2500" b="1" dirty="0" err="1"/>
+              <a:rPr lang="en-US" sz="2000" b="1" dirty="0" err="1"/>
               <a:t>LocationID</a:t>
             </a:r>
             <a:r>
-              <a:rPr lang="en-US" sz="2500" b="1" dirty="0"/>
+              <a:rPr lang="en-US" sz="2000" b="1" dirty="0"/>
               <a:t>: </a:t>
             </a:r>
             <a:r>
-              <a:rPr lang="en-US" sz="2500" dirty="0"/>
+              <a:rPr lang="en-US" sz="2000" dirty="0"/>
               <a:t>unique identifier for store location</a:t>
             </a:r>
           </a:p>
@@ -9334,15 +9134,15 @@
               <a:buChar char="•"/>
             </a:pPr>
             <a:r>
-              <a:rPr lang="en-US" sz="2500" b="1" dirty="0" err="1"/>
+              <a:rPr lang="en-US" sz="2000" b="1" dirty="0" err="1"/>
               <a:t>AgeOfStore</a:t>
             </a:r>
             <a:r>
-              <a:rPr lang="en-US" sz="2500" b="1" dirty="0"/>
+              <a:rPr lang="en-US" sz="2000" b="1" dirty="0"/>
               <a:t>: </a:t>
             </a:r>
             <a:r>
-              <a:rPr lang="en-US" sz="2500" dirty="0"/>
+              <a:rPr lang="en-US" sz="2000" dirty="0"/>
               <a:t>age of store in years</a:t>
             </a:r>
           </a:p>
@@ -9352,11 +9152,11 @@
               <a:buChar char="•"/>
             </a:pPr>
             <a:r>
-              <a:rPr lang="en-US" sz="2500" b="1" dirty="0"/>
+              <a:rPr lang="en-US" sz="2000" b="1" dirty="0"/>
               <a:t>Promotion</a:t>
             </a:r>
             <a:r>
-              <a:rPr lang="en-US" sz="2500" dirty="0"/>
+              <a:rPr lang="en-US" sz="2000" dirty="0"/>
               <a:t>: one of three promotions that were tested</a:t>
             </a:r>
           </a:p>
@@ -9366,11 +9166,11 @@
               <a:buChar char="•"/>
             </a:pPr>
             <a:r>
-              <a:rPr lang="en-US" sz="2500" b="1" dirty="0"/>
+              <a:rPr lang="en-US" sz="2000" b="1" dirty="0"/>
               <a:t>week: </a:t>
             </a:r>
             <a:r>
-              <a:rPr lang="en-US" sz="2500" dirty="0"/>
+              <a:rPr lang="en-US" sz="2000" dirty="0"/>
               <a:t>one of four weeks when the promotions were run</a:t>
             </a:r>
           </a:p>
@@ -9380,23 +9180,23 @@
               <a:buChar char="•"/>
             </a:pPr>
             <a:r>
-              <a:rPr lang="en-US" sz="2500" b="1" dirty="0" err="1"/>
+              <a:rPr lang="en-US" sz="2000" b="1" dirty="0" err="1"/>
               <a:t>SalesInThousands</a:t>
             </a:r>
             <a:r>
-              <a:rPr lang="en-US" sz="2500" b="1" dirty="0"/>
+              <a:rPr lang="en-US" sz="2000" b="1" dirty="0"/>
               <a:t>: </a:t>
             </a:r>
             <a:r>
-              <a:rPr lang="en-US" sz="2500" dirty="0"/>
+              <a:rPr lang="en-US" sz="2000" dirty="0"/>
               <a:t>sales amount for a specific </a:t>
             </a:r>
             <a:r>
-              <a:rPr lang="en-US" sz="2500" dirty="0" err="1"/>
+              <a:rPr lang="en-US" sz="2000" dirty="0" err="1"/>
               <a:t>LocationID</a:t>
             </a:r>
             <a:r>
-              <a:rPr lang="en-US" sz="2500" dirty="0"/>
+              <a:rPr lang="en-US" sz="2000" dirty="0"/>
               <a:t>, Promotion, and week.</a:t>
             </a:r>
           </a:p>
@@ -9406,7 +9206,7 @@
               <a:buChar char="•"/>
             </a:pPr>
             <a:r>
-              <a:rPr lang="en-US" sz="2500" dirty="0"/>
+              <a:rPr lang="en-US" sz="2000" dirty="0"/>
               <a:t>The goal is to determine the effect of promotions and market characteristics on sales.</a:t>
             </a:r>
           </a:p>
@@ -9427,7 +9227,7 @@
               <a:buChar char="•"/>
               <a:tabLst/>
             </a:pPr>
-            <a:endParaRPr kumimoji="0" lang="en-US" altLang="en-US" sz="1800" b="0" i="0" u="none" strike="noStrike" cap="none" normalizeH="0" baseline="0" dirty="0">
+            <a:endParaRPr kumimoji="0" lang="en-US" altLang="en-US" sz="2000" b="0" i="0" u="none" strike="noStrike" cap="none" normalizeH="0" baseline="0" dirty="0">
               <a:ln>
                 <a:noFill/>
               </a:ln>
@@ -9435,7 +9235,6 @@
                 <a:schemeClr val="tx1"/>
               </a:solidFill>
               <a:effectLst/>
-              <a:latin typeface="Gill Sans Nova Light (Body)"/>
             </a:endParaRPr>
           </a:p>
         </p:txBody>
@@ -9548,8 +9347,8 @@
         </p:nvSpPr>
         <p:spPr bwMode="auto">
           <a:xfrm>
-            <a:off x="263515" y="1609564"/>
-            <a:ext cx="11511926" cy="3970318"/>
+            <a:off x="175445" y="856367"/>
+            <a:ext cx="11511926" cy="5632311"/>
           </a:xfrm>
           <a:prstGeom prst="rect">
             <a:avLst/>
@@ -9934,6 +9733,75 @@
               <a:rPr lang="en-US" dirty="0"/>
               <a:t>.</a:t>
             </a:r>
+          </a:p>
+          <a:p>
+            <a:pPr marL="742950" lvl="1" indent="-285750">
+              <a:buFont typeface="+mj-lt"/>
+              <a:buAutoNum type="arabicPeriod"/>
+            </a:pPr>
+            <a:endParaRPr lang="en-US" dirty="0"/>
+          </a:p>
+          <a:p>
+            <a:r>
+              <a:rPr lang="en-US" sz="1800" b="1" dirty="0">
+                <a:solidFill>
+                  <a:schemeClr val="tx1"/>
+                </a:solidFill>
+              </a:rPr>
+              <a:t>4.Mature Stores (21.25 - 28 years)</a:t>
+            </a:r>
+            <a:endParaRPr lang="en-US" sz="1800" dirty="0">
+              <a:solidFill>
+                <a:schemeClr val="tx1"/>
+              </a:solidFill>
+            </a:endParaRPr>
+          </a:p>
+          <a:p>
+            <a:pPr marL="742950" lvl="1" indent="-285750">
+              <a:buFont typeface="+mj-lt"/>
+              <a:buAutoNum type="arabicPeriod"/>
+            </a:pPr>
+            <a:r>
+              <a:rPr lang="en-US" b="1" dirty="0"/>
+              <a:t>Promotion 1 has the highest median sales</a:t>
+            </a:r>
+            <a:r>
+              <a:rPr lang="en-US" dirty="0"/>
+              <a:t>.</a:t>
+            </a:r>
+          </a:p>
+          <a:p>
+            <a:pPr marL="742950" lvl="1" indent="-285750">
+              <a:buFont typeface="+mj-lt"/>
+              <a:buAutoNum type="arabicPeriod"/>
+            </a:pPr>
+            <a:r>
+              <a:rPr lang="en-US" b="1" dirty="0"/>
+              <a:t>Promotion 3 has a more consistent performance</a:t>
+            </a:r>
+            <a:r>
+              <a:rPr lang="en-US" dirty="0"/>
+              <a:t>.</a:t>
+            </a:r>
+          </a:p>
+          <a:p>
+            <a:pPr marL="742950" lvl="1" indent="-285750">
+              <a:buFont typeface="+mj-lt"/>
+              <a:buAutoNum type="arabicPeriod"/>
+            </a:pPr>
+            <a:r>
+              <a:rPr lang="en-US" b="1" dirty="0"/>
+              <a:t>Promotion 2 remains the weakest performer</a:t>
+            </a:r>
+            <a:r>
+              <a:rPr lang="en-US" dirty="0"/>
+              <a:t>.</a:t>
+            </a:r>
+            <a:endParaRPr lang="en-US" b="1" dirty="0"/>
+          </a:p>
+          <a:p>
+            <a:pPr lvl="1"/>
+            <a:endParaRPr lang="en-US" dirty="0"/>
           </a:p>
         </p:txBody>
       </p:sp>
@@ -10012,8 +9880,8 @@
         </p:nvSpPr>
         <p:spPr>
           <a:xfrm>
-            <a:off x="0" y="72424"/>
-            <a:ext cx="10766612" cy="3356576"/>
+            <a:off x="293594" y="80840"/>
+            <a:ext cx="10766612" cy="2470336"/>
           </a:xfrm>
           <a:prstGeom prst="rect">
             <a:avLst/>
@@ -10120,64 +9988,6 @@
               </a:defRPr>
             </a:lvl9pPr>
           </a:lstStyle>
-          <a:p>
-            <a:r>
-              <a:rPr lang="en-US" sz="1800" b="1" dirty="0">
-                <a:solidFill>
-                  <a:schemeClr val="tx1"/>
-                </a:solidFill>
-              </a:rPr>
-              <a:t>4.Mature Stores (21.25 - 28 years)</a:t>
-            </a:r>
-            <a:endParaRPr lang="en-US" sz="1800" dirty="0">
-              <a:solidFill>
-                <a:schemeClr val="tx1"/>
-              </a:solidFill>
-            </a:endParaRPr>
-          </a:p>
-          <a:p>
-            <a:pPr marL="742950" lvl="1" indent="-285750">
-              <a:buFont typeface="+mj-lt"/>
-              <a:buAutoNum type="arabicPeriod"/>
-            </a:pPr>
-            <a:r>
-              <a:rPr lang="en-US" b="1" dirty="0"/>
-              <a:t>Promotion 1 has the highest median sales</a:t>
-            </a:r>
-            <a:r>
-              <a:rPr lang="en-US" dirty="0"/>
-              <a:t>.</a:t>
-            </a:r>
-          </a:p>
-          <a:p>
-            <a:pPr marL="742950" lvl="1" indent="-285750">
-              <a:buFont typeface="+mj-lt"/>
-              <a:buAutoNum type="arabicPeriod"/>
-            </a:pPr>
-            <a:r>
-              <a:rPr lang="en-US" b="1" dirty="0"/>
-              <a:t>Promotion 3 has a more consistent performance</a:t>
-            </a:r>
-            <a:r>
-              <a:rPr lang="en-US" dirty="0"/>
-              <a:t>.</a:t>
-            </a:r>
-          </a:p>
-          <a:p>
-            <a:pPr marL="742950" lvl="1" indent="-285750">
-              <a:buFont typeface="+mj-lt"/>
-              <a:buAutoNum type="arabicPeriod"/>
-            </a:pPr>
-            <a:r>
-              <a:rPr lang="en-US" b="1" dirty="0"/>
-              <a:t>Promotion 2 remains the weakest performer</a:t>
-            </a:r>
-            <a:r>
-              <a:rPr lang="en-US" dirty="0"/>
-              <a:t>.</a:t>
-            </a:r>
-            <a:endParaRPr lang="en-US" b="1" dirty="0"/>
-          </a:p>
           <a:p>
             <a:r>
               <a:rPr lang="en-US" sz="1800" b="1" dirty="0">
@@ -10468,7 +10278,7 @@
         </p:blipFill>
         <p:spPr>
           <a:xfrm>
-            <a:off x="3300748" y="2941259"/>
+            <a:off x="2377460" y="2439609"/>
             <a:ext cx="6086343" cy="3916741"/>
           </a:xfrm>
           <a:prstGeom prst="rect">
@@ -10587,7 +10397,7 @@
         </p:nvSpPr>
         <p:spPr>
           <a:xfrm>
-            <a:off x="398931" y="748553"/>
+            <a:off x="270915" y="479610"/>
             <a:ext cx="9583269" cy="5360893"/>
           </a:xfrm>
           <a:prstGeom prst="rect">
@@ -11112,8 +10922,8 @@
         </p:nvSpPr>
         <p:spPr>
           <a:xfrm>
-            <a:off x="77850" y="0"/>
-            <a:ext cx="7150608" cy="3356576"/>
+            <a:off x="249130" y="-219456"/>
+            <a:ext cx="10184174" cy="3300984"/>
           </a:xfrm>
           <a:prstGeom prst="rect">
             <a:avLst/>
